--- a/RIPMazeRunner.pptx
+++ b/RIPMazeRunner.pptx
@@ -12,16 +12,17 @@
     <p:sldId id="270" r:id="rId6"/>
     <p:sldId id="271" r:id="rId7"/>
     <p:sldId id="260" r:id="rId8"/>
-    <p:sldId id="261" r:id="rId9"/>
+    <p:sldId id="275" r:id="rId9"/>
     <p:sldId id="268" r:id="rId10"/>
-    <p:sldId id="262" r:id="rId11"/>
-    <p:sldId id="263" r:id="rId12"/>
-    <p:sldId id="264" r:id="rId13"/>
-    <p:sldId id="265" r:id="rId14"/>
-    <p:sldId id="266" r:id="rId15"/>
-    <p:sldId id="267" r:id="rId16"/>
-    <p:sldId id="272" r:id="rId17"/>
-    <p:sldId id="273" r:id="rId18"/>
+    <p:sldId id="274" r:id="rId11"/>
+    <p:sldId id="262" r:id="rId12"/>
+    <p:sldId id="263" r:id="rId13"/>
+    <p:sldId id="264" r:id="rId14"/>
+    <p:sldId id="265" r:id="rId15"/>
+    <p:sldId id="266" r:id="rId16"/>
+    <p:sldId id="267" r:id="rId17"/>
+    <p:sldId id="272" r:id="rId18"/>
+    <p:sldId id="273" r:id="rId19"/>
   </p:sldIdLst>
   <p:sldSz cx="12192000" cy="6858000"/>
   <p:notesSz cx="6858000" cy="9144000"/>
@@ -120,6 +121,11 @@
       </a:defRPr>
     </a:lvl9pPr>
   </p:defaultTextStyle>
+  <p:extLst>
+    <p:ext uri="{EFAFB233-063F-42B5-8137-9DF3F51BA10A}">
+      <p15:sldGuideLst xmlns:p15="http://schemas.microsoft.com/office/powerpoint/2012/main"/>
+    </p:ext>
+  </p:extLst>
 </p:presentation>
 </file>
 
@@ -875,6 +881,1628 @@
   <dgm:styleLbl name="fgShp">
     <dgm:fillClrLst meth="repeat">
       <a:schemeClr val="accent2">
+        <a:tint val="40000"/>
+      </a:schemeClr>
+    </dgm:fillClrLst>
+    <dgm:linClrLst meth="repeat">
+      <a:schemeClr val="lt1"/>
+    </dgm:linClrLst>
+    <dgm:effectClrLst/>
+    <dgm:txLinClrLst/>
+    <dgm:txFillClrLst meth="repeat">
+      <a:schemeClr val="dk1"/>
+    </dgm:txFillClrLst>
+    <dgm:txEffectClrLst/>
+  </dgm:styleLbl>
+  <dgm:styleLbl name="revTx">
+    <dgm:fillClrLst meth="repeat">
+      <a:schemeClr val="lt1">
+        <a:alpha val="0"/>
+      </a:schemeClr>
+    </dgm:fillClrLst>
+    <dgm:linClrLst meth="repeat">
+      <a:schemeClr val="dk1">
+        <a:alpha val="0"/>
+      </a:schemeClr>
+    </dgm:linClrLst>
+    <dgm:effectClrLst/>
+    <dgm:txLinClrLst/>
+    <dgm:txFillClrLst meth="repeat">
+      <a:schemeClr val="tx1"/>
+    </dgm:txFillClrLst>
+    <dgm:txEffectClrLst/>
+  </dgm:styleLbl>
+</dgm:colorsDef>
+</file>
+
+<file path=ppt/diagrams/colors2.xml><?xml version="1.0" encoding="utf-8"?>
+<dgm:colorsDef xmlns:dgm="http://schemas.openxmlformats.org/drawingml/2006/diagram" xmlns:a="http://schemas.openxmlformats.org/drawingml/2006/main" uniqueId="urn:microsoft.com/office/officeart/2005/8/colors/accent4_2">
+  <dgm:title val=""/>
+  <dgm:desc val=""/>
+  <dgm:catLst>
+    <dgm:cat type="accent4" pri="11200"/>
+  </dgm:catLst>
+  <dgm:styleLbl name="node0">
+    <dgm:fillClrLst meth="repeat">
+      <a:schemeClr val="accent4"/>
+    </dgm:fillClrLst>
+    <dgm:linClrLst meth="repeat">
+      <a:schemeClr val="lt1"/>
+    </dgm:linClrLst>
+    <dgm:effectClrLst/>
+    <dgm:txLinClrLst/>
+    <dgm:txFillClrLst/>
+    <dgm:txEffectClrLst/>
+  </dgm:styleLbl>
+  <dgm:styleLbl name="node1">
+    <dgm:fillClrLst meth="repeat">
+      <a:schemeClr val="accent4"/>
+    </dgm:fillClrLst>
+    <dgm:linClrLst meth="repeat">
+      <a:schemeClr val="lt1"/>
+    </dgm:linClrLst>
+    <dgm:effectClrLst/>
+    <dgm:txLinClrLst/>
+    <dgm:txFillClrLst/>
+    <dgm:txEffectClrLst/>
+  </dgm:styleLbl>
+  <dgm:styleLbl name="alignNode1">
+    <dgm:fillClrLst meth="repeat">
+      <a:schemeClr val="accent4"/>
+    </dgm:fillClrLst>
+    <dgm:linClrLst meth="repeat">
+      <a:schemeClr val="accent4"/>
+    </dgm:linClrLst>
+    <dgm:effectClrLst/>
+    <dgm:txLinClrLst/>
+    <dgm:txFillClrLst/>
+    <dgm:txEffectClrLst/>
+  </dgm:styleLbl>
+  <dgm:styleLbl name="lnNode1">
+    <dgm:fillClrLst meth="repeat">
+      <a:schemeClr val="accent4"/>
+    </dgm:fillClrLst>
+    <dgm:linClrLst meth="repeat">
+      <a:schemeClr val="lt1"/>
+    </dgm:linClrLst>
+    <dgm:effectClrLst/>
+    <dgm:txLinClrLst/>
+    <dgm:txFillClrLst/>
+    <dgm:txEffectClrLst/>
+  </dgm:styleLbl>
+  <dgm:styleLbl name="vennNode1">
+    <dgm:fillClrLst meth="repeat">
+      <a:schemeClr val="accent4">
+        <a:alpha val="50000"/>
+      </a:schemeClr>
+    </dgm:fillClrLst>
+    <dgm:linClrLst meth="repeat">
+      <a:schemeClr val="lt1"/>
+    </dgm:linClrLst>
+    <dgm:effectClrLst/>
+    <dgm:txLinClrLst/>
+    <dgm:txFillClrLst/>
+    <dgm:txEffectClrLst/>
+  </dgm:styleLbl>
+  <dgm:styleLbl name="node2">
+    <dgm:fillClrLst meth="repeat">
+      <a:schemeClr val="accent4"/>
+    </dgm:fillClrLst>
+    <dgm:linClrLst meth="repeat">
+      <a:schemeClr val="lt1"/>
+    </dgm:linClrLst>
+    <dgm:effectClrLst/>
+    <dgm:txLinClrLst/>
+    <dgm:txFillClrLst/>
+    <dgm:txEffectClrLst/>
+  </dgm:styleLbl>
+  <dgm:styleLbl name="node3">
+    <dgm:fillClrLst meth="repeat">
+      <a:schemeClr val="accent4"/>
+    </dgm:fillClrLst>
+    <dgm:linClrLst meth="repeat">
+      <a:schemeClr val="lt1"/>
+    </dgm:linClrLst>
+    <dgm:effectClrLst/>
+    <dgm:txLinClrLst/>
+    <dgm:txFillClrLst/>
+    <dgm:txEffectClrLst/>
+  </dgm:styleLbl>
+  <dgm:styleLbl name="node4">
+    <dgm:fillClrLst meth="repeat">
+      <a:schemeClr val="accent4"/>
+    </dgm:fillClrLst>
+    <dgm:linClrLst meth="repeat">
+      <a:schemeClr val="lt1"/>
+    </dgm:linClrLst>
+    <dgm:effectClrLst/>
+    <dgm:txLinClrLst/>
+    <dgm:txFillClrLst/>
+    <dgm:txEffectClrLst/>
+  </dgm:styleLbl>
+  <dgm:styleLbl name="fgImgPlace1">
+    <dgm:fillClrLst meth="repeat">
+      <a:schemeClr val="accent4">
+        <a:tint val="50000"/>
+      </a:schemeClr>
+    </dgm:fillClrLst>
+    <dgm:linClrLst meth="repeat">
+      <a:schemeClr val="lt1"/>
+    </dgm:linClrLst>
+    <dgm:effectClrLst/>
+    <dgm:txLinClrLst/>
+    <dgm:txFillClrLst meth="repeat">
+      <a:schemeClr val="lt1"/>
+    </dgm:txFillClrLst>
+    <dgm:txEffectClrLst/>
+  </dgm:styleLbl>
+  <dgm:styleLbl name="alignImgPlace1">
+    <dgm:fillClrLst meth="repeat">
+      <a:schemeClr val="accent4">
+        <a:tint val="50000"/>
+      </a:schemeClr>
+    </dgm:fillClrLst>
+    <dgm:linClrLst meth="repeat">
+      <a:schemeClr val="lt1"/>
+    </dgm:linClrLst>
+    <dgm:effectClrLst/>
+    <dgm:txLinClrLst/>
+    <dgm:txFillClrLst meth="repeat">
+      <a:schemeClr val="lt1"/>
+    </dgm:txFillClrLst>
+    <dgm:txEffectClrLst/>
+  </dgm:styleLbl>
+  <dgm:styleLbl name="bgImgPlace1">
+    <dgm:fillClrLst meth="repeat">
+      <a:schemeClr val="accent4">
+        <a:tint val="50000"/>
+      </a:schemeClr>
+    </dgm:fillClrLst>
+    <dgm:linClrLst meth="repeat">
+      <a:schemeClr val="lt1"/>
+    </dgm:linClrLst>
+    <dgm:effectClrLst/>
+    <dgm:txLinClrLst/>
+    <dgm:txFillClrLst meth="repeat">
+      <a:schemeClr val="lt1"/>
+    </dgm:txFillClrLst>
+    <dgm:txEffectClrLst/>
+  </dgm:styleLbl>
+  <dgm:styleLbl name="sibTrans2D1">
+    <dgm:fillClrLst meth="repeat">
+      <a:schemeClr val="accent4">
+        <a:tint val="60000"/>
+      </a:schemeClr>
+    </dgm:fillClrLst>
+    <dgm:linClrLst meth="repeat">
+      <a:schemeClr val="accent4">
+        <a:tint val="60000"/>
+      </a:schemeClr>
+    </dgm:linClrLst>
+    <dgm:effectClrLst/>
+    <dgm:txLinClrLst/>
+    <dgm:txFillClrLst/>
+    <dgm:txEffectClrLst/>
+  </dgm:styleLbl>
+  <dgm:styleLbl name="fgSibTrans2D1">
+    <dgm:fillClrLst meth="repeat">
+      <a:schemeClr val="accent4">
+        <a:tint val="60000"/>
+      </a:schemeClr>
+    </dgm:fillClrLst>
+    <dgm:linClrLst meth="repeat">
+      <a:schemeClr val="accent4">
+        <a:tint val="60000"/>
+      </a:schemeClr>
+    </dgm:linClrLst>
+    <dgm:effectClrLst/>
+    <dgm:txLinClrLst/>
+    <dgm:txFillClrLst/>
+    <dgm:txEffectClrLst/>
+  </dgm:styleLbl>
+  <dgm:styleLbl name="bgSibTrans2D1">
+    <dgm:fillClrLst meth="repeat">
+      <a:schemeClr val="accent4">
+        <a:tint val="60000"/>
+      </a:schemeClr>
+    </dgm:fillClrLst>
+    <dgm:linClrLst meth="repeat">
+      <a:schemeClr val="accent4">
+        <a:tint val="60000"/>
+      </a:schemeClr>
+    </dgm:linClrLst>
+    <dgm:effectClrLst/>
+    <dgm:txLinClrLst/>
+    <dgm:txFillClrLst/>
+    <dgm:txEffectClrLst/>
+  </dgm:styleLbl>
+  <dgm:styleLbl name="sibTrans1D1">
+    <dgm:fillClrLst meth="repeat">
+      <a:schemeClr val="accent4"/>
+    </dgm:fillClrLst>
+    <dgm:linClrLst meth="repeat">
+      <a:schemeClr val="accent4"/>
+    </dgm:linClrLst>
+    <dgm:effectClrLst/>
+    <dgm:txLinClrLst/>
+    <dgm:txFillClrLst meth="repeat">
+      <a:schemeClr val="tx1"/>
+    </dgm:txFillClrLst>
+    <dgm:txEffectClrLst/>
+  </dgm:styleLbl>
+  <dgm:styleLbl name="callout">
+    <dgm:fillClrLst meth="repeat">
+      <a:schemeClr val="accent4"/>
+    </dgm:fillClrLst>
+    <dgm:linClrLst meth="repeat">
+      <a:schemeClr val="accent4">
+        <a:tint val="50000"/>
+      </a:schemeClr>
+    </dgm:linClrLst>
+    <dgm:effectClrLst/>
+    <dgm:txLinClrLst/>
+    <dgm:txFillClrLst meth="repeat">
+      <a:schemeClr val="tx1"/>
+    </dgm:txFillClrLst>
+    <dgm:txEffectClrLst/>
+  </dgm:styleLbl>
+  <dgm:styleLbl name="asst0">
+    <dgm:fillClrLst meth="repeat">
+      <a:schemeClr val="accent4"/>
+    </dgm:fillClrLst>
+    <dgm:linClrLst meth="repeat">
+      <a:schemeClr val="lt1"/>
+    </dgm:linClrLst>
+    <dgm:effectClrLst/>
+    <dgm:txLinClrLst/>
+    <dgm:txFillClrLst/>
+    <dgm:txEffectClrLst/>
+  </dgm:styleLbl>
+  <dgm:styleLbl name="asst1">
+    <dgm:fillClrLst meth="repeat">
+      <a:schemeClr val="accent4"/>
+    </dgm:fillClrLst>
+    <dgm:linClrLst meth="repeat">
+      <a:schemeClr val="lt1"/>
+    </dgm:linClrLst>
+    <dgm:effectClrLst/>
+    <dgm:txLinClrLst/>
+    <dgm:txFillClrLst/>
+    <dgm:txEffectClrLst/>
+  </dgm:styleLbl>
+  <dgm:styleLbl name="asst2">
+    <dgm:fillClrLst meth="repeat">
+      <a:schemeClr val="accent4"/>
+    </dgm:fillClrLst>
+    <dgm:linClrLst meth="repeat">
+      <a:schemeClr val="lt1"/>
+    </dgm:linClrLst>
+    <dgm:effectClrLst/>
+    <dgm:txLinClrLst/>
+    <dgm:txFillClrLst/>
+    <dgm:txEffectClrLst/>
+  </dgm:styleLbl>
+  <dgm:styleLbl name="asst3">
+    <dgm:fillClrLst meth="repeat">
+      <a:schemeClr val="accent4"/>
+    </dgm:fillClrLst>
+    <dgm:linClrLst meth="repeat">
+      <a:schemeClr val="lt1"/>
+    </dgm:linClrLst>
+    <dgm:effectClrLst/>
+    <dgm:txLinClrLst/>
+    <dgm:txFillClrLst/>
+    <dgm:txEffectClrLst/>
+  </dgm:styleLbl>
+  <dgm:styleLbl name="asst4">
+    <dgm:fillClrLst meth="repeat">
+      <a:schemeClr val="accent4"/>
+    </dgm:fillClrLst>
+    <dgm:linClrLst meth="repeat">
+      <a:schemeClr val="lt1"/>
+    </dgm:linClrLst>
+    <dgm:effectClrLst/>
+    <dgm:txLinClrLst/>
+    <dgm:txFillClrLst/>
+    <dgm:txEffectClrLst/>
+  </dgm:styleLbl>
+  <dgm:styleLbl name="parChTrans2D1">
+    <dgm:fillClrLst meth="repeat">
+      <a:schemeClr val="accent4">
+        <a:tint val="60000"/>
+      </a:schemeClr>
+    </dgm:fillClrLst>
+    <dgm:linClrLst meth="repeat">
+      <a:schemeClr val="accent4">
+        <a:tint val="60000"/>
+      </a:schemeClr>
+    </dgm:linClrLst>
+    <dgm:effectClrLst/>
+    <dgm:txLinClrLst/>
+    <dgm:txFillClrLst meth="repeat">
+      <a:schemeClr val="lt1"/>
+    </dgm:txFillClrLst>
+    <dgm:txEffectClrLst/>
+  </dgm:styleLbl>
+  <dgm:styleLbl name="parChTrans2D2">
+    <dgm:fillClrLst meth="repeat">
+      <a:schemeClr val="accent4"/>
+    </dgm:fillClrLst>
+    <dgm:linClrLst meth="repeat">
+      <a:schemeClr val="accent4"/>
+    </dgm:linClrLst>
+    <dgm:effectClrLst/>
+    <dgm:txLinClrLst/>
+    <dgm:txFillClrLst meth="repeat">
+      <a:schemeClr val="lt1"/>
+    </dgm:txFillClrLst>
+    <dgm:txEffectClrLst/>
+  </dgm:styleLbl>
+  <dgm:styleLbl name="parChTrans2D3">
+    <dgm:fillClrLst meth="repeat">
+      <a:schemeClr val="accent4"/>
+    </dgm:fillClrLst>
+    <dgm:linClrLst meth="repeat">
+      <a:schemeClr val="accent4"/>
+    </dgm:linClrLst>
+    <dgm:effectClrLst/>
+    <dgm:txLinClrLst/>
+    <dgm:txFillClrLst meth="repeat">
+      <a:schemeClr val="lt1"/>
+    </dgm:txFillClrLst>
+    <dgm:txEffectClrLst/>
+  </dgm:styleLbl>
+  <dgm:styleLbl name="parChTrans2D4">
+    <dgm:fillClrLst meth="repeat">
+      <a:schemeClr val="accent4"/>
+    </dgm:fillClrLst>
+    <dgm:linClrLst meth="repeat">
+      <a:schemeClr val="accent4"/>
+    </dgm:linClrLst>
+    <dgm:effectClrLst/>
+    <dgm:txLinClrLst/>
+    <dgm:txFillClrLst meth="repeat">
+      <a:schemeClr val="lt1"/>
+    </dgm:txFillClrLst>
+    <dgm:txEffectClrLst/>
+  </dgm:styleLbl>
+  <dgm:styleLbl name="parChTrans1D1">
+    <dgm:fillClrLst meth="repeat">
+      <a:schemeClr val="accent4"/>
+    </dgm:fillClrLst>
+    <dgm:linClrLst meth="repeat">
+      <a:schemeClr val="accent4">
+        <a:shade val="60000"/>
+      </a:schemeClr>
+    </dgm:linClrLst>
+    <dgm:effectClrLst/>
+    <dgm:txLinClrLst/>
+    <dgm:txFillClrLst meth="repeat">
+      <a:schemeClr val="tx1"/>
+    </dgm:txFillClrLst>
+    <dgm:txEffectClrLst/>
+  </dgm:styleLbl>
+  <dgm:styleLbl name="parChTrans1D2">
+    <dgm:fillClrLst meth="repeat">
+      <a:schemeClr val="accent4"/>
+    </dgm:fillClrLst>
+    <dgm:linClrLst meth="repeat">
+      <a:schemeClr val="accent4">
+        <a:shade val="60000"/>
+      </a:schemeClr>
+    </dgm:linClrLst>
+    <dgm:effectClrLst/>
+    <dgm:txLinClrLst/>
+    <dgm:txFillClrLst meth="repeat">
+      <a:schemeClr val="tx1"/>
+    </dgm:txFillClrLst>
+    <dgm:txEffectClrLst/>
+  </dgm:styleLbl>
+  <dgm:styleLbl name="parChTrans1D3">
+    <dgm:fillClrLst meth="repeat">
+      <a:schemeClr val="accent4"/>
+    </dgm:fillClrLst>
+    <dgm:linClrLst meth="repeat">
+      <a:schemeClr val="accent4">
+        <a:shade val="80000"/>
+      </a:schemeClr>
+    </dgm:linClrLst>
+    <dgm:effectClrLst/>
+    <dgm:txLinClrLst/>
+    <dgm:txFillClrLst meth="repeat">
+      <a:schemeClr val="tx1"/>
+    </dgm:txFillClrLst>
+    <dgm:txEffectClrLst/>
+  </dgm:styleLbl>
+  <dgm:styleLbl name="parChTrans1D4">
+    <dgm:fillClrLst meth="repeat">
+      <a:schemeClr val="accent4"/>
+    </dgm:fillClrLst>
+    <dgm:linClrLst meth="repeat">
+      <a:schemeClr val="accent4">
+        <a:shade val="80000"/>
+      </a:schemeClr>
+    </dgm:linClrLst>
+    <dgm:effectClrLst/>
+    <dgm:txLinClrLst/>
+    <dgm:txFillClrLst meth="repeat">
+      <a:schemeClr val="tx1"/>
+    </dgm:txFillClrLst>
+    <dgm:txEffectClrLst/>
+  </dgm:styleLbl>
+  <dgm:styleLbl name="fgAcc1">
+    <dgm:fillClrLst meth="repeat">
+      <a:schemeClr val="lt1">
+        <a:alpha val="90000"/>
+      </a:schemeClr>
+    </dgm:fillClrLst>
+    <dgm:linClrLst meth="repeat">
+      <a:schemeClr val="accent4"/>
+    </dgm:linClrLst>
+    <dgm:effectClrLst/>
+    <dgm:txLinClrLst/>
+    <dgm:txFillClrLst meth="repeat">
+      <a:schemeClr val="dk1"/>
+    </dgm:txFillClrLst>
+    <dgm:txEffectClrLst/>
+  </dgm:styleLbl>
+  <dgm:styleLbl name="conFgAcc1">
+    <dgm:fillClrLst meth="repeat">
+      <a:schemeClr val="lt1">
+        <a:alpha val="90000"/>
+      </a:schemeClr>
+    </dgm:fillClrLst>
+    <dgm:linClrLst meth="repeat">
+      <a:schemeClr val="accent4"/>
+    </dgm:linClrLst>
+    <dgm:effectClrLst/>
+    <dgm:txLinClrLst/>
+    <dgm:txFillClrLst meth="repeat">
+      <a:schemeClr val="dk1"/>
+    </dgm:txFillClrLst>
+    <dgm:txEffectClrLst/>
+  </dgm:styleLbl>
+  <dgm:styleLbl name="alignAcc1">
+    <dgm:fillClrLst meth="repeat">
+      <a:schemeClr val="lt1">
+        <a:alpha val="90000"/>
+      </a:schemeClr>
+    </dgm:fillClrLst>
+    <dgm:linClrLst meth="repeat">
+      <a:schemeClr val="accent4"/>
+    </dgm:linClrLst>
+    <dgm:effectClrLst/>
+    <dgm:txLinClrLst/>
+    <dgm:txFillClrLst meth="repeat">
+      <a:schemeClr val="dk1"/>
+    </dgm:txFillClrLst>
+    <dgm:txEffectClrLst/>
+  </dgm:styleLbl>
+  <dgm:styleLbl name="trAlignAcc1">
+    <dgm:fillClrLst meth="repeat">
+      <a:schemeClr val="lt1">
+        <a:alpha val="40000"/>
+      </a:schemeClr>
+    </dgm:fillClrLst>
+    <dgm:linClrLst meth="repeat">
+      <a:schemeClr val="accent4"/>
+    </dgm:linClrLst>
+    <dgm:effectClrLst/>
+    <dgm:txLinClrLst/>
+    <dgm:txFillClrLst meth="repeat">
+      <a:schemeClr val="dk1"/>
+    </dgm:txFillClrLst>
+    <dgm:txEffectClrLst/>
+  </dgm:styleLbl>
+  <dgm:styleLbl name="bgAcc1">
+    <dgm:fillClrLst meth="repeat">
+      <a:schemeClr val="lt1">
+        <a:alpha val="90000"/>
+      </a:schemeClr>
+    </dgm:fillClrLst>
+    <dgm:linClrLst meth="repeat">
+      <a:schemeClr val="accent4"/>
+    </dgm:linClrLst>
+    <dgm:effectClrLst/>
+    <dgm:txLinClrLst/>
+    <dgm:txFillClrLst meth="repeat">
+      <a:schemeClr val="dk1"/>
+    </dgm:txFillClrLst>
+    <dgm:txEffectClrLst/>
+  </dgm:styleLbl>
+  <dgm:styleLbl name="solidFgAcc1">
+    <dgm:fillClrLst meth="repeat">
+      <a:schemeClr val="lt1"/>
+    </dgm:fillClrLst>
+    <dgm:linClrLst meth="repeat">
+      <a:schemeClr val="accent4"/>
+    </dgm:linClrLst>
+    <dgm:effectClrLst/>
+    <dgm:txLinClrLst/>
+    <dgm:txFillClrLst meth="repeat">
+      <a:schemeClr val="dk1"/>
+    </dgm:txFillClrLst>
+    <dgm:txEffectClrLst/>
+  </dgm:styleLbl>
+  <dgm:styleLbl name="solidAlignAcc1">
+    <dgm:fillClrLst meth="repeat">
+      <a:schemeClr val="lt1"/>
+    </dgm:fillClrLst>
+    <dgm:linClrLst meth="repeat">
+      <a:schemeClr val="accent4"/>
+    </dgm:linClrLst>
+    <dgm:effectClrLst/>
+    <dgm:txLinClrLst/>
+    <dgm:txFillClrLst meth="repeat">
+      <a:schemeClr val="dk1"/>
+    </dgm:txFillClrLst>
+    <dgm:txEffectClrLst/>
+  </dgm:styleLbl>
+  <dgm:styleLbl name="solidBgAcc1">
+    <dgm:fillClrLst meth="repeat">
+      <a:schemeClr val="lt1"/>
+    </dgm:fillClrLst>
+    <dgm:linClrLst meth="repeat">
+      <a:schemeClr val="accent4"/>
+    </dgm:linClrLst>
+    <dgm:effectClrLst/>
+    <dgm:txLinClrLst/>
+    <dgm:txFillClrLst meth="repeat">
+      <a:schemeClr val="dk1"/>
+    </dgm:txFillClrLst>
+    <dgm:txEffectClrLst/>
+  </dgm:styleLbl>
+  <dgm:styleLbl name="fgAccFollowNode1">
+    <dgm:fillClrLst meth="repeat">
+      <a:schemeClr val="accent4">
+        <a:alpha val="90000"/>
+        <a:tint val="40000"/>
+      </a:schemeClr>
+    </dgm:fillClrLst>
+    <dgm:linClrLst meth="repeat">
+      <a:schemeClr val="accent4">
+        <a:alpha val="90000"/>
+        <a:tint val="40000"/>
+      </a:schemeClr>
+    </dgm:linClrLst>
+    <dgm:effectClrLst/>
+    <dgm:txLinClrLst/>
+    <dgm:txFillClrLst meth="repeat">
+      <a:schemeClr val="dk1"/>
+    </dgm:txFillClrLst>
+    <dgm:txEffectClrLst/>
+  </dgm:styleLbl>
+  <dgm:styleLbl name="alignAccFollowNode1">
+    <dgm:fillClrLst meth="repeat">
+      <a:schemeClr val="accent4">
+        <a:alpha val="90000"/>
+        <a:tint val="40000"/>
+      </a:schemeClr>
+    </dgm:fillClrLst>
+    <dgm:linClrLst meth="repeat">
+      <a:schemeClr val="accent4">
+        <a:alpha val="90000"/>
+        <a:tint val="40000"/>
+      </a:schemeClr>
+    </dgm:linClrLst>
+    <dgm:effectClrLst/>
+    <dgm:txLinClrLst/>
+    <dgm:txFillClrLst meth="repeat">
+      <a:schemeClr val="dk1"/>
+    </dgm:txFillClrLst>
+    <dgm:txEffectClrLst/>
+  </dgm:styleLbl>
+  <dgm:styleLbl name="bgAccFollowNode1">
+    <dgm:fillClrLst meth="repeat">
+      <a:schemeClr val="accent4">
+        <a:alpha val="90000"/>
+        <a:tint val="40000"/>
+      </a:schemeClr>
+    </dgm:fillClrLst>
+    <dgm:linClrLst meth="repeat">
+      <a:schemeClr val="accent4">
+        <a:alpha val="90000"/>
+        <a:tint val="40000"/>
+      </a:schemeClr>
+    </dgm:linClrLst>
+    <dgm:effectClrLst/>
+    <dgm:txLinClrLst/>
+    <dgm:txFillClrLst meth="repeat">
+      <a:schemeClr val="dk1"/>
+    </dgm:txFillClrLst>
+    <dgm:txEffectClrLst/>
+  </dgm:styleLbl>
+  <dgm:styleLbl name="fgAcc0">
+    <dgm:fillClrLst meth="repeat">
+      <a:schemeClr val="lt1">
+        <a:alpha val="90000"/>
+      </a:schemeClr>
+    </dgm:fillClrLst>
+    <dgm:linClrLst meth="repeat">
+      <a:schemeClr val="accent4"/>
+    </dgm:linClrLst>
+    <dgm:effectClrLst/>
+    <dgm:txLinClrLst/>
+    <dgm:txFillClrLst meth="repeat">
+      <a:schemeClr val="dk1"/>
+    </dgm:txFillClrLst>
+    <dgm:txEffectClrLst/>
+  </dgm:styleLbl>
+  <dgm:styleLbl name="fgAcc2">
+    <dgm:fillClrLst meth="repeat">
+      <a:schemeClr val="lt1">
+        <a:alpha val="90000"/>
+      </a:schemeClr>
+    </dgm:fillClrLst>
+    <dgm:linClrLst meth="repeat">
+      <a:schemeClr val="accent4"/>
+    </dgm:linClrLst>
+    <dgm:effectClrLst/>
+    <dgm:txLinClrLst/>
+    <dgm:txFillClrLst meth="repeat">
+      <a:schemeClr val="dk1"/>
+    </dgm:txFillClrLst>
+    <dgm:txEffectClrLst/>
+  </dgm:styleLbl>
+  <dgm:styleLbl name="fgAcc3">
+    <dgm:fillClrLst meth="repeat">
+      <a:schemeClr val="lt1">
+        <a:alpha val="90000"/>
+      </a:schemeClr>
+    </dgm:fillClrLst>
+    <dgm:linClrLst meth="repeat">
+      <a:schemeClr val="accent4"/>
+    </dgm:linClrLst>
+    <dgm:effectClrLst/>
+    <dgm:txLinClrLst/>
+    <dgm:txFillClrLst meth="repeat">
+      <a:schemeClr val="dk1"/>
+    </dgm:txFillClrLst>
+    <dgm:txEffectClrLst/>
+  </dgm:styleLbl>
+  <dgm:styleLbl name="fgAcc4">
+    <dgm:fillClrLst meth="repeat">
+      <a:schemeClr val="lt1">
+        <a:alpha val="90000"/>
+      </a:schemeClr>
+    </dgm:fillClrLst>
+    <dgm:linClrLst meth="repeat">
+      <a:schemeClr val="accent4"/>
+    </dgm:linClrLst>
+    <dgm:effectClrLst/>
+    <dgm:txLinClrLst/>
+    <dgm:txFillClrLst meth="repeat">
+      <a:schemeClr val="dk1"/>
+    </dgm:txFillClrLst>
+    <dgm:txEffectClrLst/>
+  </dgm:styleLbl>
+  <dgm:styleLbl name="bgShp">
+    <dgm:fillClrLst meth="repeat">
+      <a:schemeClr val="accent4">
+        <a:tint val="40000"/>
+      </a:schemeClr>
+    </dgm:fillClrLst>
+    <dgm:linClrLst meth="repeat">
+      <a:schemeClr val="accent4"/>
+    </dgm:linClrLst>
+    <dgm:effectClrLst/>
+    <dgm:txLinClrLst/>
+    <dgm:txFillClrLst meth="repeat">
+      <a:schemeClr val="dk1"/>
+    </dgm:txFillClrLst>
+    <dgm:txEffectClrLst/>
+  </dgm:styleLbl>
+  <dgm:styleLbl name="dkBgShp">
+    <dgm:fillClrLst meth="repeat">
+      <a:schemeClr val="accent4">
+        <a:shade val="80000"/>
+      </a:schemeClr>
+    </dgm:fillClrLst>
+    <dgm:linClrLst meth="repeat">
+      <a:schemeClr val="accent4"/>
+    </dgm:linClrLst>
+    <dgm:effectClrLst/>
+    <dgm:txLinClrLst/>
+    <dgm:txFillClrLst meth="repeat">
+      <a:schemeClr val="lt1"/>
+    </dgm:txFillClrLst>
+    <dgm:txEffectClrLst/>
+  </dgm:styleLbl>
+  <dgm:styleLbl name="trBgShp">
+    <dgm:fillClrLst meth="repeat">
+      <a:schemeClr val="accent4">
+        <a:tint val="50000"/>
+        <a:alpha val="40000"/>
+      </a:schemeClr>
+    </dgm:fillClrLst>
+    <dgm:linClrLst meth="repeat">
+      <a:schemeClr val="accent4"/>
+    </dgm:linClrLst>
+    <dgm:effectClrLst/>
+    <dgm:txLinClrLst/>
+    <dgm:txFillClrLst meth="repeat">
+      <a:schemeClr val="lt1"/>
+    </dgm:txFillClrLst>
+    <dgm:txEffectClrLst/>
+  </dgm:styleLbl>
+  <dgm:styleLbl name="fgShp">
+    <dgm:fillClrLst meth="repeat">
+      <a:schemeClr val="accent4">
+        <a:tint val="60000"/>
+      </a:schemeClr>
+    </dgm:fillClrLst>
+    <dgm:linClrLst meth="repeat">
+      <a:schemeClr val="lt1"/>
+    </dgm:linClrLst>
+    <dgm:effectClrLst/>
+    <dgm:txLinClrLst/>
+    <dgm:txFillClrLst meth="repeat">
+      <a:schemeClr val="dk1"/>
+    </dgm:txFillClrLst>
+    <dgm:txEffectClrLst/>
+  </dgm:styleLbl>
+  <dgm:styleLbl name="revTx">
+    <dgm:fillClrLst meth="repeat">
+      <a:schemeClr val="lt1">
+        <a:alpha val="0"/>
+      </a:schemeClr>
+    </dgm:fillClrLst>
+    <dgm:linClrLst meth="repeat">
+      <a:schemeClr val="dk1">
+        <a:alpha val="0"/>
+      </a:schemeClr>
+    </dgm:linClrLst>
+    <dgm:effectClrLst/>
+    <dgm:txLinClrLst/>
+    <dgm:txFillClrLst meth="repeat">
+      <a:schemeClr val="tx1"/>
+    </dgm:txFillClrLst>
+    <dgm:txEffectClrLst/>
+  </dgm:styleLbl>
+</dgm:colorsDef>
+</file>
+
+<file path=ppt/diagrams/colors3.xml><?xml version="1.0" encoding="utf-8"?>
+<dgm:colorsDef xmlns:dgm="http://schemas.openxmlformats.org/drawingml/2006/diagram" xmlns:a="http://schemas.openxmlformats.org/drawingml/2006/main" uniqueId="urn:microsoft.com/office/officeart/2005/8/colors/accent1_3">
+  <dgm:title val=""/>
+  <dgm:desc val=""/>
+  <dgm:catLst>
+    <dgm:cat type="accent1" pri="11300"/>
+  </dgm:catLst>
+  <dgm:styleLbl name="node0">
+    <dgm:fillClrLst meth="repeat">
+      <a:schemeClr val="accent1">
+        <a:shade val="80000"/>
+      </a:schemeClr>
+    </dgm:fillClrLst>
+    <dgm:linClrLst meth="repeat">
+      <a:schemeClr val="lt1"/>
+    </dgm:linClrLst>
+    <dgm:effectClrLst/>
+    <dgm:txLinClrLst/>
+    <dgm:txFillClrLst/>
+    <dgm:txEffectClrLst/>
+  </dgm:styleLbl>
+  <dgm:styleLbl name="alignNode1">
+    <dgm:fillClrLst>
+      <a:schemeClr val="accent1">
+        <a:shade val="80000"/>
+      </a:schemeClr>
+      <a:schemeClr val="accent1">
+        <a:tint val="70000"/>
+      </a:schemeClr>
+    </dgm:fillClrLst>
+    <dgm:linClrLst>
+      <a:schemeClr val="accent1">
+        <a:shade val="80000"/>
+      </a:schemeClr>
+      <a:schemeClr val="accent1">
+        <a:tint val="70000"/>
+      </a:schemeClr>
+    </dgm:linClrLst>
+    <dgm:effectClrLst/>
+    <dgm:txLinClrLst/>
+    <dgm:txFillClrLst/>
+    <dgm:txEffectClrLst/>
+  </dgm:styleLbl>
+  <dgm:styleLbl name="node1">
+    <dgm:fillClrLst>
+      <a:schemeClr val="accent1">
+        <a:shade val="80000"/>
+      </a:schemeClr>
+      <a:schemeClr val="accent1">
+        <a:tint val="70000"/>
+      </a:schemeClr>
+    </dgm:fillClrLst>
+    <dgm:linClrLst meth="repeat">
+      <a:schemeClr val="lt1"/>
+    </dgm:linClrLst>
+    <dgm:effectClrLst/>
+    <dgm:txLinClrLst/>
+    <dgm:txFillClrLst/>
+    <dgm:txEffectClrLst/>
+  </dgm:styleLbl>
+  <dgm:styleLbl name="lnNode1">
+    <dgm:fillClrLst>
+      <a:schemeClr val="accent1">
+        <a:shade val="80000"/>
+      </a:schemeClr>
+      <a:schemeClr val="accent1">
+        <a:tint val="70000"/>
+      </a:schemeClr>
+    </dgm:fillClrLst>
+    <dgm:linClrLst meth="repeat">
+      <a:schemeClr val="lt1"/>
+    </dgm:linClrLst>
+    <dgm:effectClrLst/>
+    <dgm:txLinClrLst/>
+    <dgm:txFillClrLst/>
+    <dgm:txEffectClrLst/>
+  </dgm:styleLbl>
+  <dgm:styleLbl name="vennNode1">
+    <dgm:fillClrLst>
+      <a:schemeClr val="accent1">
+        <a:shade val="80000"/>
+        <a:alpha val="50000"/>
+      </a:schemeClr>
+      <a:schemeClr val="accent1">
+        <a:tint val="70000"/>
+        <a:alpha val="50000"/>
+      </a:schemeClr>
+    </dgm:fillClrLst>
+    <dgm:linClrLst meth="repeat">
+      <a:schemeClr val="lt1"/>
+    </dgm:linClrLst>
+    <dgm:effectClrLst/>
+    <dgm:txLinClrLst/>
+    <dgm:txFillClrLst/>
+    <dgm:txEffectClrLst/>
+  </dgm:styleLbl>
+  <dgm:styleLbl name="node2">
+    <dgm:fillClrLst>
+      <a:schemeClr val="accent1">
+        <a:tint val="99000"/>
+      </a:schemeClr>
+    </dgm:fillClrLst>
+    <dgm:linClrLst meth="repeat">
+      <a:schemeClr val="lt1"/>
+    </dgm:linClrLst>
+    <dgm:effectClrLst/>
+    <dgm:txLinClrLst/>
+    <dgm:txFillClrLst/>
+    <dgm:txEffectClrLst/>
+  </dgm:styleLbl>
+  <dgm:styleLbl name="node3">
+    <dgm:fillClrLst>
+      <a:schemeClr val="accent1">
+        <a:tint val="80000"/>
+      </a:schemeClr>
+    </dgm:fillClrLst>
+    <dgm:linClrLst meth="repeat">
+      <a:schemeClr val="lt1"/>
+    </dgm:linClrLst>
+    <dgm:effectClrLst/>
+    <dgm:txLinClrLst/>
+    <dgm:txFillClrLst/>
+    <dgm:txEffectClrLst/>
+  </dgm:styleLbl>
+  <dgm:styleLbl name="node4">
+    <dgm:fillClrLst>
+      <a:schemeClr val="accent1">
+        <a:tint val="70000"/>
+      </a:schemeClr>
+    </dgm:fillClrLst>
+    <dgm:linClrLst meth="repeat">
+      <a:schemeClr val="lt1"/>
+    </dgm:linClrLst>
+    <dgm:effectClrLst/>
+    <dgm:txLinClrLst/>
+    <dgm:txFillClrLst/>
+    <dgm:txEffectClrLst/>
+  </dgm:styleLbl>
+  <dgm:styleLbl name="fgImgPlace1">
+    <dgm:fillClrLst>
+      <a:schemeClr val="accent1">
+        <a:tint val="50000"/>
+      </a:schemeClr>
+      <a:schemeClr val="accent1">
+        <a:tint val="20000"/>
+      </a:schemeClr>
+    </dgm:fillClrLst>
+    <dgm:linClrLst meth="repeat">
+      <a:schemeClr val="lt1"/>
+    </dgm:linClrLst>
+    <dgm:effectClrLst/>
+    <dgm:txLinClrLst/>
+    <dgm:txFillClrLst meth="repeat">
+      <a:schemeClr val="lt1"/>
+    </dgm:txFillClrLst>
+    <dgm:txEffectClrLst/>
+  </dgm:styleLbl>
+  <dgm:styleLbl name="alignImgPlace1">
+    <dgm:fillClrLst>
+      <a:schemeClr val="accent1">
+        <a:tint val="50000"/>
+      </a:schemeClr>
+      <a:schemeClr val="accent1">
+        <a:tint val="20000"/>
+      </a:schemeClr>
+    </dgm:fillClrLst>
+    <dgm:linClrLst meth="repeat">
+      <a:schemeClr val="lt1"/>
+    </dgm:linClrLst>
+    <dgm:effectClrLst/>
+    <dgm:txLinClrLst/>
+    <dgm:txFillClrLst meth="repeat">
+      <a:schemeClr val="lt1"/>
+    </dgm:txFillClrLst>
+    <dgm:txEffectClrLst/>
+  </dgm:styleLbl>
+  <dgm:styleLbl name="bgImgPlace1">
+    <dgm:fillClrLst>
+      <a:schemeClr val="accent1">
+        <a:tint val="50000"/>
+      </a:schemeClr>
+      <a:schemeClr val="accent1">
+        <a:tint val="20000"/>
+      </a:schemeClr>
+    </dgm:fillClrLst>
+    <dgm:linClrLst meth="repeat">
+      <a:schemeClr val="lt1"/>
+    </dgm:linClrLst>
+    <dgm:effectClrLst/>
+    <dgm:txLinClrLst/>
+    <dgm:txFillClrLst meth="repeat">
+      <a:schemeClr val="lt1"/>
+    </dgm:txFillClrLst>
+    <dgm:txEffectClrLst/>
+  </dgm:styleLbl>
+  <dgm:styleLbl name="sibTrans2D1">
+    <dgm:fillClrLst>
+      <a:schemeClr val="accent1">
+        <a:shade val="90000"/>
+      </a:schemeClr>
+      <a:schemeClr val="accent1">
+        <a:tint val="70000"/>
+      </a:schemeClr>
+    </dgm:fillClrLst>
+    <dgm:linClrLst>
+      <a:schemeClr val="accent1">
+        <a:shade val="90000"/>
+      </a:schemeClr>
+      <a:schemeClr val="accent1">
+        <a:tint val="70000"/>
+      </a:schemeClr>
+    </dgm:linClrLst>
+    <dgm:effectClrLst/>
+    <dgm:txLinClrLst/>
+    <dgm:txFillClrLst/>
+    <dgm:txEffectClrLst/>
+  </dgm:styleLbl>
+  <dgm:styleLbl name="fgSibTrans2D1">
+    <dgm:fillClrLst>
+      <a:schemeClr val="accent1">
+        <a:shade val="90000"/>
+      </a:schemeClr>
+      <a:schemeClr val="accent1">
+        <a:tint val="70000"/>
+      </a:schemeClr>
+    </dgm:fillClrLst>
+    <dgm:linClrLst>
+      <a:schemeClr val="accent1">
+        <a:shade val="90000"/>
+      </a:schemeClr>
+      <a:schemeClr val="accent1">
+        <a:tint val="70000"/>
+      </a:schemeClr>
+    </dgm:linClrLst>
+    <dgm:effectClrLst/>
+    <dgm:txLinClrLst/>
+    <dgm:txFillClrLst meth="repeat">
+      <a:schemeClr val="lt1"/>
+    </dgm:txFillClrLst>
+    <dgm:txEffectClrLst/>
+  </dgm:styleLbl>
+  <dgm:styleLbl name="bgSibTrans2D1">
+    <dgm:fillClrLst>
+      <a:schemeClr val="accent1">
+        <a:shade val="90000"/>
+      </a:schemeClr>
+      <a:schemeClr val="accent1">
+        <a:tint val="70000"/>
+      </a:schemeClr>
+    </dgm:fillClrLst>
+    <dgm:linClrLst>
+      <a:schemeClr val="accent1">
+        <a:shade val="90000"/>
+      </a:schemeClr>
+      <a:schemeClr val="accent1">
+        <a:tint val="70000"/>
+      </a:schemeClr>
+    </dgm:linClrLst>
+    <dgm:effectClrLst/>
+    <dgm:txLinClrLst/>
+    <dgm:txFillClrLst meth="repeat">
+      <a:schemeClr val="lt1"/>
+    </dgm:txFillClrLst>
+    <dgm:txEffectClrLst/>
+  </dgm:styleLbl>
+  <dgm:styleLbl name="sibTrans1D1">
+    <dgm:fillClrLst>
+      <a:schemeClr val="accent1">
+        <a:shade val="90000"/>
+      </a:schemeClr>
+      <a:schemeClr val="accent1">
+        <a:tint val="70000"/>
+      </a:schemeClr>
+    </dgm:fillClrLst>
+    <dgm:linClrLst>
+      <a:schemeClr val="accent1">
+        <a:shade val="90000"/>
+      </a:schemeClr>
+      <a:schemeClr val="accent1">
+        <a:tint val="70000"/>
+      </a:schemeClr>
+    </dgm:linClrLst>
+    <dgm:effectClrLst/>
+    <dgm:txLinClrLst/>
+    <dgm:txFillClrLst meth="repeat">
+      <a:schemeClr val="tx1"/>
+    </dgm:txFillClrLst>
+    <dgm:txEffectClrLst/>
+  </dgm:styleLbl>
+  <dgm:styleLbl name="callout">
+    <dgm:fillClrLst meth="repeat">
+      <a:schemeClr val="accent1"/>
+    </dgm:fillClrLst>
+    <dgm:linClrLst meth="repeat">
+      <a:schemeClr val="accent1"/>
+    </dgm:linClrLst>
+    <dgm:effectClrLst/>
+    <dgm:txLinClrLst/>
+    <dgm:txFillClrLst meth="repeat">
+      <a:schemeClr val="tx1"/>
+    </dgm:txFillClrLst>
+    <dgm:txEffectClrLst/>
+  </dgm:styleLbl>
+  <dgm:styleLbl name="asst0">
+    <dgm:fillClrLst meth="repeat">
+      <a:schemeClr val="accent1">
+        <a:shade val="80000"/>
+      </a:schemeClr>
+    </dgm:fillClrLst>
+    <dgm:linClrLst meth="repeat">
+      <a:schemeClr val="lt1"/>
+    </dgm:linClrLst>
+    <dgm:effectClrLst/>
+    <dgm:txLinClrLst/>
+    <dgm:txFillClrLst/>
+    <dgm:txEffectClrLst/>
+  </dgm:styleLbl>
+  <dgm:styleLbl name="asst1">
+    <dgm:fillClrLst meth="repeat">
+      <a:schemeClr val="accent1">
+        <a:shade val="80000"/>
+      </a:schemeClr>
+    </dgm:fillClrLst>
+    <dgm:linClrLst meth="repeat">
+      <a:schemeClr val="lt1"/>
+    </dgm:linClrLst>
+    <dgm:effectClrLst/>
+    <dgm:txLinClrLst/>
+    <dgm:txFillClrLst/>
+    <dgm:txEffectClrLst/>
+  </dgm:styleLbl>
+  <dgm:styleLbl name="asst2">
+    <dgm:fillClrLst>
+      <a:schemeClr val="accent1">
+        <a:tint val="99000"/>
+      </a:schemeClr>
+    </dgm:fillClrLst>
+    <dgm:linClrLst meth="repeat">
+      <a:schemeClr val="lt1"/>
+    </dgm:linClrLst>
+    <dgm:effectClrLst/>
+    <dgm:txLinClrLst/>
+    <dgm:txFillClrLst/>
+    <dgm:txEffectClrLst/>
+  </dgm:styleLbl>
+  <dgm:styleLbl name="asst3">
+    <dgm:fillClrLst>
+      <a:schemeClr val="accent1">
+        <a:tint val="80000"/>
+      </a:schemeClr>
+    </dgm:fillClrLst>
+    <dgm:linClrLst meth="repeat">
+      <a:schemeClr val="lt1"/>
+    </dgm:linClrLst>
+    <dgm:effectClrLst/>
+    <dgm:txLinClrLst/>
+    <dgm:txFillClrLst/>
+    <dgm:txEffectClrLst/>
+  </dgm:styleLbl>
+  <dgm:styleLbl name="asst4">
+    <dgm:fillClrLst>
+      <a:schemeClr val="accent1">
+        <a:tint val="70000"/>
+      </a:schemeClr>
+    </dgm:fillClrLst>
+    <dgm:linClrLst meth="repeat">
+      <a:schemeClr val="lt1"/>
+    </dgm:linClrLst>
+    <dgm:effectClrLst/>
+    <dgm:txLinClrLst/>
+    <dgm:txFillClrLst/>
+    <dgm:txEffectClrLst/>
+  </dgm:styleLbl>
+  <dgm:styleLbl name="parChTrans2D1">
+    <dgm:fillClrLst meth="repeat">
+      <a:schemeClr val="accent1">
+        <a:tint val="60000"/>
+      </a:schemeClr>
+    </dgm:fillClrLst>
+    <dgm:linClrLst meth="repeat">
+      <a:schemeClr val="accent1">
+        <a:tint val="60000"/>
+      </a:schemeClr>
+    </dgm:linClrLst>
+    <dgm:effectClrLst/>
+    <dgm:txLinClrLst/>
+    <dgm:txFillClrLst meth="repeat">
+      <a:schemeClr val="lt1"/>
+    </dgm:txFillClrLst>
+    <dgm:txEffectClrLst/>
+  </dgm:styleLbl>
+  <dgm:styleLbl name="parChTrans2D2">
+    <dgm:fillClrLst meth="repeat">
+      <a:schemeClr val="accent1">
+        <a:tint val="90000"/>
+      </a:schemeClr>
+    </dgm:fillClrLst>
+    <dgm:linClrLst meth="repeat">
+      <a:schemeClr val="accent1">
+        <a:tint val="90000"/>
+      </a:schemeClr>
+    </dgm:linClrLst>
+    <dgm:effectClrLst/>
+    <dgm:txLinClrLst/>
+    <dgm:txFillClrLst/>
+    <dgm:txEffectClrLst/>
+  </dgm:styleLbl>
+  <dgm:styleLbl name="parChTrans2D3">
+    <dgm:fillClrLst meth="repeat">
+      <a:schemeClr val="accent1">
+        <a:tint val="70000"/>
+      </a:schemeClr>
+    </dgm:fillClrLst>
+    <dgm:linClrLst meth="repeat">
+      <a:schemeClr val="accent1">
+        <a:tint val="70000"/>
+      </a:schemeClr>
+    </dgm:linClrLst>
+    <dgm:effectClrLst/>
+    <dgm:txLinClrLst/>
+    <dgm:txFillClrLst/>
+    <dgm:txEffectClrLst/>
+  </dgm:styleLbl>
+  <dgm:styleLbl name="parChTrans2D4">
+    <dgm:fillClrLst meth="repeat">
+      <a:schemeClr val="accent1">
+        <a:tint val="50000"/>
+      </a:schemeClr>
+    </dgm:fillClrLst>
+    <dgm:linClrLst meth="repeat">
+      <a:schemeClr val="accent1">
+        <a:tint val="50000"/>
+      </a:schemeClr>
+    </dgm:linClrLst>
+    <dgm:effectClrLst/>
+    <dgm:txLinClrLst/>
+    <dgm:txFillClrLst meth="repeat">
+      <a:schemeClr val="lt1"/>
+    </dgm:txFillClrLst>
+    <dgm:txEffectClrLst/>
+  </dgm:styleLbl>
+  <dgm:styleLbl name="parChTrans1D1">
+    <dgm:fillClrLst meth="repeat">
+      <a:schemeClr val="accent1">
+        <a:shade val="80000"/>
+      </a:schemeClr>
+    </dgm:fillClrLst>
+    <dgm:linClrLst meth="repeat">
+      <a:schemeClr val="accent1">
+        <a:shade val="80000"/>
+      </a:schemeClr>
+    </dgm:linClrLst>
+    <dgm:effectClrLst/>
+    <dgm:txLinClrLst/>
+    <dgm:txFillClrLst meth="repeat">
+      <a:schemeClr val="tx1"/>
+    </dgm:txFillClrLst>
+    <dgm:txEffectClrLst/>
+  </dgm:styleLbl>
+  <dgm:styleLbl name="parChTrans1D2">
+    <dgm:fillClrLst meth="repeat">
+      <a:schemeClr val="accent1">
+        <a:tint val="99000"/>
+      </a:schemeClr>
+    </dgm:fillClrLst>
+    <dgm:linClrLst meth="repeat">
+      <a:schemeClr val="accent1">
+        <a:tint val="99000"/>
+      </a:schemeClr>
+    </dgm:linClrLst>
+    <dgm:effectClrLst/>
+    <dgm:txLinClrLst/>
+    <dgm:txFillClrLst meth="repeat">
+      <a:schemeClr val="tx1"/>
+    </dgm:txFillClrLst>
+    <dgm:txEffectClrLst/>
+  </dgm:styleLbl>
+  <dgm:styleLbl name="parChTrans1D3">
+    <dgm:fillClrLst meth="repeat">
+      <a:schemeClr val="accent1">
+        <a:tint val="80000"/>
+      </a:schemeClr>
+    </dgm:fillClrLst>
+    <dgm:linClrLst meth="repeat">
+      <a:schemeClr val="accent1">
+        <a:tint val="80000"/>
+      </a:schemeClr>
+    </dgm:linClrLst>
+    <dgm:effectClrLst/>
+    <dgm:txLinClrLst/>
+    <dgm:txFillClrLst meth="repeat">
+      <a:schemeClr val="tx1"/>
+    </dgm:txFillClrLst>
+    <dgm:txEffectClrLst/>
+  </dgm:styleLbl>
+  <dgm:styleLbl name="parChTrans1D4">
+    <dgm:fillClrLst meth="repeat">
+      <a:schemeClr val="accent1">
+        <a:tint val="70000"/>
+      </a:schemeClr>
+    </dgm:fillClrLst>
+    <dgm:linClrLst meth="repeat">
+      <a:schemeClr val="accent1">
+        <a:tint val="70000"/>
+      </a:schemeClr>
+    </dgm:linClrLst>
+    <dgm:effectClrLst/>
+    <dgm:txLinClrLst/>
+    <dgm:txFillClrLst meth="repeat">
+      <a:schemeClr val="tx1"/>
+    </dgm:txFillClrLst>
+    <dgm:txEffectClrLst/>
+  </dgm:styleLbl>
+  <dgm:styleLbl name="fgAcc1">
+    <dgm:fillClrLst meth="repeat">
+      <a:schemeClr val="lt1">
+        <a:alpha val="90000"/>
+      </a:schemeClr>
+    </dgm:fillClrLst>
+    <dgm:linClrLst>
+      <a:schemeClr val="accent1">
+        <a:shade val="80000"/>
+      </a:schemeClr>
+      <a:schemeClr val="accent1">
+        <a:tint val="70000"/>
+      </a:schemeClr>
+    </dgm:linClrLst>
+    <dgm:effectClrLst/>
+    <dgm:txLinClrLst/>
+    <dgm:txFillClrLst meth="repeat">
+      <a:schemeClr val="dk1"/>
+    </dgm:txFillClrLst>
+    <dgm:txEffectClrLst/>
+  </dgm:styleLbl>
+  <dgm:styleLbl name="conFgAcc1">
+    <dgm:fillClrLst meth="repeat">
+      <a:schemeClr val="lt1">
+        <a:alpha val="90000"/>
+      </a:schemeClr>
+    </dgm:fillClrLst>
+    <dgm:linClrLst>
+      <a:schemeClr val="accent1">
+        <a:shade val="80000"/>
+      </a:schemeClr>
+      <a:schemeClr val="accent1">
+        <a:tint val="70000"/>
+      </a:schemeClr>
+    </dgm:linClrLst>
+    <dgm:effectClrLst/>
+    <dgm:txLinClrLst/>
+    <dgm:txFillClrLst meth="repeat">
+      <a:schemeClr val="dk1"/>
+    </dgm:txFillClrLst>
+    <dgm:txEffectClrLst/>
+  </dgm:styleLbl>
+  <dgm:styleLbl name="alignAcc1">
+    <dgm:fillClrLst meth="repeat">
+      <a:schemeClr val="lt1">
+        <a:alpha val="90000"/>
+      </a:schemeClr>
+    </dgm:fillClrLst>
+    <dgm:linClrLst>
+      <a:schemeClr val="accent1">
+        <a:shade val="80000"/>
+      </a:schemeClr>
+      <a:schemeClr val="accent1">
+        <a:tint val="70000"/>
+      </a:schemeClr>
+    </dgm:linClrLst>
+    <dgm:effectClrLst/>
+    <dgm:txLinClrLst/>
+    <dgm:txFillClrLst meth="repeat">
+      <a:schemeClr val="dk1"/>
+    </dgm:txFillClrLst>
+    <dgm:txEffectClrLst/>
+  </dgm:styleLbl>
+  <dgm:styleLbl name="trAlignAcc1">
+    <dgm:fillClrLst meth="repeat">
+      <a:schemeClr val="lt1">
+        <a:alpha val="40000"/>
+      </a:schemeClr>
+    </dgm:fillClrLst>
+    <dgm:linClrLst meth="repeat">
+      <a:schemeClr val="accent1"/>
+    </dgm:linClrLst>
+    <dgm:effectClrLst/>
+    <dgm:txLinClrLst/>
+    <dgm:txFillClrLst meth="repeat">
+      <a:schemeClr val="dk1"/>
+    </dgm:txFillClrLst>
+    <dgm:txEffectClrLst/>
+  </dgm:styleLbl>
+  <dgm:styleLbl name="bgAcc1">
+    <dgm:fillClrLst meth="repeat">
+      <a:schemeClr val="lt1">
+        <a:alpha val="90000"/>
+      </a:schemeClr>
+    </dgm:fillClrLst>
+    <dgm:linClrLst>
+      <a:schemeClr val="accent1">
+        <a:shade val="80000"/>
+      </a:schemeClr>
+      <a:schemeClr val="accent1">
+        <a:tint val="70000"/>
+      </a:schemeClr>
+    </dgm:linClrLst>
+    <dgm:effectClrLst/>
+    <dgm:txLinClrLst/>
+    <dgm:txFillClrLst meth="repeat">
+      <a:schemeClr val="dk1"/>
+    </dgm:txFillClrLst>
+    <dgm:txEffectClrLst/>
+  </dgm:styleLbl>
+  <dgm:styleLbl name="solidFgAcc1">
+    <dgm:fillClrLst meth="repeat">
+      <a:schemeClr val="lt1"/>
+    </dgm:fillClrLst>
+    <dgm:linClrLst>
+      <a:schemeClr val="accent1">
+        <a:shade val="80000"/>
+      </a:schemeClr>
+      <a:schemeClr val="accent1">
+        <a:tint val="70000"/>
+      </a:schemeClr>
+    </dgm:linClrLst>
+    <dgm:effectClrLst/>
+    <dgm:txLinClrLst/>
+    <dgm:txFillClrLst meth="repeat">
+      <a:schemeClr val="dk1"/>
+    </dgm:txFillClrLst>
+    <dgm:txEffectClrLst/>
+  </dgm:styleLbl>
+  <dgm:styleLbl name="solidAlignAcc1">
+    <dgm:fillClrLst meth="repeat">
+      <a:schemeClr val="lt1"/>
+    </dgm:fillClrLst>
+    <dgm:linClrLst meth="repeat">
+      <a:schemeClr val="accent1"/>
+    </dgm:linClrLst>
+    <dgm:effectClrLst/>
+    <dgm:txLinClrLst/>
+    <dgm:txFillClrLst meth="repeat">
+      <a:schemeClr val="dk1"/>
+    </dgm:txFillClrLst>
+    <dgm:txEffectClrLst/>
+  </dgm:styleLbl>
+  <dgm:styleLbl name="solidBgAcc1">
+    <dgm:fillClrLst meth="repeat">
+      <a:schemeClr val="lt1"/>
+    </dgm:fillClrLst>
+    <dgm:linClrLst meth="repeat">
+      <a:schemeClr val="accent1"/>
+    </dgm:linClrLst>
+    <dgm:effectClrLst/>
+    <dgm:txLinClrLst/>
+    <dgm:txFillClrLst meth="repeat">
+      <a:schemeClr val="dk1"/>
+    </dgm:txFillClrLst>
+    <dgm:txEffectClrLst/>
+  </dgm:styleLbl>
+  <dgm:styleLbl name="fgAccFollowNode1">
+    <dgm:fillClrLst meth="repeat">
+      <a:schemeClr val="accent1">
+        <a:alpha val="90000"/>
+        <a:tint val="40000"/>
+      </a:schemeClr>
+    </dgm:fillClrLst>
+    <dgm:linClrLst meth="repeat">
+      <a:schemeClr val="accent1">
+        <a:alpha val="90000"/>
+        <a:tint val="40000"/>
+      </a:schemeClr>
+    </dgm:linClrLst>
+    <dgm:effectClrLst/>
+    <dgm:txLinClrLst/>
+    <dgm:txFillClrLst meth="repeat">
+      <a:schemeClr val="dk1"/>
+    </dgm:txFillClrLst>
+    <dgm:txEffectClrLst/>
+  </dgm:styleLbl>
+  <dgm:styleLbl name="alignAccFollowNode1">
+    <dgm:fillClrLst meth="repeat">
+      <a:schemeClr val="accent1">
+        <a:alpha val="90000"/>
+        <a:tint val="40000"/>
+      </a:schemeClr>
+    </dgm:fillClrLst>
+    <dgm:linClrLst meth="repeat">
+      <a:schemeClr val="accent1">
+        <a:alpha val="90000"/>
+        <a:tint val="40000"/>
+      </a:schemeClr>
+    </dgm:linClrLst>
+    <dgm:effectClrLst/>
+    <dgm:txLinClrLst/>
+    <dgm:txFillClrLst meth="repeat">
+      <a:schemeClr val="dk1"/>
+    </dgm:txFillClrLst>
+    <dgm:txEffectClrLst/>
+  </dgm:styleLbl>
+  <dgm:styleLbl name="bgAccFollowNode1">
+    <dgm:fillClrLst meth="repeat">
+      <a:schemeClr val="accent1">
+        <a:alpha val="90000"/>
+        <a:tint val="40000"/>
+      </a:schemeClr>
+    </dgm:fillClrLst>
+    <dgm:linClrLst meth="repeat">
+      <a:schemeClr val="lt1"/>
+    </dgm:linClrLst>
+    <dgm:effectClrLst/>
+    <dgm:txLinClrLst/>
+    <dgm:txFillClrLst meth="repeat">
+      <a:schemeClr val="dk1"/>
+    </dgm:txFillClrLst>
+    <dgm:txEffectClrLst/>
+  </dgm:styleLbl>
+  <dgm:styleLbl name="fgAcc0">
+    <dgm:fillClrLst meth="repeat">
+      <a:schemeClr val="lt1">
+        <a:alpha val="90000"/>
+      </a:schemeClr>
+    </dgm:fillClrLst>
+    <dgm:linClrLst meth="repeat">
+      <a:schemeClr val="accent1">
+        <a:shade val="80000"/>
+      </a:schemeClr>
+    </dgm:linClrLst>
+    <dgm:effectClrLst/>
+    <dgm:txLinClrLst/>
+    <dgm:txFillClrLst meth="repeat">
+      <a:schemeClr val="dk1"/>
+    </dgm:txFillClrLst>
+    <dgm:txEffectClrLst/>
+  </dgm:styleLbl>
+  <dgm:styleLbl name="fgAcc2">
+    <dgm:fillClrLst meth="repeat">
+      <a:schemeClr val="lt1">
+        <a:alpha val="90000"/>
+      </a:schemeClr>
+    </dgm:fillClrLst>
+    <dgm:linClrLst meth="repeat">
+      <a:schemeClr val="accent1">
+        <a:tint val="99000"/>
+      </a:schemeClr>
+    </dgm:linClrLst>
+    <dgm:effectClrLst/>
+    <dgm:txLinClrLst/>
+    <dgm:txFillClrLst meth="repeat">
+      <a:schemeClr val="dk1"/>
+    </dgm:txFillClrLst>
+    <dgm:txEffectClrLst/>
+  </dgm:styleLbl>
+  <dgm:styleLbl name="fgAcc3">
+    <dgm:fillClrLst meth="repeat">
+      <a:schemeClr val="lt1">
+        <a:alpha val="90000"/>
+      </a:schemeClr>
+    </dgm:fillClrLst>
+    <dgm:linClrLst meth="repeat">
+      <a:schemeClr val="accent1">
+        <a:tint val="80000"/>
+      </a:schemeClr>
+    </dgm:linClrLst>
+    <dgm:effectClrLst/>
+    <dgm:txLinClrLst/>
+    <dgm:txFillClrLst meth="repeat">
+      <a:schemeClr val="dk1"/>
+    </dgm:txFillClrLst>
+    <dgm:txEffectClrLst/>
+  </dgm:styleLbl>
+  <dgm:styleLbl name="fgAcc4">
+    <dgm:fillClrLst meth="repeat">
+      <a:schemeClr val="lt1">
+        <a:alpha val="90000"/>
+      </a:schemeClr>
+    </dgm:fillClrLst>
+    <dgm:linClrLst meth="repeat">
+      <a:schemeClr val="accent1">
+        <a:tint val="70000"/>
+      </a:schemeClr>
+    </dgm:linClrLst>
+    <dgm:effectClrLst/>
+    <dgm:txLinClrLst/>
+    <dgm:txFillClrLst meth="repeat">
+      <a:schemeClr val="dk1"/>
+    </dgm:txFillClrLst>
+    <dgm:txEffectClrLst/>
+  </dgm:styleLbl>
+  <dgm:styleLbl name="bgShp">
+    <dgm:fillClrLst meth="repeat">
+      <a:schemeClr val="accent1">
+        <a:tint val="40000"/>
+      </a:schemeClr>
+    </dgm:fillClrLst>
+    <dgm:linClrLst meth="repeat">
+      <a:schemeClr val="dk1"/>
+    </dgm:linClrLst>
+    <dgm:effectClrLst/>
+    <dgm:txLinClrLst/>
+    <dgm:txFillClrLst meth="repeat">
+      <a:schemeClr val="dk1"/>
+    </dgm:txFillClrLst>
+    <dgm:txEffectClrLst/>
+  </dgm:styleLbl>
+  <dgm:styleLbl name="dkBgShp">
+    <dgm:fillClrLst meth="repeat">
+      <a:schemeClr val="accent1">
+        <a:shade val="90000"/>
+      </a:schemeClr>
+    </dgm:fillClrLst>
+    <dgm:linClrLst meth="repeat">
+      <a:schemeClr val="dk1"/>
+    </dgm:linClrLst>
+    <dgm:effectClrLst/>
+    <dgm:txLinClrLst/>
+    <dgm:txFillClrLst meth="repeat">
+      <a:schemeClr val="lt1"/>
+    </dgm:txFillClrLst>
+    <dgm:txEffectClrLst/>
+  </dgm:styleLbl>
+  <dgm:styleLbl name="trBgShp">
+    <dgm:fillClrLst meth="repeat">
+      <a:schemeClr val="accent1">
+        <a:tint val="50000"/>
+        <a:alpha val="40000"/>
+      </a:schemeClr>
+    </dgm:fillClrLst>
+    <dgm:linClrLst meth="repeat">
+      <a:schemeClr val="accent1"/>
+    </dgm:linClrLst>
+    <dgm:effectClrLst/>
+    <dgm:txLinClrLst/>
+    <dgm:txFillClrLst meth="repeat">
+      <a:schemeClr val="lt1"/>
+    </dgm:txFillClrLst>
+    <dgm:txEffectClrLst/>
+  </dgm:styleLbl>
+  <dgm:styleLbl name="fgShp">
+    <dgm:fillClrLst meth="repeat">
+      <a:schemeClr val="accent1">
         <a:tint val="40000"/>
       </a:schemeClr>
     </dgm:fillClrLst>
@@ -1335,6 +2963,695 @@
     <dgm:cxn modelId="{CD9C9365-BB33-4BD1-BAD4-BF5F225314AE}" type="presParOf" srcId="{665B12EE-1B82-469B-BB38-14EB006FFD87}" destId="{6D8F98CA-FE20-441D-8E82-93889B70CC8D}" srcOrd="0" destOrd="0" presId="urn:microsoft.com/office/officeart/2016/7/layout/LinearBlockProcessNumbered"/>
     <dgm:cxn modelId="{06797642-8513-4DB0-AEF4-C5C287B30DD2}" type="presParOf" srcId="{665B12EE-1B82-469B-BB38-14EB006FFD87}" destId="{8291A287-E919-401E-AA32-2309A8D4628B}" srcOrd="1" destOrd="0" presId="urn:microsoft.com/office/officeart/2016/7/layout/LinearBlockProcessNumbered"/>
     <dgm:cxn modelId="{84D0E2DF-3D91-4F8A-BFC1-53529ABE4A49}" type="presParOf" srcId="{665B12EE-1B82-469B-BB38-14EB006FFD87}" destId="{F10B9D03-63C6-46CD-B493-21354B325A8A}" srcOrd="2" destOrd="0" presId="urn:microsoft.com/office/officeart/2016/7/layout/LinearBlockProcessNumbered"/>
+  </dgm:cxnLst>
+  <dgm:bg/>
+  <dgm:whole/>
+  <dgm:extLst>
+    <a:ext uri="http://schemas.microsoft.com/office/drawing/2008/diagram">
+      <dsp:dataModelExt xmlns:dsp="http://schemas.microsoft.com/office/drawing/2008/diagram" relId="rId6" minVer="http://schemas.openxmlformats.org/drawingml/2006/diagram"/>
+    </a:ext>
+  </dgm:extLst>
+</dgm:dataModel>
+</file>
+
+<file path=ppt/diagrams/data2.xml><?xml version="1.0" encoding="utf-8"?>
+<dgm:dataModel xmlns:dgm="http://schemas.openxmlformats.org/drawingml/2006/diagram" xmlns:a="http://schemas.openxmlformats.org/drawingml/2006/main">
+  <dgm:ptLst>
+    <dgm:pt modelId="{3C41212D-7E51-4745-B926-A8998F760C6B}" type="doc">
+      <dgm:prSet loTypeId="urn:microsoft.com/office/officeart/2005/8/layout/list1" loCatId="Inbox" qsTypeId="urn:microsoft.com/office/officeart/2005/8/quickstyle/simple1" qsCatId="simple" csTypeId="urn:microsoft.com/office/officeart/2005/8/colors/accent4_2" csCatId="accent4"/>
+      <dgm:spPr/>
+      <dgm:t>
+        <a:bodyPr/>
+        <a:lstStyle/>
+        <a:p>
+          <a:endParaRPr lang="en-US"/>
+        </a:p>
+      </dgm:t>
+    </dgm:pt>
+    <dgm:pt modelId="{CC230793-F005-4B99-AC2D-9779A9E1B1B0}">
+      <dgm:prSet/>
+      <dgm:spPr/>
+      <dgm:t>
+        <a:bodyPr/>
+        <a:lstStyle/>
+        <a:p>
+          <a:r>
+            <a:rPr lang="en-US"/>
+            <a:t>Defined as: f(x) = max(0, x)</a:t>
+          </a:r>
+        </a:p>
+      </dgm:t>
+    </dgm:pt>
+    <dgm:pt modelId="{3AC99DC2-CB02-4BC0-8D4E-843CD4488B8D}" type="parTrans" cxnId="{1C947873-1C10-4C31-AB64-CE2008417C59}">
+      <dgm:prSet/>
+      <dgm:spPr/>
+      <dgm:t>
+        <a:bodyPr/>
+        <a:lstStyle/>
+        <a:p>
+          <a:endParaRPr lang="en-US"/>
+        </a:p>
+      </dgm:t>
+    </dgm:pt>
+    <dgm:pt modelId="{6159F0DD-5097-4650-BB32-741C0E51976A}" type="sibTrans" cxnId="{1C947873-1C10-4C31-AB64-CE2008417C59}">
+      <dgm:prSet/>
+      <dgm:spPr/>
+      <dgm:t>
+        <a:bodyPr/>
+        <a:lstStyle/>
+        <a:p>
+          <a:endParaRPr lang="en-US"/>
+        </a:p>
+      </dgm:t>
+    </dgm:pt>
+    <dgm:pt modelId="{BE3C452E-AD46-4206-9B9B-5455A19D1882}">
+      <dgm:prSet/>
+      <dgm:spPr/>
+      <dgm:t>
+        <a:bodyPr/>
+        <a:lstStyle/>
+        <a:p>
+          <a:r>
+            <a:rPr lang="en-US"/>
+            <a:t>Where x is the input neuron</a:t>
+          </a:r>
+        </a:p>
+      </dgm:t>
+    </dgm:pt>
+    <dgm:pt modelId="{72009F10-519F-4B39-8FB3-8176374A1FA9}" type="parTrans" cxnId="{006F1FCC-3C05-4C1A-AD29-0994C8209FED}">
+      <dgm:prSet/>
+      <dgm:spPr/>
+      <dgm:t>
+        <a:bodyPr/>
+        <a:lstStyle/>
+        <a:p>
+          <a:endParaRPr lang="en-US"/>
+        </a:p>
+      </dgm:t>
+    </dgm:pt>
+    <dgm:pt modelId="{0B11AC95-8140-43DE-AAD9-820CEE5985ED}" type="sibTrans" cxnId="{006F1FCC-3C05-4C1A-AD29-0994C8209FED}">
+      <dgm:prSet/>
+      <dgm:spPr/>
+      <dgm:t>
+        <a:bodyPr/>
+        <a:lstStyle/>
+        <a:p>
+          <a:endParaRPr lang="en-US"/>
+        </a:p>
+      </dgm:t>
+    </dgm:pt>
+    <dgm:pt modelId="{571A343B-AC03-426F-A91E-ED05CE380773}">
+      <dgm:prSet/>
+      <dgm:spPr/>
+      <dgm:t>
+        <a:bodyPr/>
+        <a:lstStyle/>
+        <a:p>
+          <a:r>
+            <a:rPr lang="en-US"/>
+            <a:t>Advantages over sigmoid:</a:t>
+          </a:r>
+        </a:p>
+      </dgm:t>
+    </dgm:pt>
+    <dgm:pt modelId="{A1D77F46-839D-4DE3-8C46-26A901F04799}" type="parTrans" cxnId="{D27B7E2D-AFFA-4F1D-826F-D96277C10E0B}">
+      <dgm:prSet/>
+      <dgm:spPr/>
+      <dgm:t>
+        <a:bodyPr/>
+        <a:lstStyle/>
+        <a:p>
+          <a:endParaRPr lang="en-US"/>
+        </a:p>
+      </dgm:t>
+    </dgm:pt>
+    <dgm:pt modelId="{C17044AB-0EA9-4954-99BA-EFFA71F41607}" type="sibTrans" cxnId="{D27B7E2D-AFFA-4F1D-826F-D96277C10E0B}">
+      <dgm:prSet/>
+      <dgm:spPr/>
+      <dgm:t>
+        <a:bodyPr/>
+        <a:lstStyle/>
+        <a:p>
+          <a:endParaRPr lang="en-US"/>
+        </a:p>
+      </dgm:t>
+    </dgm:pt>
+    <dgm:pt modelId="{11A7F182-8062-4C2E-80F7-820C657721AD}">
+      <dgm:prSet/>
+      <dgm:spPr/>
+      <dgm:t>
+        <a:bodyPr/>
+        <a:lstStyle/>
+        <a:p>
+          <a:r>
+            <a:rPr lang="en-US"/>
+            <a:t>Reduced likelihood of vanishing gradient</a:t>
+          </a:r>
+        </a:p>
+      </dgm:t>
+    </dgm:pt>
+    <dgm:pt modelId="{F1572844-4E6D-4757-907E-B6BA6210418B}" type="parTrans" cxnId="{A0DF32E6-1A16-49B8-AB77-4659762B471D}">
+      <dgm:prSet/>
+      <dgm:spPr/>
+      <dgm:t>
+        <a:bodyPr/>
+        <a:lstStyle/>
+        <a:p>
+          <a:endParaRPr lang="en-US"/>
+        </a:p>
+      </dgm:t>
+    </dgm:pt>
+    <dgm:pt modelId="{5B9C1325-667D-4A70-8E93-8F43EDAF06CD}" type="sibTrans" cxnId="{A0DF32E6-1A16-49B8-AB77-4659762B471D}">
+      <dgm:prSet/>
+      <dgm:spPr/>
+      <dgm:t>
+        <a:bodyPr/>
+        <a:lstStyle/>
+        <a:p>
+          <a:endParaRPr lang="en-US"/>
+        </a:p>
+      </dgm:t>
+    </dgm:pt>
+    <dgm:pt modelId="{4DB78924-4CAE-42BC-991E-DE706C838498}">
+      <dgm:prSet/>
+      <dgm:spPr/>
+      <dgm:t>
+        <a:bodyPr/>
+        <a:lstStyle/>
+        <a:p>
+          <a:r>
+            <a:rPr lang="en-US"/>
+            <a:t>More sparse representation</a:t>
+          </a:r>
+        </a:p>
+      </dgm:t>
+    </dgm:pt>
+    <dgm:pt modelId="{2C98356B-5A4F-471D-BF08-52FCDF0F53CD}" type="parTrans" cxnId="{918246B1-6516-4871-8921-B65F888DCE4F}">
+      <dgm:prSet/>
+      <dgm:spPr/>
+      <dgm:t>
+        <a:bodyPr/>
+        <a:lstStyle/>
+        <a:p>
+          <a:endParaRPr lang="en-US"/>
+        </a:p>
+      </dgm:t>
+    </dgm:pt>
+    <dgm:pt modelId="{A6913D3D-B021-4224-B7C8-BC899008AC6F}" type="sibTrans" cxnId="{918246B1-6516-4871-8921-B65F888DCE4F}">
+      <dgm:prSet/>
+      <dgm:spPr/>
+      <dgm:t>
+        <a:bodyPr/>
+        <a:lstStyle/>
+        <a:p>
+          <a:endParaRPr lang="en-US"/>
+        </a:p>
+      </dgm:t>
+    </dgm:pt>
+    <dgm:pt modelId="{93985096-31CF-4DD5-8477-68ACDD5A2811}" type="pres">
+      <dgm:prSet presAssocID="{3C41212D-7E51-4745-B926-A8998F760C6B}" presName="linear" presStyleCnt="0">
+        <dgm:presLayoutVars>
+          <dgm:dir/>
+          <dgm:animLvl val="lvl"/>
+          <dgm:resizeHandles val="exact"/>
+        </dgm:presLayoutVars>
+      </dgm:prSet>
+      <dgm:spPr/>
+    </dgm:pt>
+    <dgm:pt modelId="{F9BA6AE3-2343-4A7C-9A3A-D3EB5F9FC9A1}" type="pres">
+      <dgm:prSet presAssocID="{CC230793-F005-4B99-AC2D-9779A9E1B1B0}" presName="parentLin" presStyleCnt="0"/>
+      <dgm:spPr/>
+    </dgm:pt>
+    <dgm:pt modelId="{016D05CC-B224-47E7-9208-C474D2C34DFD}" type="pres">
+      <dgm:prSet presAssocID="{CC230793-F005-4B99-AC2D-9779A9E1B1B0}" presName="parentLeftMargin" presStyleLbl="node1" presStyleIdx="0" presStyleCnt="2"/>
+      <dgm:spPr/>
+    </dgm:pt>
+    <dgm:pt modelId="{66C2BF90-F36A-427D-AFD6-49F6C925D133}" type="pres">
+      <dgm:prSet presAssocID="{CC230793-F005-4B99-AC2D-9779A9E1B1B0}" presName="parentText" presStyleLbl="node1" presStyleIdx="0" presStyleCnt="2">
+        <dgm:presLayoutVars>
+          <dgm:chMax val="0"/>
+          <dgm:bulletEnabled val="1"/>
+        </dgm:presLayoutVars>
+      </dgm:prSet>
+      <dgm:spPr/>
+    </dgm:pt>
+    <dgm:pt modelId="{09A921E1-0A29-4987-96D7-DF170BA7053D}" type="pres">
+      <dgm:prSet presAssocID="{CC230793-F005-4B99-AC2D-9779A9E1B1B0}" presName="negativeSpace" presStyleCnt="0"/>
+      <dgm:spPr/>
+    </dgm:pt>
+    <dgm:pt modelId="{FF138D7A-AA71-41DC-B120-C53322E66EAE}" type="pres">
+      <dgm:prSet presAssocID="{CC230793-F005-4B99-AC2D-9779A9E1B1B0}" presName="childText" presStyleLbl="conFgAcc1" presStyleIdx="0" presStyleCnt="2">
+        <dgm:presLayoutVars>
+          <dgm:bulletEnabled val="1"/>
+        </dgm:presLayoutVars>
+      </dgm:prSet>
+      <dgm:spPr/>
+    </dgm:pt>
+    <dgm:pt modelId="{4071B933-26EC-494F-A296-A0EFA0ACD9A3}" type="pres">
+      <dgm:prSet presAssocID="{6159F0DD-5097-4650-BB32-741C0E51976A}" presName="spaceBetweenRectangles" presStyleCnt="0"/>
+      <dgm:spPr/>
+    </dgm:pt>
+    <dgm:pt modelId="{7B7512F6-FC2F-48BA-B7E2-15A57987EC91}" type="pres">
+      <dgm:prSet presAssocID="{571A343B-AC03-426F-A91E-ED05CE380773}" presName="parentLin" presStyleCnt="0"/>
+      <dgm:spPr/>
+    </dgm:pt>
+    <dgm:pt modelId="{BE9D46A3-B75F-4376-8747-E82A08879771}" type="pres">
+      <dgm:prSet presAssocID="{571A343B-AC03-426F-A91E-ED05CE380773}" presName="parentLeftMargin" presStyleLbl="node1" presStyleIdx="0" presStyleCnt="2"/>
+      <dgm:spPr/>
+    </dgm:pt>
+    <dgm:pt modelId="{337FFDE5-BD9D-4C72-B47D-03E018BD1066}" type="pres">
+      <dgm:prSet presAssocID="{571A343B-AC03-426F-A91E-ED05CE380773}" presName="parentText" presStyleLbl="node1" presStyleIdx="1" presStyleCnt="2">
+        <dgm:presLayoutVars>
+          <dgm:chMax val="0"/>
+          <dgm:bulletEnabled val="1"/>
+        </dgm:presLayoutVars>
+      </dgm:prSet>
+      <dgm:spPr/>
+    </dgm:pt>
+    <dgm:pt modelId="{2FF0D37E-73A9-46F0-B40C-29894BA8BECF}" type="pres">
+      <dgm:prSet presAssocID="{571A343B-AC03-426F-A91E-ED05CE380773}" presName="negativeSpace" presStyleCnt="0"/>
+      <dgm:spPr/>
+    </dgm:pt>
+    <dgm:pt modelId="{3C653029-56B2-46E9-953E-CCC679C73BAF}" type="pres">
+      <dgm:prSet presAssocID="{571A343B-AC03-426F-A91E-ED05CE380773}" presName="childText" presStyleLbl="conFgAcc1" presStyleIdx="1" presStyleCnt="2">
+        <dgm:presLayoutVars>
+          <dgm:bulletEnabled val="1"/>
+        </dgm:presLayoutVars>
+      </dgm:prSet>
+      <dgm:spPr/>
+    </dgm:pt>
+  </dgm:ptLst>
+  <dgm:cxnLst>
+    <dgm:cxn modelId="{BA82632B-6D15-4653-AEFE-06B751CDD08D}" type="presOf" srcId="{3C41212D-7E51-4745-B926-A8998F760C6B}" destId="{93985096-31CF-4DD5-8477-68ACDD5A2811}" srcOrd="0" destOrd="0" presId="urn:microsoft.com/office/officeart/2005/8/layout/list1"/>
+    <dgm:cxn modelId="{D27B7E2D-AFFA-4F1D-826F-D96277C10E0B}" srcId="{3C41212D-7E51-4745-B926-A8998F760C6B}" destId="{571A343B-AC03-426F-A91E-ED05CE380773}" srcOrd="1" destOrd="0" parTransId="{A1D77F46-839D-4DE3-8C46-26A901F04799}" sibTransId="{C17044AB-0EA9-4954-99BA-EFFA71F41607}"/>
+    <dgm:cxn modelId="{A1E3D85F-8E6E-4786-9224-C861CCE48110}" type="presOf" srcId="{CC230793-F005-4B99-AC2D-9779A9E1B1B0}" destId="{016D05CC-B224-47E7-9208-C474D2C34DFD}" srcOrd="0" destOrd="0" presId="urn:microsoft.com/office/officeart/2005/8/layout/list1"/>
+    <dgm:cxn modelId="{E8041253-7A0B-4597-87FC-77F32AFE137A}" type="presOf" srcId="{CC230793-F005-4B99-AC2D-9779A9E1B1B0}" destId="{66C2BF90-F36A-427D-AFD6-49F6C925D133}" srcOrd="1" destOrd="0" presId="urn:microsoft.com/office/officeart/2005/8/layout/list1"/>
+    <dgm:cxn modelId="{1C947873-1C10-4C31-AB64-CE2008417C59}" srcId="{3C41212D-7E51-4745-B926-A8998F760C6B}" destId="{CC230793-F005-4B99-AC2D-9779A9E1B1B0}" srcOrd="0" destOrd="0" parTransId="{3AC99DC2-CB02-4BC0-8D4E-843CD4488B8D}" sibTransId="{6159F0DD-5097-4650-BB32-741C0E51976A}"/>
+    <dgm:cxn modelId="{7EDE5C75-C040-4AC6-8384-20414A066996}" type="presOf" srcId="{571A343B-AC03-426F-A91E-ED05CE380773}" destId="{337FFDE5-BD9D-4C72-B47D-03E018BD1066}" srcOrd="1" destOrd="0" presId="urn:microsoft.com/office/officeart/2005/8/layout/list1"/>
+    <dgm:cxn modelId="{31F8D07A-DDFE-4A9E-90D5-2DE30056FDB0}" type="presOf" srcId="{4DB78924-4CAE-42BC-991E-DE706C838498}" destId="{3C653029-56B2-46E9-953E-CCC679C73BAF}" srcOrd="0" destOrd="1" presId="urn:microsoft.com/office/officeart/2005/8/layout/list1"/>
+    <dgm:cxn modelId="{80D156AA-60CA-4E32-A585-9C723AFCA3B8}" type="presOf" srcId="{11A7F182-8062-4C2E-80F7-820C657721AD}" destId="{3C653029-56B2-46E9-953E-CCC679C73BAF}" srcOrd="0" destOrd="0" presId="urn:microsoft.com/office/officeart/2005/8/layout/list1"/>
+    <dgm:cxn modelId="{918246B1-6516-4871-8921-B65F888DCE4F}" srcId="{571A343B-AC03-426F-A91E-ED05CE380773}" destId="{4DB78924-4CAE-42BC-991E-DE706C838498}" srcOrd="1" destOrd="0" parTransId="{2C98356B-5A4F-471D-BF08-52FCDF0F53CD}" sibTransId="{A6913D3D-B021-4224-B7C8-BC899008AC6F}"/>
+    <dgm:cxn modelId="{A12575CA-1D79-40D3-BB1B-CC7F796370B9}" type="presOf" srcId="{571A343B-AC03-426F-A91E-ED05CE380773}" destId="{BE9D46A3-B75F-4376-8747-E82A08879771}" srcOrd="0" destOrd="0" presId="urn:microsoft.com/office/officeart/2005/8/layout/list1"/>
+    <dgm:cxn modelId="{006F1FCC-3C05-4C1A-AD29-0994C8209FED}" srcId="{CC230793-F005-4B99-AC2D-9779A9E1B1B0}" destId="{BE3C452E-AD46-4206-9B9B-5455A19D1882}" srcOrd="0" destOrd="0" parTransId="{72009F10-519F-4B39-8FB3-8176374A1FA9}" sibTransId="{0B11AC95-8140-43DE-AAD9-820CEE5985ED}"/>
+    <dgm:cxn modelId="{A0DF32E6-1A16-49B8-AB77-4659762B471D}" srcId="{571A343B-AC03-426F-A91E-ED05CE380773}" destId="{11A7F182-8062-4C2E-80F7-820C657721AD}" srcOrd="0" destOrd="0" parTransId="{F1572844-4E6D-4757-907E-B6BA6210418B}" sibTransId="{5B9C1325-667D-4A70-8E93-8F43EDAF06CD}"/>
+    <dgm:cxn modelId="{11200CEB-760F-48B5-8570-4AD2FCFEC373}" type="presOf" srcId="{BE3C452E-AD46-4206-9B9B-5455A19D1882}" destId="{FF138D7A-AA71-41DC-B120-C53322E66EAE}" srcOrd="0" destOrd="0" presId="urn:microsoft.com/office/officeart/2005/8/layout/list1"/>
+    <dgm:cxn modelId="{7F3E7AF3-B5D6-4518-8514-5319C7682AE4}" type="presParOf" srcId="{93985096-31CF-4DD5-8477-68ACDD5A2811}" destId="{F9BA6AE3-2343-4A7C-9A3A-D3EB5F9FC9A1}" srcOrd="0" destOrd="0" presId="urn:microsoft.com/office/officeart/2005/8/layout/list1"/>
+    <dgm:cxn modelId="{DC1776C7-6BD7-49C8-8BCC-022EE128EC5E}" type="presParOf" srcId="{F9BA6AE3-2343-4A7C-9A3A-D3EB5F9FC9A1}" destId="{016D05CC-B224-47E7-9208-C474D2C34DFD}" srcOrd="0" destOrd="0" presId="urn:microsoft.com/office/officeart/2005/8/layout/list1"/>
+    <dgm:cxn modelId="{755AC6FE-047F-468B-ADED-90CA3F5D0EA1}" type="presParOf" srcId="{F9BA6AE3-2343-4A7C-9A3A-D3EB5F9FC9A1}" destId="{66C2BF90-F36A-427D-AFD6-49F6C925D133}" srcOrd="1" destOrd="0" presId="urn:microsoft.com/office/officeart/2005/8/layout/list1"/>
+    <dgm:cxn modelId="{B3979C26-79C0-4FF1-A08D-11598B181430}" type="presParOf" srcId="{93985096-31CF-4DD5-8477-68ACDD5A2811}" destId="{09A921E1-0A29-4987-96D7-DF170BA7053D}" srcOrd="1" destOrd="0" presId="urn:microsoft.com/office/officeart/2005/8/layout/list1"/>
+    <dgm:cxn modelId="{67F2DF5B-855E-478F-8C85-0049143894C3}" type="presParOf" srcId="{93985096-31CF-4DD5-8477-68ACDD5A2811}" destId="{FF138D7A-AA71-41DC-B120-C53322E66EAE}" srcOrd="2" destOrd="0" presId="urn:microsoft.com/office/officeart/2005/8/layout/list1"/>
+    <dgm:cxn modelId="{2FC943AD-9807-45E3-8408-6DEE63B69207}" type="presParOf" srcId="{93985096-31CF-4DD5-8477-68ACDD5A2811}" destId="{4071B933-26EC-494F-A296-A0EFA0ACD9A3}" srcOrd="3" destOrd="0" presId="urn:microsoft.com/office/officeart/2005/8/layout/list1"/>
+    <dgm:cxn modelId="{B3B94BE7-F6AD-4E19-9F02-983F6E51713F}" type="presParOf" srcId="{93985096-31CF-4DD5-8477-68ACDD5A2811}" destId="{7B7512F6-FC2F-48BA-B7E2-15A57987EC91}" srcOrd="4" destOrd="0" presId="urn:microsoft.com/office/officeart/2005/8/layout/list1"/>
+    <dgm:cxn modelId="{F1452F84-E03D-4D0C-86F4-9285EF0E3E33}" type="presParOf" srcId="{7B7512F6-FC2F-48BA-B7E2-15A57987EC91}" destId="{BE9D46A3-B75F-4376-8747-E82A08879771}" srcOrd="0" destOrd="0" presId="urn:microsoft.com/office/officeart/2005/8/layout/list1"/>
+    <dgm:cxn modelId="{1D011F6B-15F1-4829-8484-39AEFFFE6B51}" type="presParOf" srcId="{7B7512F6-FC2F-48BA-B7E2-15A57987EC91}" destId="{337FFDE5-BD9D-4C72-B47D-03E018BD1066}" srcOrd="1" destOrd="0" presId="urn:microsoft.com/office/officeart/2005/8/layout/list1"/>
+    <dgm:cxn modelId="{E539EAF3-EB9D-4DD5-AAE1-415A8B4F186D}" type="presParOf" srcId="{93985096-31CF-4DD5-8477-68ACDD5A2811}" destId="{2FF0D37E-73A9-46F0-B40C-29894BA8BECF}" srcOrd="5" destOrd="0" presId="urn:microsoft.com/office/officeart/2005/8/layout/list1"/>
+    <dgm:cxn modelId="{DF427A06-3F46-4366-9E0E-BA3970AC2899}" type="presParOf" srcId="{93985096-31CF-4DD5-8477-68ACDD5A2811}" destId="{3C653029-56B2-46E9-953E-CCC679C73BAF}" srcOrd="6" destOrd="0" presId="urn:microsoft.com/office/officeart/2005/8/layout/list1"/>
+  </dgm:cxnLst>
+  <dgm:bg/>
+  <dgm:whole/>
+  <dgm:extLst>
+    <a:ext uri="http://schemas.microsoft.com/office/drawing/2008/diagram">
+      <dsp:dataModelExt xmlns:dsp="http://schemas.microsoft.com/office/drawing/2008/diagram" relId="rId6" minVer="http://schemas.openxmlformats.org/drawingml/2006/diagram"/>
+    </a:ext>
+  </dgm:extLst>
+</dgm:dataModel>
+</file>
+
+<file path=ppt/diagrams/data3.xml><?xml version="1.0" encoding="utf-8"?>
+<dgm:dataModel xmlns:dgm="http://schemas.openxmlformats.org/drawingml/2006/diagram" xmlns:a="http://schemas.openxmlformats.org/drawingml/2006/main">
+  <dgm:ptLst>
+    <dgm:pt modelId="{73CE9299-EA96-4173-9355-43DA16BC50E6}" type="doc">
+      <dgm:prSet loTypeId="urn:microsoft.com/office/officeart/2008/layout/LinedList" loCatId="Inbox" qsTypeId="urn:microsoft.com/office/officeart/2005/8/quickstyle/simple1" qsCatId="simple" csTypeId="urn:microsoft.com/office/officeart/2005/8/colors/accent1_3" csCatId="accent1"/>
+      <dgm:spPr/>
+      <dgm:t>
+        <a:bodyPr/>
+        <a:lstStyle/>
+        <a:p>
+          <a:endParaRPr lang="en-US"/>
+        </a:p>
+      </dgm:t>
+    </dgm:pt>
+    <dgm:pt modelId="{110D4DC1-C6D5-429B-A482-2D378881F12A}">
+      <dgm:prSet/>
+      <dgm:spPr/>
+      <dgm:t>
+        <a:bodyPr/>
+        <a:lstStyle/>
+        <a:p>
+          <a:r>
+            <a:rPr lang="en-US"/>
+            <a:t>Convolutional Layer 1</a:t>
+          </a:r>
+        </a:p>
+      </dgm:t>
+    </dgm:pt>
+    <dgm:pt modelId="{6890ADD3-8FD9-4F70-A0ED-80D22A4BFCF1}" type="parTrans" cxnId="{E79BEB93-3B83-42F8-89ED-18CE21ADD106}">
+      <dgm:prSet/>
+      <dgm:spPr/>
+      <dgm:t>
+        <a:bodyPr/>
+        <a:lstStyle/>
+        <a:p>
+          <a:endParaRPr lang="en-US"/>
+        </a:p>
+      </dgm:t>
+    </dgm:pt>
+    <dgm:pt modelId="{38329720-B9A1-45C9-A24C-300016FC93B8}" type="sibTrans" cxnId="{E79BEB93-3B83-42F8-89ED-18CE21ADD106}">
+      <dgm:prSet/>
+      <dgm:spPr/>
+      <dgm:t>
+        <a:bodyPr/>
+        <a:lstStyle/>
+        <a:p>
+          <a:endParaRPr lang="en-US"/>
+        </a:p>
+      </dgm:t>
+    </dgm:pt>
+    <dgm:pt modelId="{519D957E-FD39-4F4F-AD0F-DAE89EC7D92E}">
+      <dgm:prSet/>
+      <dgm:spPr/>
+      <dgm:t>
+        <a:bodyPr/>
+        <a:lstStyle/>
+        <a:p>
+          <a:r>
+            <a:rPr lang="en-US"/>
+            <a:t>Pooling Layer 1</a:t>
+          </a:r>
+        </a:p>
+      </dgm:t>
+    </dgm:pt>
+    <dgm:pt modelId="{4463C6AE-326A-4BD0-9325-7B4FBB1A5AB2}" type="parTrans" cxnId="{537ECAA9-15A6-489C-BE67-E03043F0BAB3}">
+      <dgm:prSet/>
+      <dgm:spPr/>
+      <dgm:t>
+        <a:bodyPr/>
+        <a:lstStyle/>
+        <a:p>
+          <a:endParaRPr lang="en-US"/>
+        </a:p>
+      </dgm:t>
+    </dgm:pt>
+    <dgm:pt modelId="{9AE2C7E5-BE8A-4A04-8462-6E1E8B6241FE}" type="sibTrans" cxnId="{537ECAA9-15A6-489C-BE67-E03043F0BAB3}">
+      <dgm:prSet/>
+      <dgm:spPr/>
+      <dgm:t>
+        <a:bodyPr/>
+        <a:lstStyle/>
+        <a:p>
+          <a:endParaRPr lang="en-US"/>
+        </a:p>
+      </dgm:t>
+    </dgm:pt>
+    <dgm:pt modelId="{2A597CB3-C3BD-4552-A7AF-17B84A430F4E}">
+      <dgm:prSet/>
+      <dgm:spPr/>
+      <dgm:t>
+        <a:bodyPr/>
+        <a:lstStyle/>
+        <a:p>
+          <a:r>
+            <a:rPr lang="en-US"/>
+            <a:t>Convolutional Layer 2</a:t>
+          </a:r>
+        </a:p>
+      </dgm:t>
+    </dgm:pt>
+    <dgm:pt modelId="{E3911E72-A41B-4F76-8439-B5FBC9D2854D}" type="parTrans" cxnId="{D8737DA7-EABE-449B-B1FD-51889EA13817}">
+      <dgm:prSet/>
+      <dgm:spPr/>
+      <dgm:t>
+        <a:bodyPr/>
+        <a:lstStyle/>
+        <a:p>
+          <a:endParaRPr lang="en-US"/>
+        </a:p>
+      </dgm:t>
+    </dgm:pt>
+    <dgm:pt modelId="{22B04320-A61D-48D7-9F34-C521E04EB9FE}" type="sibTrans" cxnId="{D8737DA7-EABE-449B-B1FD-51889EA13817}">
+      <dgm:prSet/>
+      <dgm:spPr/>
+      <dgm:t>
+        <a:bodyPr/>
+        <a:lstStyle/>
+        <a:p>
+          <a:endParaRPr lang="en-US"/>
+        </a:p>
+      </dgm:t>
+    </dgm:pt>
+    <dgm:pt modelId="{061525A1-FD14-4A21-AAA3-E7A17E774875}">
+      <dgm:prSet/>
+      <dgm:spPr/>
+      <dgm:t>
+        <a:bodyPr/>
+        <a:lstStyle/>
+        <a:p>
+          <a:r>
+            <a:rPr lang="en-US"/>
+            <a:t>Pooling Layer 2</a:t>
+          </a:r>
+        </a:p>
+      </dgm:t>
+    </dgm:pt>
+    <dgm:pt modelId="{4FCE5BBD-6A89-4214-B342-F2E23C64C0F4}" type="parTrans" cxnId="{8C1FBA98-3E05-410F-ADC7-AB53B5530D06}">
+      <dgm:prSet/>
+      <dgm:spPr/>
+      <dgm:t>
+        <a:bodyPr/>
+        <a:lstStyle/>
+        <a:p>
+          <a:endParaRPr lang="en-US"/>
+        </a:p>
+      </dgm:t>
+    </dgm:pt>
+    <dgm:pt modelId="{67C18F34-2747-492B-B58E-64ECEE62710C}" type="sibTrans" cxnId="{8C1FBA98-3E05-410F-ADC7-AB53B5530D06}">
+      <dgm:prSet/>
+      <dgm:spPr/>
+      <dgm:t>
+        <a:bodyPr/>
+        <a:lstStyle/>
+        <a:p>
+          <a:endParaRPr lang="en-US"/>
+        </a:p>
+      </dgm:t>
+    </dgm:pt>
+    <dgm:pt modelId="{08EAE3D5-9E2A-479E-8599-5F689289CD97}">
+      <dgm:prSet/>
+      <dgm:spPr/>
+      <dgm:t>
+        <a:bodyPr/>
+        <a:lstStyle/>
+        <a:p>
+          <a:r>
+            <a:rPr lang="en-US"/>
+            <a:t>Dense Layer 1</a:t>
+          </a:r>
+        </a:p>
+      </dgm:t>
+    </dgm:pt>
+    <dgm:pt modelId="{9904EC40-A46B-48BE-B317-A4671DC47BB7}" type="parTrans" cxnId="{A1575190-3A35-43D1-B599-86E6B89A35DB}">
+      <dgm:prSet/>
+      <dgm:spPr/>
+      <dgm:t>
+        <a:bodyPr/>
+        <a:lstStyle/>
+        <a:p>
+          <a:endParaRPr lang="en-US"/>
+        </a:p>
+      </dgm:t>
+    </dgm:pt>
+    <dgm:pt modelId="{F9B8D84C-05EA-4409-AC60-105B5B9635EB}" type="sibTrans" cxnId="{A1575190-3A35-43D1-B599-86E6B89A35DB}">
+      <dgm:prSet/>
+      <dgm:spPr/>
+      <dgm:t>
+        <a:bodyPr/>
+        <a:lstStyle/>
+        <a:p>
+          <a:endParaRPr lang="en-US"/>
+        </a:p>
+      </dgm:t>
+    </dgm:pt>
+    <dgm:pt modelId="{936BE13A-8466-4B8F-A8D9-BC84ECD30D13}">
+      <dgm:prSet/>
+      <dgm:spPr/>
+      <dgm:t>
+        <a:bodyPr/>
+        <a:lstStyle/>
+        <a:p>
+          <a:r>
+            <a:rPr lang="en-US"/>
+            <a:t>Dense Layer 2</a:t>
+          </a:r>
+        </a:p>
+      </dgm:t>
+    </dgm:pt>
+    <dgm:pt modelId="{B4F96E2B-EAC0-408D-8A19-7D53024A568B}" type="parTrans" cxnId="{5204AD3C-A086-414B-9603-BF44C6A8C10E}">
+      <dgm:prSet/>
+      <dgm:spPr/>
+      <dgm:t>
+        <a:bodyPr/>
+        <a:lstStyle/>
+        <a:p>
+          <a:endParaRPr lang="en-US"/>
+        </a:p>
+      </dgm:t>
+    </dgm:pt>
+    <dgm:pt modelId="{DB663C9B-20CA-42FC-9295-C65E2916EFE2}" type="sibTrans" cxnId="{5204AD3C-A086-414B-9603-BF44C6A8C10E}">
+      <dgm:prSet/>
+      <dgm:spPr/>
+      <dgm:t>
+        <a:bodyPr/>
+        <a:lstStyle/>
+        <a:p>
+          <a:endParaRPr lang="en-US"/>
+        </a:p>
+      </dgm:t>
+    </dgm:pt>
+    <dgm:pt modelId="{13A9086B-5587-4421-8D41-330F454BEB7A}" type="pres">
+      <dgm:prSet presAssocID="{73CE9299-EA96-4173-9355-43DA16BC50E6}" presName="vert0" presStyleCnt="0">
+        <dgm:presLayoutVars>
+          <dgm:dir/>
+          <dgm:animOne val="branch"/>
+          <dgm:animLvl val="lvl"/>
+        </dgm:presLayoutVars>
+      </dgm:prSet>
+      <dgm:spPr/>
+    </dgm:pt>
+    <dgm:pt modelId="{58507255-5403-4607-AE41-D1C9CFA199B7}" type="pres">
+      <dgm:prSet presAssocID="{110D4DC1-C6D5-429B-A482-2D378881F12A}" presName="thickLine" presStyleLbl="alignNode1" presStyleIdx="0" presStyleCnt="6"/>
+      <dgm:spPr/>
+    </dgm:pt>
+    <dgm:pt modelId="{75C25FE4-D72B-4BB1-B883-30B8B3D3730E}" type="pres">
+      <dgm:prSet presAssocID="{110D4DC1-C6D5-429B-A482-2D378881F12A}" presName="horz1" presStyleCnt="0"/>
+      <dgm:spPr/>
+    </dgm:pt>
+    <dgm:pt modelId="{63777F3E-12CD-42D3-9D4F-290F163604DD}" type="pres">
+      <dgm:prSet presAssocID="{110D4DC1-C6D5-429B-A482-2D378881F12A}" presName="tx1" presStyleLbl="revTx" presStyleIdx="0" presStyleCnt="6"/>
+      <dgm:spPr/>
+    </dgm:pt>
+    <dgm:pt modelId="{8850220C-F94A-410F-859A-E8EB2E62B22C}" type="pres">
+      <dgm:prSet presAssocID="{110D4DC1-C6D5-429B-A482-2D378881F12A}" presName="vert1" presStyleCnt="0"/>
+      <dgm:spPr/>
+    </dgm:pt>
+    <dgm:pt modelId="{2FB24824-59C2-47D7-BD93-EE621AC29543}" type="pres">
+      <dgm:prSet presAssocID="{519D957E-FD39-4F4F-AD0F-DAE89EC7D92E}" presName="thickLine" presStyleLbl="alignNode1" presStyleIdx="1" presStyleCnt="6"/>
+      <dgm:spPr/>
+    </dgm:pt>
+    <dgm:pt modelId="{A920F3C1-C0E8-4C57-A99A-00EC27294FDC}" type="pres">
+      <dgm:prSet presAssocID="{519D957E-FD39-4F4F-AD0F-DAE89EC7D92E}" presName="horz1" presStyleCnt="0"/>
+      <dgm:spPr/>
+    </dgm:pt>
+    <dgm:pt modelId="{42A37843-B5AF-4E33-92E8-15D7E91B9481}" type="pres">
+      <dgm:prSet presAssocID="{519D957E-FD39-4F4F-AD0F-DAE89EC7D92E}" presName="tx1" presStyleLbl="revTx" presStyleIdx="1" presStyleCnt="6"/>
+      <dgm:spPr/>
+    </dgm:pt>
+    <dgm:pt modelId="{67B916EA-13C0-4E35-981B-F35F8BB48B53}" type="pres">
+      <dgm:prSet presAssocID="{519D957E-FD39-4F4F-AD0F-DAE89EC7D92E}" presName="vert1" presStyleCnt="0"/>
+      <dgm:spPr/>
+    </dgm:pt>
+    <dgm:pt modelId="{5DDC443F-3609-4995-A0B5-81A86AE88A46}" type="pres">
+      <dgm:prSet presAssocID="{2A597CB3-C3BD-4552-A7AF-17B84A430F4E}" presName="thickLine" presStyleLbl="alignNode1" presStyleIdx="2" presStyleCnt="6"/>
+      <dgm:spPr/>
+    </dgm:pt>
+    <dgm:pt modelId="{C4CB64A5-DF15-4274-B8DD-6DFB892B11AC}" type="pres">
+      <dgm:prSet presAssocID="{2A597CB3-C3BD-4552-A7AF-17B84A430F4E}" presName="horz1" presStyleCnt="0"/>
+      <dgm:spPr/>
+    </dgm:pt>
+    <dgm:pt modelId="{D6225780-F448-43DD-AA88-86B8B38A0E7A}" type="pres">
+      <dgm:prSet presAssocID="{2A597CB3-C3BD-4552-A7AF-17B84A430F4E}" presName="tx1" presStyleLbl="revTx" presStyleIdx="2" presStyleCnt="6"/>
+      <dgm:spPr/>
+    </dgm:pt>
+    <dgm:pt modelId="{4564D48D-6175-4502-9133-8E1922146A32}" type="pres">
+      <dgm:prSet presAssocID="{2A597CB3-C3BD-4552-A7AF-17B84A430F4E}" presName="vert1" presStyleCnt="0"/>
+      <dgm:spPr/>
+    </dgm:pt>
+    <dgm:pt modelId="{7CBC4CA1-A3F8-444C-B32E-3821233CD712}" type="pres">
+      <dgm:prSet presAssocID="{061525A1-FD14-4A21-AAA3-E7A17E774875}" presName="thickLine" presStyleLbl="alignNode1" presStyleIdx="3" presStyleCnt="6"/>
+      <dgm:spPr/>
+    </dgm:pt>
+    <dgm:pt modelId="{5EDF708D-4C11-4F70-85FB-BAA9EF0122D1}" type="pres">
+      <dgm:prSet presAssocID="{061525A1-FD14-4A21-AAA3-E7A17E774875}" presName="horz1" presStyleCnt="0"/>
+      <dgm:spPr/>
+    </dgm:pt>
+    <dgm:pt modelId="{5C2406F3-7445-4420-96A4-9ECE008A29EA}" type="pres">
+      <dgm:prSet presAssocID="{061525A1-FD14-4A21-AAA3-E7A17E774875}" presName="tx1" presStyleLbl="revTx" presStyleIdx="3" presStyleCnt="6"/>
+      <dgm:spPr/>
+    </dgm:pt>
+    <dgm:pt modelId="{CB175D4D-BC1E-4906-9CE7-97FB4F58EE98}" type="pres">
+      <dgm:prSet presAssocID="{061525A1-FD14-4A21-AAA3-E7A17E774875}" presName="vert1" presStyleCnt="0"/>
+      <dgm:spPr/>
+    </dgm:pt>
+    <dgm:pt modelId="{DDFBB962-BAE8-42B9-8D30-CABB0CD66932}" type="pres">
+      <dgm:prSet presAssocID="{08EAE3D5-9E2A-479E-8599-5F689289CD97}" presName="thickLine" presStyleLbl="alignNode1" presStyleIdx="4" presStyleCnt="6"/>
+      <dgm:spPr/>
+    </dgm:pt>
+    <dgm:pt modelId="{E3440DCC-38C5-43B9-A3B9-1E4F309BB199}" type="pres">
+      <dgm:prSet presAssocID="{08EAE3D5-9E2A-479E-8599-5F689289CD97}" presName="horz1" presStyleCnt="0"/>
+      <dgm:spPr/>
+    </dgm:pt>
+    <dgm:pt modelId="{F28B447B-9C6B-477A-B391-51F7E95A9F0B}" type="pres">
+      <dgm:prSet presAssocID="{08EAE3D5-9E2A-479E-8599-5F689289CD97}" presName="tx1" presStyleLbl="revTx" presStyleIdx="4" presStyleCnt="6"/>
+      <dgm:spPr/>
+    </dgm:pt>
+    <dgm:pt modelId="{9021AAA0-C5DB-4910-AF6B-0899AF2F0711}" type="pres">
+      <dgm:prSet presAssocID="{08EAE3D5-9E2A-479E-8599-5F689289CD97}" presName="vert1" presStyleCnt="0"/>
+      <dgm:spPr/>
+    </dgm:pt>
+    <dgm:pt modelId="{64FBAD50-DCB0-4474-B63B-CDE4757E3E28}" type="pres">
+      <dgm:prSet presAssocID="{936BE13A-8466-4B8F-A8D9-BC84ECD30D13}" presName="thickLine" presStyleLbl="alignNode1" presStyleIdx="5" presStyleCnt="6"/>
+      <dgm:spPr/>
+    </dgm:pt>
+    <dgm:pt modelId="{819FD595-A2A1-402D-BA41-8A5966BF2EF3}" type="pres">
+      <dgm:prSet presAssocID="{936BE13A-8466-4B8F-A8D9-BC84ECD30D13}" presName="horz1" presStyleCnt="0"/>
+      <dgm:spPr/>
+    </dgm:pt>
+    <dgm:pt modelId="{8935A505-8A81-4146-82C3-C5661A92832C}" type="pres">
+      <dgm:prSet presAssocID="{936BE13A-8466-4B8F-A8D9-BC84ECD30D13}" presName="tx1" presStyleLbl="revTx" presStyleIdx="5" presStyleCnt="6"/>
+      <dgm:spPr/>
+    </dgm:pt>
+    <dgm:pt modelId="{0DA95D0E-CB20-45D5-9348-E098F49FEB61}" type="pres">
+      <dgm:prSet presAssocID="{936BE13A-8466-4B8F-A8D9-BC84ECD30D13}" presName="vert1" presStyleCnt="0"/>
+      <dgm:spPr/>
+    </dgm:pt>
+  </dgm:ptLst>
+  <dgm:cxnLst>
+    <dgm:cxn modelId="{5204AD3C-A086-414B-9603-BF44C6A8C10E}" srcId="{73CE9299-EA96-4173-9355-43DA16BC50E6}" destId="{936BE13A-8466-4B8F-A8D9-BC84ECD30D13}" srcOrd="5" destOrd="0" parTransId="{B4F96E2B-EAC0-408D-8A19-7D53024A568B}" sibTransId="{DB663C9B-20CA-42FC-9295-C65E2916EFE2}"/>
+    <dgm:cxn modelId="{8E86183E-C08B-43B6-92BF-B89C924E6BA2}" type="presOf" srcId="{110D4DC1-C6D5-429B-A482-2D378881F12A}" destId="{63777F3E-12CD-42D3-9D4F-290F163604DD}" srcOrd="0" destOrd="0" presId="urn:microsoft.com/office/officeart/2008/layout/LinedList"/>
+    <dgm:cxn modelId="{F4EA5468-7474-4EC7-9408-0226D0330BAC}" type="presOf" srcId="{08EAE3D5-9E2A-479E-8599-5F689289CD97}" destId="{F28B447B-9C6B-477A-B391-51F7E95A9F0B}" srcOrd="0" destOrd="0" presId="urn:microsoft.com/office/officeart/2008/layout/LinedList"/>
+    <dgm:cxn modelId="{A1575190-3A35-43D1-B599-86E6B89A35DB}" srcId="{73CE9299-EA96-4173-9355-43DA16BC50E6}" destId="{08EAE3D5-9E2A-479E-8599-5F689289CD97}" srcOrd="4" destOrd="0" parTransId="{9904EC40-A46B-48BE-B317-A4671DC47BB7}" sibTransId="{F9B8D84C-05EA-4409-AC60-105B5B9635EB}"/>
+    <dgm:cxn modelId="{E79BEB93-3B83-42F8-89ED-18CE21ADD106}" srcId="{73CE9299-EA96-4173-9355-43DA16BC50E6}" destId="{110D4DC1-C6D5-429B-A482-2D378881F12A}" srcOrd="0" destOrd="0" parTransId="{6890ADD3-8FD9-4F70-A0ED-80D22A4BFCF1}" sibTransId="{38329720-B9A1-45C9-A24C-300016FC93B8}"/>
+    <dgm:cxn modelId="{8C1FBA98-3E05-410F-ADC7-AB53B5530D06}" srcId="{73CE9299-EA96-4173-9355-43DA16BC50E6}" destId="{061525A1-FD14-4A21-AAA3-E7A17E774875}" srcOrd="3" destOrd="0" parTransId="{4FCE5BBD-6A89-4214-B342-F2E23C64C0F4}" sibTransId="{67C18F34-2747-492B-B58E-64ECEE62710C}"/>
+    <dgm:cxn modelId="{9A77D59A-CF9D-4AA1-BFA5-6D8400BC3475}" type="presOf" srcId="{936BE13A-8466-4B8F-A8D9-BC84ECD30D13}" destId="{8935A505-8A81-4146-82C3-C5661A92832C}" srcOrd="0" destOrd="0" presId="urn:microsoft.com/office/officeart/2008/layout/LinedList"/>
+    <dgm:cxn modelId="{5F1E7BA1-79F1-4BC0-BE01-97E8582E9BCC}" type="presOf" srcId="{061525A1-FD14-4A21-AAA3-E7A17E774875}" destId="{5C2406F3-7445-4420-96A4-9ECE008A29EA}" srcOrd="0" destOrd="0" presId="urn:microsoft.com/office/officeart/2008/layout/LinedList"/>
+    <dgm:cxn modelId="{BA742EA3-7ECF-43B7-A592-DD9DCC37F4E7}" type="presOf" srcId="{2A597CB3-C3BD-4552-A7AF-17B84A430F4E}" destId="{D6225780-F448-43DD-AA88-86B8B38A0E7A}" srcOrd="0" destOrd="0" presId="urn:microsoft.com/office/officeart/2008/layout/LinedList"/>
+    <dgm:cxn modelId="{D8737DA7-EABE-449B-B1FD-51889EA13817}" srcId="{73CE9299-EA96-4173-9355-43DA16BC50E6}" destId="{2A597CB3-C3BD-4552-A7AF-17B84A430F4E}" srcOrd="2" destOrd="0" parTransId="{E3911E72-A41B-4F76-8439-B5FBC9D2854D}" sibTransId="{22B04320-A61D-48D7-9F34-C521E04EB9FE}"/>
+    <dgm:cxn modelId="{537ECAA9-15A6-489C-BE67-E03043F0BAB3}" srcId="{73CE9299-EA96-4173-9355-43DA16BC50E6}" destId="{519D957E-FD39-4F4F-AD0F-DAE89EC7D92E}" srcOrd="1" destOrd="0" parTransId="{4463C6AE-326A-4BD0-9325-7B4FBB1A5AB2}" sibTransId="{9AE2C7E5-BE8A-4A04-8462-6E1E8B6241FE}"/>
+    <dgm:cxn modelId="{64C01DEA-0C74-466A-AEB2-51D4F656227A}" type="presOf" srcId="{73CE9299-EA96-4173-9355-43DA16BC50E6}" destId="{13A9086B-5587-4421-8D41-330F454BEB7A}" srcOrd="0" destOrd="0" presId="urn:microsoft.com/office/officeart/2008/layout/LinedList"/>
+    <dgm:cxn modelId="{6383CAED-6584-4296-84B0-E49F1688E381}" type="presOf" srcId="{519D957E-FD39-4F4F-AD0F-DAE89EC7D92E}" destId="{42A37843-B5AF-4E33-92E8-15D7E91B9481}" srcOrd="0" destOrd="0" presId="urn:microsoft.com/office/officeart/2008/layout/LinedList"/>
+    <dgm:cxn modelId="{44A4F435-0E35-4B2B-8F4D-64F5432D663C}" type="presParOf" srcId="{13A9086B-5587-4421-8D41-330F454BEB7A}" destId="{58507255-5403-4607-AE41-D1C9CFA199B7}" srcOrd="0" destOrd="0" presId="urn:microsoft.com/office/officeart/2008/layout/LinedList"/>
+    <dgm:cxn modelId="{EF397ADD-A4D6-405F-930E-89FF1B33EDBA}" type="presParOf" srcId="{13A9086B-5587-4421-8D41-330F454BEB7A}" destId="{75C25FE4-D72B-4BB1-B883-30B8B3D3730E}" srcOrd="1" destOrd="0" presId="urn:microsoft.com/office/officeart/2008/layout/LinedList"/>
+    <dgm:cxn modelId="{FA88A5AF-2623-4CE5-808F-0A632C0C1F7C}" type="presParOf" srcId="{75C25FE4-D72B-4BB1-B883-30B8B3D3730E}" destId="{63777F3E-12CD-42D3-9D4F-290F163604DD}" srcOrd="0" destOrd="0" presId="urn:microsoft.com/office/officeart/2008/layout/LinedList"/>
+    <dgm:cxn modelId="{2398372E-E831-41C4-8D57-849E3D401A34}" type="presParOf" srcId="{75C25FE4-D72B-4BB1-B883-30B8B3D3730E}" destId="{8850220C-F94A-410F-859A-E8EB2E62B22C}" srcOrd="1" destOrd="0" presId="urn:microsoft.com/office/officeart/2008/layout/LinedList"/>
+    <dgm:cxn modelId="{C6AF6AB8-B6E8-42A5-B266-6FEAAFFE3643}" type="presParOf" srcId="{13A9086B-5587-4421-8D41-330F454BEB7A}" destId="{2FB24824-59C2-47D7-BD93-EE621AC29543}" srcOrd="2" destOrd="0" presId="urn:microsoft.com/office/officeart/2008/layout/LinedList"/>
+    <dgm:cxn modelId="{2A16F147-48AE-46AA-861B-043377382C8C}" type="presParOf" srcId="{13A9086B-5587-4421-8D41-330F454BEB7A}" destId="{A920F3C1-C0E8-4C57-A99A-00EC27294FDC}" srcOrd="3" destOrd="0" presId="urn:microsoft.com/office/officeart/2008/layout/LinedList"/>
+    <dgm:cxn modelId="{F61AFB73-3B91-48D5-BE82-96D067E43A78}" type="presParOf" srcId="{A920F3C1-C0E8-4C57-A99A-00EC27294FDC}" destId="{42A37843-B5AF-4E33-92E8-15D7E91B9481}" srcOrd="0" destOrd="0" presId="urn:microsoft.com/office/officeart/2008/layout/LinedList"/>
+    <dgm:cxn modelId="{5CFFA1B3-7428-4955-98D7-F9C8BDD3D00B}" type="presParOf" srcId="{A920F3C1-C0E8-4C57-A99A-00EC27294FDC}" destId="{67B916EA-13C0-4E35-981B-F35F8BB48B53}" srcOrd="1" destOrd="0" presId="urn:microsoft.com/office/officeart/2008/layout/LinedList"/>
+    <dgm:cxn modelId="{7EE4F8D7-E04E-4386-AEA1-0404AC7928A8}" type="presParOf" srcId="{13A9086B-5587-4421-8D41-330F454BEB7A}" destId="{5DDC443F-3609-4995-A0B5-81A86AE88A46}" srcOrd="4" destOrd="0" presId="urn:microsoft.com/office/officeart/2008/layout/LinedList"/>
+    <dgm:cxn modelId="{68424E9C-BCA9-4BA6-94B5-8BC6349FDBF1}" type="presParOf" srcId="{13A9086B-5587-4421-8D41-330F454BEB7A}" destId="{C4CB64A5-DF15-4274-B8DD-6DFB892B11AC}" srcOrd="5" destOrd="0" presId="urn:microsoft.com/office/officeart/2008/layout/LinedList"/>
+    <dgm:cxn modelId="{0D2E47BD-1FE5-4240-AA9D-A98F6C9F1612}" type="presParOf" srcId="{C4CB64A5-DF15-4274-B8DD-6DFB892B11AC}" destId="{D6225780-F448-43DD-AA88-86B8B38A0E7A}" srcOrd="0" destOrd="0" presId="urn:microsoft.com/office/officeart/2008/layout/LinedList"/>
+    <dgm:cxn modelId="{C765A507-42E1-4103-AC99-2F18C4376162}" type="presParOf" srcId="{C4CB64A5-DF15-4274-B8DD-6DFB892B11AC}" destId="{4564D48D-6175-4502-9133-8E1922146A32}" srcOrd="1" destOrd="0" presId="urn:microsoft.com/office/officeart/2008/layout/LinedList"/>
+    <dgm:cxn modelId="{8787A28D-F601-4997-B140-9B5945499667}" type="presParOf" srcId="{13A9086B-5587-4421-8D41-330F454BEB7A}" destId="{7CBC4CA1-A3F8-444C-B32E-3821233CD712}" srcOrd="6" destOrd="0" presId="urn:microsoft.com/office/officeart/2008/layout/LinedList"/>
+    <dgm:cxn modelId="{615EE50D-3318-426C-86B5-D857CEC6CEF4}" type="presParOf" srcId="{13A9086B-5587-4421-8D41-330F454BEB7A}" destId="{5EDF708D-4C11-4F70-85FB-BAA9EF0122D1}" srcOrd="7" destOrd="0" presId="urn:microsoft.com/office/officeart/2008/layout/LinedList"/>
+    <dgm:cxn modelId="{56F9F83B-F17C-4CC9-9CC5-F1413217E5E9}" type="presParOf" srcId="{5EDF708D-4C11-4F70-85FB-BAA9EF0122D1}" destId="{5C2406F3-7445-4420-96A4-9ECE008A29EA}" srcOrd="0" destOrd="0" presId="urn:microsoft.com/office/officeart/2008/layout/LinedList"/>
+    <dgm:cxn modelId="{ECBA97C0-A268-4EE8-AE7D-CC5125EACF4F}" type="presParOf" srcId="{5EDF708D-4C11-4F70-85FB-BAA9EF0122D1}" destId="{CB175D4D-BC1E-4906-9CE7-97FB4F58EE98}" srcOrd="1" destOrd="0" presId="urn:microsoft.com/office/officeart/2008/layout/LinedList"/>
+    <dgm:cxn modelId="{374315B9-4211-48DF-B6C4-88080BD27007}" type="presParOf" srcId="{13A9086B-5587-4421-8D41-330F454BEB7A}" destId="{DDFBB962-BAE8-42B9-8D30-CABB0CD66932}" srcOrd="8" destOrd="0" presId="urn:microsoft.com/office/officeart/2008/layout/LinedList"/>
+    <dgm:cxn modelId="{1CCC4426-CFC7-472A-B2BB-C02AFC3FC1C7}" type="presParOf" srcId="{13A9086B-5587-4421-8D41-330F454BEB7A}" destId="{E3440DCC-38C5-43B9-A3B9-1E4F309BB199}" srcOrd="9" destOrd="0" presId="urn:microsoft.com/office/officeart/2008/layout/LinedList"/>
+    <dgm:cxn modelId="{85A62ECA-F67C-4587-821A-FD04A88B29D4}" type="presParOf" srcId="{E3440DCC-38C5-43B9-A3B9-1E4F309BB199}" destId="{F28B447B-9C6B-477A-B391-51F7E95A9F0B}" srcOrd="0" destOrd="0" presId="urn:microsoft.com/office/officeart/2008/layout/LinedList"/>
+    <dgm:cxn modelId="{E19B93DC-D977-4214-BC98-A264DA18D639}" type="presParOf" srcId="{E3440DCC-38C5-43B9-A3B9-1E4F309BB199}" destId="{9021AAA0-C5DB-4910-AF6B-0899AF2F0711}" srcOrd="1" destOrd="0" presId="urn:microsoft.com/office/officeart/2008/layout/LinedList"/>
+    <dgm:cxn modelId="{8B9444AF-C8F8-43C2-93F9-78EB177C4B5A}" type="presParOf" srcId="{13A9086B-5587-4421-8D41-330F454BEB7A}" destId="{64FBAD50-DCB0-4474-B63B-CDE4757E3E28}" srcOrd="10" destOrd="0" presId="urn:microsoft.com/office/officeart/2008/layout/LinedList"/>
+    <dgm:cxn modelId="{F1269AE4-296A-494F-A2A5-4A6148131E07}" type="presParOf" srcId="{13A9086B-5587-4421-8D41-330F454BEB7A}" destId="{819FD595-A2A1-402D-BA41-8A5966BF2EF3}" srcOrd="11" destOrd="0" presId="urn:microsoft.com/office/officeart/2008/layout/LinedList"/>
+    <dgm:cxn modelId="{3D2D2EB7-A33B-437C-9109-09029996A52A}" type="presParOf" srcId="{819FD595-A2A1-402D-BA41-8A5966BF2EF3}" destId="{8935A505-8A81-4146-82C3-C5661A92832C}" srcOrd="0" destOrd="0" presId="urn:microsoft.com/office/officeart/2008/layout/LinedList"/>
+    <dgm:cxn modelId="{A4F7B87B-7BAB-457A-9310-D5DC2D51F908}" type="presParOf" srcId="{819FD595-A2A1-402D-BA41-8A5966BF2EF3}" destId="{0DA95D0E-CB20-45D5-9348-E098F49FEB61}" srcOrd="1" destOrd="0" presId="urn:microsoft.com/office/officeart/2008/layout/LinedList"/>
   </dgm:cxnLst>
   <dgm:bg/>
   <dgm:whole/>
@@ -2283,6 +4600,1030 @@
 </dsp:drawing>
 </file>
 
+<file path=ppt/diagrams/drawing2.xml><?xml version="1.0" encoding="utf-8"?>
+<dsp:drawing xmlns:dgm="http://schemas.openxmlformats.org/drawingml/2006/diagram" xmlns:dsp="http://schemas.microsoft.com/office/drawing/2008/diagram" xmlns:a="http://schemas.openxmlformats.org/drawingml/2006/main">
+  <dsp:spTree>
+    <dsp:nvGrpSpPr>
+      <dsp:cNvPr id="0" name=""/>
+      <dsp:cNvGrpSpPr/>
+    </dsp:nvGrpSpPr>
+    <dsp:grpSpPr/>
+    <dsp:sp modelId="{FF138D7A-AA71-41DC-B120-C53322E66EAE}">
+      <dsp:nvSpPr>
+        <dsp:cNvPr id="0" name=""/>
+        <dsp:cNvSpPr/>
+      </dsp:nvSpPr>
+      <dsp:spPr>
+        <a:xfrm>
+          <a:off x="0" y="1100812"/>
+          <a:ext cx="6269037" cy="1190700"/>
+        </a:xfrm>
+        <a:prstGeom prst="rect">
+          <a:avLst/>
+        </a:prstGeom>
+        <a:solidFill>
+          <a:schemeClr val="lt1">
+            <a:alpha val="90000"/>
+            <a:hueOff val="0"/>
+            <a:satOff val="0"/>
+            <a:lumOff val="0"/>
+            <a:alphaOff val="0"/>
+          </a:schemeClr>
+        </a:solidFill>
+        <a:ln w="12700" cap="flat" cmpd="sng" algn="ctr">
+          <a:solidFill>
+            <a:schemeClr val="accent4">
+              <a:hueOff val="0"/>
+              <a:satOff val="0"/>
+              <a:lumOff val="0"/>
+              <a:alphaOff val="0"/>
+            </a:schemeClr>
+          </a:solidFill>
+          <a:prstDash val="solid"/>
+          <a:miter lim="800000"/>
+        </a:ln>
+        <a:effectLst/>
+      </dsp:spPr>
+      <dsp:style>
+        <a:lnRef idx="2">
+          <a:scrgbClr r="0" g="0" b="0"/>
+        </a:lnRef>
+        <a:fillRef idx="1">
+          <a:scrgbClr r="0" g="0" b="0"/>
+        </a:fillRef>
+        <a:effectRef idx="0">
+          <a:scrgbClr r="0" g="0" b="0"/>
+        </a:effectRef>
+        <a:fontRef idx="minor"/>
+      </dsp:style>
+      <dsp:txBody>
+        <a:bodyPr spcFirstLastPara="0" vert="horz" wrap="square" lIns="486547" tIns="583184" rIns="486547" bIns="199136" numCol="1" spcCol="1270" anchor="t" anchorCtr="0">
+          <a:noAutofit/>
+        </a:bodyPr>
+        <a:lstStyle/>
+        <a:p>
+          <a:pPr marL="285750" lvl="1" indent="-285750" algn="l" defTabSz="1244600">
+            <a:lnSpc>
+              <a:spcPct val="90000"/>
+            </a:lnSpc>
+            <a:spcBef>
+              <a:spcPct val="0"/>
+            </a:spcBef>
+            <a:spcAft>
+              <a:spcPct val="15000"/>
+            </a:spcAft>
+            <a:buChar char="•"/>
+          </a:pPr>
+          <a:r>
+            <a:rPr lang="en-US" sz="2800" kern="1200"/>
+            <a:t>Where x is the input neuron</a:t>
+          </a:r>
+        </a:p>
+      </dsp:txBody>
+      <dsp:txXfrm>
+        <a:off x="0" y="1100812"/>
+        <a:ext cx="6269037" cy="1190700"/>
+      </dsp:txXfrm>
+    </dsp:sp>
+    <dsp:sp modelId="{66C2BF90-F36A-427D-AFD6-49F6C925D133}">
+      <dsp:nvSpPr>
+        <dsp:cNvPr id="0" name=""/>
+        <dsp:cNvSpPr/>
+      </dsp:nvSpPr>
+      <dsp:spPr>
+        <a:xfrm>
+          <a:off x="313451" y="687532"/>
+          <a:ext cx="4388325" cy="826560"/>
+        </a:xfrm>
+        <a:prstGeom prst="roundRect">
+          <a:avLst/>
+        </a:prstGeom>
+        <a:solidFill>
+          <a:schemeClr val="accent4">
+            <a:hueOff val="0"/>
+            <a:satOff val="0"/>
+            <a:lumOff val="0"/>
+            <a:alphaOff val="0"/>
+          </a:schemeClr>
+        </a:solidFill>
+        <a:ln w="12700" cap="flat" cmpd="sng" algn="ctr">
+          <a:solidFill>
+            <a:schemeClr val="lt1">
+              <a:hueOff val="0"/>
+              <a:satOff val="0"/>
+              <a:lumOff val="0"/>
+              <a:alphaOff val="0"/>
+            </a:schemeClr>
+          </a:solidFill>
+          <a:prstDash val="solid"/>
+          <a:miter lim="800000"/>
+        </a:ln>
+        <a:effectLst/>
+      </dsp:spPr>
+      <dsp:style>
+        <a:lnRef idx="2">
+          <a:scrgbClr r="0" g="0" b="0"/>
+        </a:lnRef>
+        <a:fillRef idx="1">
+          <a:scrgbClr r="0" g="0" b="0"/>
+        </a:fillRef>
+        <a:effectRef idx="0">
+          <a:scrgbClr r="0" g="0" b="0"/>
+        </a:effectRef>
+        <a:fontRef idx="minor">
+          <a:schemeClr val="lt1"/>
+        </a:fontRef>
+      </dsp:style>
+      <dsp:txBody>
+        <a:bodyPr spcFirstLastPara="0" vert="horz" wrap="square" lIns="165868" tIns="0" rIns="165868" bIns="0" numCol="1" spcCol="1270" anchor="ctr" anchorCtr="0">
+          <a:noAutofit/>
+        </a:bodyPr>
+        <a:lstStyle/>
+        <a:p>
+          <a:pPr marL="0" lvl="0" indent="0" algn="l" defTabSz="1244600">
+            <a:lnSpc>
+              <a:spcPct val="90000"/>
+            </a:lnSpc>
+            <a:spcBef>
+              <a:spcPct val="0"/>
+            </a:spcBef>
+            <a:spcAft>
+              <a:spcPct val="35000"/>
+            </a:spcAft>
+            <a:buNone/>
+          </a:pPr>
+          <a:r>
+            <a:rPr lang="en-US" sz="2800" kern="1200"/>
+            <a:t>Defined as: f(x) = max(0, x)</a:t>
+          </a:r>
+        </a:p>
+      </dsp:txBody>
+      <dsp:txXfrm>
+        <a:off x="353800" y="727881"/>
+        <a:ext cx="4307627" cy="745862"/>
+      </dsp:txXfrm>
+    </dsp:sp>
+    <dsp:sp modelId="{3C653029-56B2-46E9-953E-CCC679C73BAF}">
+      <dsp:nvSpPr>
+        <dsp:cNvPr id="0" name=""/>
+        <dsp:cNvSpPr/>
+      </dsp:nvSpPr>
+      <dsp:spPr>
+        <a:xfrm>
+          <a:off x="0" y="2855992"/>
+          <a:ext cx="6269037" cy="2028600"/>
+        </a:xfrm>
+        <a:prstGeom prst="rect">
+          <a:avLst/>
+        </a:prstGeom>
+        <a:solidFill>
+          <a:schemeClr val="lt1">
+            <a:alpha val="90000"/>
+            <a:hueOff val="0"/>
+            <a:satOff val="0"/>
+            <a:lumOff val="0"/>
+            <a:alphaOff val="0"/>
+          </a:schemeClr>
+        </a:solidFill>
+        <a:ln w="12700" cap="flat" cmpd="sng" algn="ctr">
+          <a:solidFill>
+            <a:schemeClr val="accent4">
+              <a:hueOff val="0"/>
+              <a:satOff val="0"/>
+              <a:lumOff val="0"/>
+              <a:alphaOff val="0"/>
+            </a:schemeClr>
+          </a:solidFill>
+          <a:prstDash val="solid"/>
+          <a:miter lim="800000"/>
+        </a:ln>
+        <a:effectLst/>
+      </dsp:spPr>
+      <dsp:style>
+        <a:lnRef idx="2">
+          <a:scrgbClr r="0" g="0" b="0"/>
+        </a:lnRef>
+        <a:fillRef idx="1">
+          <a:scrgbClr r="0" g="0" b="0"/>
+        </a:fillRef>
+        <a:effectRef idx="0">
+          <a:scrgbClr r="0" g="0" b="0"/>
+        </a:effectRef>
+        <a:fontRef idx="minor"/>
+      </dsp:style>
+      <dsp:txBody>
+        <a:bodyPr spcFirstLastPara="0" vert="horz" wrap="square" lIns="486547" tIns="583184" rIns="486547" bIns="199136" numCol="1" spcCol="1270" anchor="t" anchorCtr="0">
+          <a:noAutofit/>
+        </a:bodyPr>
+        <a:lstStyle/>
+        <a:p>
+          <a:pPr marL="285750" lvl="1" indent="-285750" algn="l" defTabSz="1244600">
+            <a:lnSpc>
+              <a:spcPct val="90000"/>
+            </a:lnSpc>
+            <a:spcBef>
+              <a:spcPct val="0"/>
+            </a:spcBef>
+            <a:spcAft>
+              <a:spcPct val="15000"/>
+            </a:spcAft>
+            <a:buChar char="•"/>
+          </a:pPr>
+          <a:r>
+            <a:rPr lang="en-US" sz="2800" kern="1200"/>
+            <a:t>Reduced likelihood of vanishing gradient</a:t>
+          </a:r>
+        </a:p>
+        <a:p>
+          <a:pPr marL="285750" lvl="1" indent="-285750" algn="l" defTabSz="1244600">
+            <a:lnSpc>
+              <a:spcPct val="90000"/>
+            </a:lnSpc>
+            <a:spcBef>
+              <a:spcPct val="0"/>
+            </a:spcBef>
+            <a:spcAft>
+              <a:spcPct val="15000"/>
+            </a:spcAft>
+            <a:buChar char="•"/>
+          </a:pPr>
+          <a:r>
+            <a:rPr lang="en-US" sz="2800" kern="1200"/>
+            <a:t>More sparse representation</a:t>
+          </a:r>
+        </a:p>
+      </dsp:txBody>
+      <dsp:txXfrm>
+        <a:off x="0" y="2855992"/>
+        <a:ext cx="6269037" cy="2028600"/>
+      </dsp:txXfrm>
+    </dsp:sp>
+    <dsp:sp modelId="{337FFDE5-BD9D-4C72-B47D-03E018BD1066}">
+      <dsp:nvSpPr>
+        <dsp:cNvPr id="0" name=""/>
+        <dsp:cNvSpPr/>
+      </dsp:nvSpPr>
+      <dsp:spPr>
+        <a:xfrm>
+          <a:off x="313451" y="2442712"/>
+          <a:ext cx="4388325" cy="826560"/>
+        </a:xfrm>
+        <a:prstGeom prst="roundRect">
+          <a:avLst/>
+        </a:prstGeom>
+        <a:solidFill>
+          <a:schemeClr val="accent4">
+            <a:hueOff val="0"/>
+            <a:satOff val="0"/>
+            <a:lumOff val="0"/>
+            <a:alphaOff val="0"/>
+          </a:schemeClr>
+        </a:solidFill>
+        <a:ln w="12700" cap="flat" cmpd="sng" algn="ctr">
+          <a:solidFill>
+            <a:schemeClr val="lt1">
+              <a:hueOff val="0"/>
+              <a:satOff val="0"/>
+              <a:lumOff val="0"/>
+              <a:alphaOff val="0"/>
+            </a:schemeClr>
+          </a:solidFill>
+          <a:prstDash val="solid"/>
+          <a:miter lim="800000"/>
+        </a:ln>
+        <a:effectLst/>
+      </dsp:spPr>
+      <dsp:style>
+        <a:lnRef idx="2">
+          <a:scrgbClr r="0" g="0" b="0"/>
+        </a:lnRef>
+        <a:fillRef idx="1">
+          <a:scrgbClr r="0" g="0" b="0"/>
+        </a:fillRef>
+        <a:effectRef idx="0">
+          <a:scrgbClr r="0" g="0" b="0"/>
+        </a:effectRef>
+        <a:fontRef idx="minor">
+          <a:schemeClr val="lt1"/>
+        </a:fontRef>
+      </dsp:style>
+      <dsp:txBody>
+        <a:bodyPr spcFirstLastPara="0" vert="horz" wrap="square" lIns="165868" tIns="0" rIns="165868" bIns="0" numCol="1" spcCol="1270" anchor="ctr" anchorCtr="0">
+          <a:noAutofit/>
+        </a:bodyPr>
+        <a:lstStyle/>
+        <a:p>
+          <a:pPr marL="0" lvl="0" indent="0" algn="l" defTabSz="1244600">
+            <a:lnSpc>
+              <a:spcPct val="90000"/>
+            </a:lnSpc>
+            <a:spcBef>
+              <a:spcPct val="0"/>
+            </a:spcBef>
+            <a:spcAft>
+              <a:spcPct val="35000"/>
+            </a:spcAft>
+            <a:buNone/>
+          </a:pPr>
+          <a:r>
+            <a:rPr lang="en-US" sz="2800" kern="1200"/>
+            <a:t>Advantages over sigmoid:</a:t>
+          </a:r>
+        </a:p>
+      </dsp:txBody>
+      <dsp:txXfrm>
+        <a:off x="353800" y="2483061"/>
+        <a:ext cx="4307627" cy="745862"/>
+      </dsp:txXfrm>
+    </dsp:sp>
+  </dsp:spTree>
+</dsp:drawing>
+</file>
+
+<file path=ppt/diagrams/drawing3.xml><?xml version="1.0" encoding="utf-8"?>
+<dsp:drawing xmlns:dgm="http://schemas.openxmlformats.org/drawingml/2006/diagram" xmlns:dsp="http://schemas.microsoft.com/office/drawing/2008/diagram" xmlns:a="http://schemas.openxmlformats.org/drawingml/2006/main">
+  <dsp:spTree>
+    <dsp:nvGrpSpPr>
+      <dsp:cNvPr id="0" name=""/>
+      <dsp:cNvGrpSpPr/>
+    </dsp:nvGrpSpPr>
+    <dsp:grpSpPr/>
+    <dsp:sp modelId="{58507255-5403-4607-AE41-D1C9CFA199B7}">
+      <dsp:nvSpPr>
+        <dsp:cNvPr id="0" name=""/>
+        <dsp:cNvSpPr/>
+      </dsp:nvSpPr>
+      <dsp:spPr>
+        <a:xfrm>
+          <a:off x="0" y="2720"/>
+          <a:ext cx="6269037" cy="0"/>
+        </a:xfrm>
+        <a:prstGeom prst="line">
+          <a:avLst/>
+        </a:prstGeom>
+        <a:solidFill>
+          <a:schemeClr val="accent1">
+            <a:shade val="80000"/>
+            <a:hueOff val="0"/>
+            <a:satOff val="0"/>
+            <a:lumOff val="0"/>
+            <a:alphaOff val="0"/>
+          </a:schemeClr>
+        </a:solidFill>
+        <a:ln w="12700" cap="flat" cmpd="sng" algn="ctr">
+          <a:solidFill>
+            <a:schemeClr val="accent1">
+              <a:shade val="80000"/>
+              <a:hueOff val="0"/>
+              <a:satOff val="0"/>
+              <a:lumOff val="0"/>
+              <a:alphaOff val="0"/>
+            </a:schemeClr>
+          </a:solidFill>
+          <a:prstDash val="solid"/>
+          <a:miter lim="800000"/>
+        </a:ln>
+        <a:effectLst/>
+      </dsp:spPr>
+      <dsp:style>
+        <a:lnRef idx="2">
+          <a:scrgbClr r="0" g="0" b="0"/>
+        </a:lnRef>
+        <a:fillRef idx="1">
+          <a:scrgbClr r="0" g="0" b="0"/>
+        </a:fillRef>
+        <a:effectRef idx="0">
+          <a:scrgbClr r="0" g="0" b="0"/>
+        </a:effectRef>
+        <a:fontRef idx="minor">
+          <a:schemeClr val="lt1"/>
+        </a:fontRef>
+      </dsp:style>
+    </dsp:sp>
+    <dsp:sp modelId="{63777F3E-12CD-42D3-9D4F-290F163604DD}">
+      <dsp:nvSpPr>
+        <dsp:cNvPr id="0" name=""/>
+        <dsp:cNvSpPr/>
+      </dsp:nvSpPr>
+      <dsp:spPr>
+        <a:xfrm>
+          <a:off x="0" y="2720"/>
+          <a:ext cx="6269037" cy="927780"/>
+        </a:xfrm>
+        <a:prstGeom prst="rect">
+          <a:avLst/>
+        </a:prstGeom>
+        <a:noFill/>
+        <a:ln>
+          <a:noFill/>
+        </a:ln>
+        <a:effectLst/>
+      </dsp:spPr>
+      <dsp:style>
+        <a:lnRef idx="0">
+          <a:scrgbClr r="0" g="0" b="0"/>
+        </a:lnRef>
+        <a:fillRef idx="0">
+          <a:scrgbClr r="0" g="0" b="0"/>
+        </a:fillRef>
+        <a:effectRef idx="0">
+          <a:scrgbClr r="0" g="0" b="0"/>
+        </a:effectRef>
+        <a:fontRef idx="minor"/>
+      </dsp:style>
+      <dsp:txBody>
+        <a:bodyPr spcFirstLastPara="0" vert="horz" wrap="square" lIns="163830" tIns="163830" rIns="163830" bIns="163830" numCol="1" spcCol="1270" anchor="t" anchorCtr="0">
+          <a:noAutofit/>
+        </a:bodyPr>
+        <a:lstStyle/>
+        <a:p>
+          <a:pPr marL="0" lvl="0" indent="0" algn="l" defTabSz="1911350">
+            <a:lnSpc>
+              <a:spcPct val="90000"/>
+            </a:lnSpc>
+            <a:spcBef>
+              <a:spcPct val="0"/>
+            </a:spcBef>
+            <a:spcAft>
+              <a:spcPct val="35000"/>
+            </a:spcAft>
+            <a:buNone/>
+          </a:pPr>
+          <a:r>
+            <a:rPr lang="en-US" sz="4300" kern="1200"/>
+            <a:t>Convolutional Layer 1</a:t>
+          </a:r>
+        </a:p>
+      </dsp:txBody>
+      <dsp:txXfrm>
+        <a:off x="0" y="2720"/>
+        <a:ext cx="6269037" cy="927780"/>
+      </dsp:txXfrm>
+    </dsp:sp>
+    <dsp:sp modelId="{2FB24824-59C2-47D7-BD93-EE621AC29543}">
+      <dsp:nvSpPr>
+        <dsp:cNvPr id="0" name=""/>
+        <dsp:cNvSpPr/>
+      </dsp:nvSpPr>
+      <dsp:spPr>
+        <a:xfrm>
+          <a:off x="0" y="930501"/>
+          <a:ext cx="6269037" cy="0"/>
+        </a:xfrm>
+        <a:prstGeom prst="line">
+          <a:avLst/>
+        </a:prstGeom>
+        <a:solidFill>
+          <a:schemeClr val="accent1">
+            <a:shade val="80000"/>
+            <a:hueOff val="69857"/>
+            <a:satOff val="-1251"/>
+            <a:lumOff val="5317"/>
+            <a:alphaOff val="0"/>
+          </a:schemeClr>
+        </a:solidFill>
+        <a:ln w="12700" cap="flat" cmpd="sng" algn="ctr">
+          <a:solidFill>
+            <a:schemeClr val="accent1">
+              <a:shade val="80000"/>
+              <a:hueOff val="69857"/>
+              <a:satOff val="-1251"/>
+              <a:lumOff val="5317"/>
+              <a:alphaOff val="0"/>
+            </a:schemeClr>
+          </a:solidFill>
+          <a:prstDash val="solid"/>
+          <a:miter lim="800000"/>
+        </a:ln>
+        <a:effectLst/>
+      </dsp:spPr>
+      <dsp:style>
+        <a:lnRef idx="2">
+          <a:scrgbClr r="0" g="0" b="0"/>
+        </a:lnRef>
+        <a:fillRef idx="1">
+          <a:scrgbClr r="0" g="0" b="0"/>
+        </a:fillRef>
+        <a:effectRef idx="0">
+          <a:scrgbClr r="0" g="0" b="0"/>
+        </a:effectRef>
+        <a:fontRef idx="minor">
+          <a:schemeClr val="lt1"/>
+        </a:fontRef>
+      </dsp:style>
+    </dsp:sp>
+    <dsp:sp modelId="{42A37843-B5AF-4E33-92E8-15D7E91B9481}">
+      <dsp:nvSpPr>
+        <dsp:cNvPr id="0" name=""/>
+        <dsp:cNvSpPr/>
+      </dsp:nvSpPr>
+      <dsp:spPr>
+        <a:xfrm>
+          <a:off x="0" y="930501"/>
+          <a:ext cx="6269037" cy="927780"/>
+        </a:xfrm>
+        <a:prstGeom prst="rect">
+          <a:avLst/>
+        </a:prstGeom>
+        <a:noFill/>
+        <a:ln>
+          <a:noFill/>
+        </a:ln>
+        <a:effectLst/>
+      </dsp:spPr>
+      <dsp:style>
+        <a:lnRef idx="0">
+          <a:scrgbClr r="0" g="0" b="0"/>
+        </a:lnRef>
+        <a:fillRef idx="0">
+          <a:scrgbClr r="0" g="0" b="0"/>
+        </a:fillRef>
+        <a:effectRef idx="0">
+          <a:scrgbClr r="0" g="0" b="0"/>
+        </a:effectRef>
+        <a:fontRef idx="minor"/>
+      </dsp:style>
+      <dsp:txBody>
+        <a:bodyPr spcFirstLastPara="0" vert="horz" wrap="square" lIns="163830" tIns="163830" rIns="163830" bIns="163830" numCol="1" spcCol="1270" anchor="t" anchorCtr="0">
+          <a:noAutofit/>
+        </a:bodyPr>
+        <a:lstStyle/>
+        <a:p>
+          <a:pPr marL="0" lvl="0" indent="0" algn="l" defTabSz="1911350">
+            <a:lnSpc>
+              <a:spcPct val="90000"/>
+            </a:lnSpc>
+            <a:spcBef>
+              <a:spcPct val="0"/>
+            </a:spcBef>
+            <a:spcAft>
+              <a:spcPct val="35000"/>
+            </a:spcAft>
+            <a:buNone/>
+          </a:pPr>
+          <a:r>
+            <a:rPr lang="en-US" sz="4300" kern="1200"/>
+            <a:t>Pooling Layer 1</a:t>
+          </a:r>
+        </a:p>
+      </dsp:txBody>
+      <dsp:txXfrm>
+        <a:off x="0" y="930501"/>
+        <a:ext cx="6269037" cy="927780"/>
+      </dsp:txXfrm>
+    </dsp:sp>
+    <dsp:sp modelId="{5DDC443F-3609-4995-A0B5-81A86AE88A46}">
+      <dsp:nvSpPr>
+        <dsp:cNvPr id="0" name=""/>
+        <dsp:cNvSpPr/>
+      </dsp:nvSpPr>
+      <dsp:spPr>
+        <a:xfrm>
+          <a:off x="0" y="1858281"/>
+          <a:ext cx="6269037" cy="0"/>
+        </a:xfrm>
+        <a:prstGeom prst="line">
+          <a:avLst/>
+        </a:prstGeom>
+        <a:solidFill>
+          <a:schemeClr val="accent1">
+            <a:shade val="80000"/>
+            <a:hueOff val="139713"/>
+            <a:satOff val="-2502"/>
+            <a:lumOff val="10634"/>
+            <a:alphaOff val="0"/>
+          </a:schemeClr>
+        </a:solidFill>
+        <a:ln w="12700" cap="flat" cmpd="sng" algn="ctr">
+          <a:solidFill>
+            <a:schemeClr val="accent1">
+              <a:shade val="80000"/>
+              <a:hueOff val="139713"/>
+              <a:satOff val="-2502"/>
+              <a:lumOff val="10634"/>
+              <a:alphaOff val="0"/>
+            </a:schemeClr>
+          </a:solidFill>
+          <a:prstDash val="solid"/>
+          <a:miter lim="800000"/>
+        </a:ln>
+        <a:effectLst/>
+      </dsp:spPr>
+      <dsp:style>
+        <a:lnRef idx="2">
+          <a:scrgbClr r="0" g="0" b="0"/>
+        </a:lnRef>
+        <a:fillRef idx="1">
+          <a:scrgbClr r="0" g="0" b="0"/>
+        </a:fillRef>
+        <a:effectRef idx="0">
+          <a:scrgbClr r="0" g="0" b="0"/>
+        </a:effectRef>
+        <a:fontRef idx="minor">
+          <a:schemeClr val="lt1"/>
+        </a:fontRef>
+      </dsp:style>
+    </dsp:sp>
+    <dsp:sp modelId="{D6225780-F448-43DD-AA88-86B8B38A0E7A}">
+      <dsp:nvSpPr>
+        <dsp:cNvPr id="0" name=""/>
+        <dsp:cNvSpPr/>
+      </dsp:nvSpPr>
+      <dsp:spPr>
+        <a:xfrm>
+          <a:off x="0" y="1858281"/>
+          <a:ext cx="6269037" cy="927780"/>
+        </a:xfrm>
+        <a:prstGeom prst="rect">
+          <a:avLst/>
+        </a:prstGeom>
+        <a:noFill/>
+        <a:ln>
+          <a:noFill/>
+        </a:ln>
+        <a:effectLst/>
+      </dsp:spPr>
+      <dsp:style>
+        <a:lnRef idx="0">
+          <a:scrgbClr r="0" g="0" b="0"/>
+        </a:lnRef>
+        <a:fillRef idx="0">
+          <a:scrgbClr r="0" g="0" b="0"/>
+        </a:fillRef>
+        <a:effectRef idx="0">
+          <a:scrgbClr r="0" g="0" b="0"/>
+        </a:effectRef>
+        <a:fontRef idx="minor"/>
+      </dsp:style>
+      <dsp:txBody>
+        <a:bodyPr spcFirstLastPara="0" vert="horz" wrap="square" lIns="163830" tIns="163830" rIns="163830" bIns="163830" numCol="1" spcCol="1270" anchor="t" anchorCtr="0">
+          <a:noAutofit/>
+        </a:bodyPr>
+        <a:lstStyle/>
+        <a:p>
+          <a:pPr marL="0" lvl="0" indent="0" algn="l" defTabSz="1911350">
+            <a:lnSpc>
+              <a:spcPct val="90000"/>
+            </a:lnSpc>
+            <a:spcBef>
+              <a:spcPct val="0"/>
+            </a:spcBef>
+            <a:spcAft>
+              <a:spcPct val="35000"/>
+            </a:spcAft>
+            <a:buNone/>
+          </a:pPr>
+          <a:r>
+            <a:rPr lang="en-US" sz="4300" kern="1200"/>
+            <a:t>Convolutional Layer 2</a:t>
+          </a:r>
+        </a:p>
+      </dsp:txBody>
+      <dsp:txXfrm>
+        <a:off x="0" y="1858281"/>
+        <a:ext cx="6269037" cy="927780"/>
+      </dsp:txXfrm>
+    </dsp:sp>
+    <dsp:sp modelId="{7CBC4CA1-A3F8-444C-B32E-3821233CD712}">
+      <dsp:nvSpPr>
+        <dsp:cNvPr id="0" name=""/>
+        <dsp:cNvSpPr/>
+      </dsp:nvSpPr>
+      <dsp:spPr>
+        <a:xfrm>
+          <a:off x="0" y="2786062"/>
+          <a:ext cx="6269037" cy="0"/>
+        </a:xfrm>
+        <a:prstGeom prst="line">
+          <a:avLst/>
+        </a:prstGeom>
+        <a:solidFill>
+          <a:schemeClr val="accent1">
+            <a:shade val="80000"/>
+            <a:hueOff val="209570"/>
+            <a:satOff val="-3754"/>
+            <a:lumOff val="15951"/>
+            <a:alphaOff val="0"/>
+          </a:schemeClr>
+        </a:solidFill>
+        <a:ln w="12700" cap="flat" cmpd="sng" algn="ctr">
+          <a:solidFill>
+            <a:schemeClr val="accent1">
+              <a:shade val="80000"/>
+              <a:hueOff val="209570"/>
+              <a:satOff val="-3754"/>
+              <a:lumOff val="15951"/>
+              <a:alphaOff val="0"/>
+            </a:schemeClr>
+          </a:solidFill>
+          <a:prstDash val="solid"/>
+          <a:miter lim="800000"/>
+        </a:ln>
+        <a:effectLst/>
+      </dsp:spPr>
+      <dsp:style>
+        <a:lnRef idx="2">
+          <a:scrgbClr r="0" g="0" b="0"/>
+        </a:lnRef>
+        <a:fillRef idx="1">
+          <a:scrgbClr r="0" g="0" b="0"/>
+        </a:fillRef>
+        <a:effectRef idx="0">
+          <a:scrgbClr r="0" g="0" b="0"/>
+        </a:effectRef>
+        <a:fontRef idx="minor">
+          <a:schemeClr val="lt1"/>
+        </a:fontRef>
+      </dsp:style>
+    </dsp:sp>
+    <dsp:sp modelId="{5C2406F3-7445-4420-96A4-9ECE008A29EA}">
+      <dsp:nvSpPr>
+        <dsp:cNvPr id="0" name=""/>
+        <dsp:cNvSpPr/>
+      </dsp:nvSpPr>
+      <dsp:spPr>
+        <a:xfrm>
+          <a:off x="0" y="2786062"/>
+          <a:ext cx="6269037" cy="927780"/>
+        </a:xfrm>
+        <a:prstGeom prst="rect">
+          <a:avLst/>
+        </a:prstGeom>
+        <a:noFill/>
+        <a:ln>
+          <a:noFill/>
+        </a:ln>
+        <a:effectLst/>
+      </dsp:spPr>
+      <dsp:style>
+        <a:lnRef idx="0">
+          <a:scrgbClr r="0" g="0" b="0"/>
+        </a:lnRef>
+        <a:fillRef idx="0">
+          <a:scrgbClr r="0" g="0" b="0"/>
+        </a:fillRef>
+        <a:effectRef idx="0">
+          <a:scrgbClr r="0" g="0" b="0"/>
+        </a:effectRef>
+        <a:fontRef idx="minor"/>
+      </dsp:style>
+      <dsp:txBody>
+        <a:bodyPr spcFirstLastPara="0" vert="horz" wrap="square" lIns="163830" tIns="163830" rIns="163830" bIns="163830" numCol="1" spcCol="1270" anchor="t" anchorCtr="0">
+          <a:noAutofit/>
+        </a:bodyPr>
+        <a:lstStyle/>
+        <a:p>
+          <a:pPr marL="0" lvl="0" indent="0" algn="l" defTabSz="1911350">
+            <a:lnSpc>
+              <a:spcPct val="90000"/>
+            </a:lnSpc>
+            <a:spcBef>
+              <a:spcPct val="0"/>
+            </a:spcBef>
+            <a:spcAft>
+              <a:spcPct val="35000"/>
+            </a:spcAft>
+            <a:buNone/>
+          </a:pPr>
+          <a:r>
+            <a:rPr lang="en-US" sz="4300" kern="1200"/>
+            <a:t>Pooling Layer 2</a:t>
+          </a:r>
+        </a:p>
+      </dsp:txBody>
+      <dsp:txXfrm>
+        <a:off x="0" y="2786062"/>
+        <a:ext cx="6269037" cy="927780"/>
+      </dsp:txXfrm>
+    </dsp:sp>
+    <dsp:sp modelId="{DDFBB962-BAE8-42B9-8D30-CABB0CD66932}">
+      <dsp:nvSpPr>
+        <dsp:cNvPr id="0" name=""/>
+        <dsp:cNvSpPr/>
+      </dsp:nvSpPr>
+      <dsp:spPr>
+        <a:xfrm>
+          <a:off x="0" y="3713843"/>
+          <a:ext cx="6269037" cy="0"/>
+        </a:xfrm>
+        <a:prstGeom prst="line">
+          <a:avLst/>
+        </a:prstGeom>
+        <a:solidFill>
+          <a:schemeClr val="accent1">
+            <a:shade val="80000"/>
+            <a:hueOff val="279426"/>
+            <a:satOff val="-5005"/>
+            <a:lumOff val="21268"/>
+            <a:alphaOff val="0"/>
+          </a:schemeClr>
+        </a:solidFill>
+        <a:ln w="12700" cap="flat" cmpd="sng" algn="ctr">
+          <a:solidFill>
+            <a:schemeClr val="accent1">
+              <a:shade val="80000"/>
+              <a:hueOff val="279426"/>
+              <a:satOff val="-5005"/>
+              <a:lumOff val="21268"/>
+              <a:alphaOff val="0"/>
+            </a:schemeClr>
+          </a:solidFill>
+          <a:prstDash val="solid"/>
+          <a:miter lim="800000"/>
+        </a:ln>
+        <a:effectLst/>
+      </dsp:spPr>
+      <dsp:style>
+        <a:lnRef idx="2">
+          <a:scrgbClr r="0" g="0" b="0"/>
+        </a:lnRef>
+        <a:fillRef idx="1">
+          <a:scrgbClr r="0" g="0" b="0"/>
+        </a:fillRef>
+        <a:effectRef idx="0">
+          <a:scrgbClr r="0" g="0" b="0"/>
+        </a:effectRef>
+        <a:fontRef idx="minor">
+          <a:schemeClr val="lt1"/>
+        </a:fontRef>
+      </dsp:style>
+    </dsp:sp>
+    <dsp:sp modelId="{F28B447B-9C6B-477A-B391-51F7E95A9F0B}">
+      <dsp:nvSpPr>
+        <dsp:cNvPr id="0" name=""/>
+        <dsp:cNvSpPr/>
+      </dsp:nvSpPr>
+      <dsp:spPr>
+        <a:xfrm>
+          <a:off x="0" y="3713843"/>
+          <a:ext cx="6269037" cy="927780"/>
+        </a:xfrm>
+        <a:prstGeom prst="rect">
+          <a:avLst/>
+        </a:prstGeom>
+        <a:noFill/>
+        <a:ln>
+          <a:noFill/>
+        </a:ln>
+        <a:effectLst/>
+      </dsp:spPr>
+      <dsp:style>
+        <a:lnRef idx="0">
+          <a:scrgbClr r="0" g="0" b="0"/>
+        </a:lnRef>
+        <a:fillRef idx="0">
+          <a:scrgbClr r="0" g="0" b="0"/>
+        </a:fillRef>
+        <a:effectRef idx="0">
+          <a:scrgbClr r="0" g="0" b="0"/>
+        </a:effectRef>
+        <a:fontRef idx="minor"/>
+      </dsp:style>
+      <dsp:txBody>
+        <a:bodyPr spcFirstLastPara="0" vert="horz" wrap="square" lIns="163830" tIns="163830" rIns="163830" bIns="163830" numCol="1" spcCol="1270" anchor="t" anchorCtr="0">
+          <a:noAutofit/>
+        </a:bodyPr>
+        <a:lstStyle/>
+        <a:p>
+          <a:pPr marL="0" lvl="0" indent="0" algn="l" defTabSz="1911350">
+            <a:lnSpc>
+              <a:spcPct val="90000"/>
+            </a:lnSpc>
+            <a:spcBef>
+              <a:spcPct val="0"/>
+            </a:spcBef>
+            <a:spcAft>
+              <a:spcPct val="35000"/>
+            </a:spcAft>
+            <a:buNone/>
+          </a:pPr>
+          <a:r>
+            <a:rPr lang="en-US" sz="4300" kern="1200"/>
+            <a:t>Dense Layer 1</a:t>
+          </a:r>
+        </a:p>
+      </dsp:txBody>
+      <dsp:txXfrm>
+        <a:off x="0" y="3713843"/>
+        <a:ext cx="6269037" cy="927780"/>
+      </dsp:txXfrm>
+    </dsp:sp>
+    <dsp:sp modelId="{64FBAD50-DCB0-4474-B63B-CDE4757E3E28}">
+      <dsp:nvSpPr>
+        <dsp:cNvPr id="0" name=""/>
+        <dsp:cNvSpPr/>
+      </dsp:nvSpPr>
+      <dsp:spPr>
+        <a:xfrm>
+          <a:off x="0" y="4641623"/>
+          <a:ext cx="6269037" cy="0"/>
+        </a:xfrm>
+        <a:prstGeom prst="line">
+          <a:avLst/>
+        </a:prstGeom>
+        <a:solidFill>
+          <a:schemeClr val="accent1">
+            <a:shade val="80000"/>
+            <a:hueOff val="349283"/>
+            <a:satOff val="-6256"/>
+            <a:lumOff val="26585"/>
+            <a:alphaOff val="0"/>
+          </a:schemeClr>
+        </a:solidFill>
+        <a:ln w="12700" cap="flat" cmpd="sng" algn="ctr">
+          <a:solidFill>
+            <a:schemeClr val="accent1">
+              <a:shade val="80000"/>
+              <a:hueOff val="349283"/>
+              <a:satOff val="-6256"/>
+              <a:lumOff val="26585"/>
+              <a:alphaOff val="0"/>
+            </a:schemeClr>
+          </a:solidFill>
+          <a:prstDash val="solid"/>
+          <a:miter lim="800000"/>
+        </a:ln>
+        <a:effectLst/>
+      </dsp:spPr>
+      <dsp:style>
+        <a:lnRef idx="2">
+          <a:scrgbClr r="0" g="0" b="0"/>
+        </a:lnRef>
+        <a:fillRef idx="1">
+          <a:scrgbClr r="0" g="0" b="0"/>
+        </a:fillRef>
+        <a:effectRef idx="0">
+          <a:scrgbClr r="0" g="0" b="0"/>
+        </a:effectRef>
+        <a:fontRef idx="minor">
+          <a:schemeClr val="lt1"/>
+        </a:fontRef>
+      </dsp:style>
+    </dsp:sp>
+    <dsp:sp modelId="{8935A505-8A81-4146-82C3-C5661A92832C}">
+      <dsp:nvSpPr>
+        <dsp:cNvPr id="0" name=""/>
+        <dsp:cNvSpPr/>
+      </dsp:nvSpPr>
+      <dsp:spPr>
+        <a:xfrm>
+          <a:off x="0" y="4641623"/>
+          <a:ext cx="6269037" cy="927780"/>
+        </a:xfrm>
+        <a:prstGeom prst="rect">
+          <a:avLst/>
+        </a:prstGeom>
+        <a:noFill/>
+        <a:ln>
+          <a:noFill/>
+        </a:ln>
+        <a:effectLst/>
+      </dsp:spPr>
+      <dsp:style>
+        <a:lnRef idx="0">
+          <a:scrgbClr r="0" g="0" b="0"/>
+        </a:lnRef>
+        <a:fillRef idx="0">
+          <a:scrgbClr r="0" g="0" b="0"/>
+        </a:fillRef>
+        <a:effectRef idx="0">
+          <a:scrgbClr r="0" g="0" b="0"/>
+        </a:effectRef>
+        <a:fontRef idx="minor"/>
+      </dsp:style>
+      <dsp:txBody>
+        <a:bodyPr spcFirstLastPara="0" vert="horz" wrap="square" lIns="163830" tIns="163830" rIns="163830" bIns="163830" numCol="1" spcCol="1270" anchor="t" anchorCtr="0">
+          <a:noAutofit/>
+        </a:bodyPr>
+        <a:lstStyle/>
+        <a:p>
+          <a:pPr marL="0" lvl="0" indent="0" algn="l" defTabSz="1911350">
+            <a:lnSpc>
+              <a:spcPct val="90000"/>
+            </a:lnSpc>
+            <a:spcBef>
+              <a:spcPct val="0"/>
+            </a:spcBef>
+            <a:spcAft>
+              <a:spcPct val="35000"/>
+            </a:spcAft>
+            <a:buNone/>
+          </a:pPr>
+          <a:r>
+            <a:rPr lang="en-US" sz="4300" kern="1200"/>
+            <a:t>Dense Layer 2</a:t>
+          </a:r>
+        </a:p>
+      </dsp:txBody>
+      <dsp:txXfrm>
+        <a:off x="0" y="4641623"/>
+        <a:ext cx="6269037" cy="927780"/>
+      </dsp:txXfrm>
+    </dsp:sp>
+  </dsp:spTree>
+</dsp:drawing>
+</file>
+
 <file path=ppt/diagrams/layout1.xml><?xml version="1.0" encoding="utf-8"?>
 <dgm:layoutDef xmlns:dgm="http://schemas.openxmlformats.org/drawingml/2006/diagram" xmlns:a="http://schemas.openxmlformats.org/drawingml/2006/main" uniqueId="urn:microsoft.com/office/officeart/2016/7/layout/LinearBlockProcessNumbered">
   <dgm:title val="Linear Block Process Numbered"/>
@@ -2549,6 +5890,697 @@
 </dgm:layoutDef>
 </file>
 
+<file path=ppt/diagrams/layout2.xml><?xml version="1.0" encoding="utf-8"?>
+<dgm:layoutDef xmlns:dgm="http://schemas.openxmlformats.org/drawingml/2006/diagram" xmlns:a="http://schemas.openxmlformats.org/drawingml/2006/main" uniqueId="urn:microsoft.com/office/officeart/2005/8/layout/list1">
+  <dgm:title val=""/>
+  <dgm:desc val=""/>
+  <dgm:catLst>
+    <dgm:cat type="list" pri="4000"/>
+  </dgm:catLst>
+  <dgm:sampData>
+    <dgm:dataModel>
+      <dgm:ptLst>
+        <dgm:pt modelId="0" type="doc"/>
+        <dgm:pt modelId="1">
+          <dgm:prSet phldr="1"/>
+        </dgm:pt>
+        <dgm:pt modelId="2">
+          <dgm:prSet phldr="1"/>
+        </dgm:pt>
+        <dgm:pt modelId="3">
+          <dgm:prSet phldr="1"/>
+        </dgm:pt>
+      </dgm:ptLst>
+      <dgm:cxnLst>
+        <dgm:cxn modelId="4" srcId="0" destId="1" srcOrd="0" destOrd="0"/>
+        <dgm:cxn modelId="5" srcId="0" destId="2" srcOrd="1" destOrd="0"/>
+        <dgm:cxn modelId="6" srcId="0" destId="3" srcOrd="2" destOrd="0"/>
+      </dgm:cxnLst>
+      <dgm:bg/>
+      <dgm:whole/>
+    </dgm:dataModel>
+  </dgm:sampData>
+  <dgm:styleData>
+    <dgm:dataModel>
+      <dgm:ptLst>
+        <dgm:pt modelId="0" type="doc"/>
+        <dgm:pt modelId="1"/>
+        <dgm:pt modelId="2"/>
+      </dgm:ptLst>
+      <dgm:cxnLst>
+        <dgm:cxn modelId="4" srcId="0" destId="1" srcOrd="0" destOrd="0"/>
+        <dgm:cxn modelId="5" srcId="0" destId="2" srcOrd="1" destOrd="0"/>
+      </dgm:cxnLst>
+      <dgm:bg/>
+      <dgm:whole/>
+    </dgm:dataModel>
+  </dgm:styleData>
+  <dgm:clrData>
+    <dgm:dataModel>
+      <dgm:ptLst>
+        <dgm:pt modelId="0" type="doc"/>
+        <dgm:pt modelId="1"/>
+        <dgm:pt modelId="2"/>
+        <dgm:pt modelId="3"/>
+        <dgm:pt modelId="4"/>
+      </dgm:ptLst>
+      <dgm:cxnLst>
+        <dgm:cxn modelId="5" srcId="0" destId="1" srcOrd="0" destOrd="0"/>
+        <dgm:cxn modelId="6" srcId="0" destId="2" srcOrd="1" destOrd="0"/>
+        <dgm:cxn modelId="7" srcId="0" destId="3" srcOrd="2" destOrd="0"/>
+        <dgm:cxn modelId="8" srcId="0" destId="4" srcOrd="3" destOrd="0"/>
+      </dgm:cxnLst>
+      <dgm:bg/>
+      <dgm:whole/>
+    </dgm:dataModel>
+  </dgm:clrData>
+  <dgm:layoutNode name="linear">
+    <dgm:varLst>
+      <dgm:dir/>
+      <dgm:animLvl val="lvl"/>
+      <dgm:resizeHandles val="exact"/>
+    </dgm:varLst>
+    <dgm:choose name="Name0">
+      <dgm:if name="Name1" func="var" arg="dir" op="equ" val="norm">
+        <dgm:alg type="lin">
+          <dgm:param type="linDir" val="fromT"/>
+          <dgm:param type="vertAlign" val="mid"/>
+          <dgm:param type="horzAlign" val="l"/>
+          <dgm:param type="nodeHorzAlign" val="l"/>
+        </dgm:alg>
+      </dgm:if>
+      <dgm:else name="Name2">
+        <dgm:alg type="lin">
+          <dgm:param type="linDir" val="fromT"/>
+          <dgm:param type="vertAlign" val="mid"/>
+          <dgm:param type="horzAlign" val="r"/>
+          <dgm:param type="nodeHorzAlign" val="r"/>
+        </dgm:alg>
+      </dgm:else>
+    </dgm:choose>
+    <dgm:shape xmlns:r="http://schemas.openxmlformats.org/officeDocument/2006/relationships" r:blip="">
+      <dgm:adjLst/>
+    </dgm:shape>
+    <dgm:presOf/>
+    <dgm:constrLst>
+      <dgm:constr type="w" for="ch" forName="parentLin" refType="w"/>
+      <dgm:constr type="h" for="ch" forName="parentLin" val="INF"/>
+      <dgm:constr type="w" for="des" forName="parentLeftMargin" refType="w" fact="0.05"/>
+      <dgm:constr type="w" for="des" forName="parentText" refType="w" fact="0.7"/>
+      <dgm:constr type="h" for="des" forName="parentText" refType="primFontSz" refFor="des" refForName="parentText" fact="0.82"/>
+      <dgm:constr type="h" for="ch" forName="negativeSpace" refType="primFontSz" refFor="des" refForName="parentText" fact="-0.41"/>
+      <dgm:constr type="h" for="ch" forName="negativeSpace" refType="h" refFor="des" refForName="parentText" op="lte" fact="-0.82"/>
+      <dgm:constr type="h" for="ch" forName="negativeSpace" refType="h" refFor="des" refForName="parentText" op="gte" fact="-0.82"/>
+      <dgm:constr type="w" for="ch" forName="childText" refType="w"/>
+      <dgm:constr type="h" for="ch" forName="childText" refType="primFontSz" refFor="des" refForName="parentText" fact="0.7"/>
+      <dgm:constr type="primFontSz" for="des" forName="parentText" val="65"/>
+      <dgm:constr type="primFontSz" for="ch" forName="childText" refType="primFontSz" refFor="des" refForName="parentText"/>
+      <dgm:constr type="tMarg" for="ch" forName="childText" refType="primFontSz" refFor="des" refForName="parentText" fact="1.64"/>
+      <dgm:constr type="tMarg" for="ch" forName="childText" refType="h" refFor="des" refForName="parentText" op="lte" fact="3.28"/>
+      <dgm:constr type="tMarg" for="ch" forName="childText" refType="h" refFor="des" refForName="parentText" op="gte" fact="3.28"/>
+      <dgm:constr type="lMarg" for="ch" forName="childText" refType="w" fact="0.22"/>
+      <dgm:constr type="rMarg" for="ch" forName="childText" refType="lMarg" refFor="ch" refForName="childText"/>
+      <dgm:constr type="lMarg" for="des" forName="parentText" refType="w" fact="0.075"/>
+      <dgm:constr type="rMarg" for="des" forName="parentText" refType="lMarg" refFor="des" refForName="parentText"/>
+      <dgm:constr type="h" for="ch" forName="spaceBetweenRectangles" refType="primFontSz" refFor="des" refForName="parentText" fact="0.15"/>
+    </dgm:constrLst>
+    <dgm:ruleLst>
+      <dgm:rule type="primFontSz" for="des" forName="parentText" val="5" fact="NaN" max="NaN"/>
+    </dgm:ruleLst>
+    <dgm:forEach name="Name3" axis="ch" ptType="node">
+      <dgm:layoutNode name="parentLin">
+        <dgm:choose name="Name4">
+          <dgm:if name="Name5" func="var" arg="dir" op="equ" val="norm">
+            <dgm:alg type="lin">
+              <dgm:param type="linDir" val="fromL"/>
+              <dgm:param type="horzAlign" val="l"/>
+              <dgm:param type="nodeHorzAlign" val="l"/>
+            </dgm:alg>
+          </dgm:if>
+          <dgm:else name="Name6">
+            <dgm:alg type="lin">
+              <dgm:param type="linDir" val="fromR"/>
+              <dgm:param type="horzAlign" val="r"/>
+              <dgm:param type="nodeHorzAlign" val="r"/>
+            </dgm:alg>
+          </dgm:else>
+        </dgm:choose>
+        <dgm:shape xmlns:r="http://schemas.openxmlformats.org/officeDocument/2006/relationships" r:blip="">
+          <dgm:adjLst/>
+        </dgm:shape>
+        <dgm:presOf/>
+        <dgm:constrLst/>
+        <dgm:ruleLst/>
+        <dgm:layoutNode name="parentLeftMargin">
+          <dgm:alg type="sp"/>
+          <dgm:shape xmlns:r="http://schemas.openxmlformats.org/officeDocument/2006/relationships" type="rect" r:blip="" hideGeom="1">
+            <dgm:adjLst/>
+          </dgm:shape>
+          <dgm:presOf axis="self"/>
+          <dgm:constrLst>
+            <dgm:constr type="h"/>
+          </dgm:constrLst>
+          <dgm:ruleLst/>
+        </dgm:layoutNode>
+        <dgm:layoutNode name="parentText" styleLbl="node1">
+          <dgm:varLst>
+            <dgm:chMax val="0"/>
+            <dgm:bulletEnabled val="1"/>
+          </dgm:varLst>
+          <dgm:choose name="Name7">
+            <dgm:if name="Name8" func="var" arg="dir" op="equ" val="norm">
+              <dgm:alg type="tx">
+                <dgm:param type="parTxLTRAlign" val="l"/>
+                <dgm:param type="parTxRTLAlign" val="l"/>
+              </dgm:alg>
+            </dgm:if>
+            <dgm:else name="Name9">
+              <dgm:alg type="tx">
+                <dgm:param type="parTxLTRAlign" val="r"/>
+                <dgm:param type="parTxRTLAlign" val="r"/>
+              </dgm:alg>
+            </dgm:else>
+          </dgm:choose>
+          <dgm:shape xmlns:r="http://schemas.openxmlformats.org/officeDocument/2006/relationships" type="roundRect" r:blip="">
+            <dgm:adjLst/>
+          </dgm:shape>
+          <dgm:presOf axis="self" ptType="node"/>
+          <dgm:constrLst>
+            <dgm:constr type="tMarg"/>
+            <dgm:constr type="bMarg"/>
+          </dgm:constrLst>
+          <dgm:ruleLst/>
+        </dgm:layoutNode>
+      </dgm:layoutNode>
+      <dgm:layoutNode name="negativeSpace">
+        <dgm:alg type="sp"/>
+        <dgm:shape xmlns:r="http://schemas.openxmlformats.org/officeDocument/2006/relationships" r:blip="">
+          <dgm:adjLst/>
+        </dgm:shape>
+        <dgm:presOf/>
+        <dgm:constrLst/>
+        <dgm:ruleLst/>
+      </dgm:layoutNode>
+      <dgm:layoutNode name="childText" styleLbl="conFgAcc1">
+        <dgm:varLst>
+          <dgm:bulletEnabled val="1"/>
+        </dgm:varLst>
+        <dgm:alg type="tx">
+          <dgm:param type="stBulletLvl" val="1"/>
+        </dgm:alg>
+        <dgm:shape xmlns:r="http://schemas.openxmlformats.org/officeDocument/2006/relationships" type="rect" r:blip="" zOrderOff="-2">
+          <dgm:adjLst/>
+        </dgm:shape>
+        <dgm:presOf axis="des" ptType="node"/>
+        <dgm:constrLst>
+          <dgm:constr type="secFontSz" refType="primFontSz"/>
+        </dgm:constrLst>
+        <dgm:ruleLst>
+          <dgm:rule type="h" val="INF" fact="NaN" max="NaN"/>
+        </dgm:ruleLst>
+      </dgm:layoutNode>
+      <dgm:forEach name="Name10" axis="followSib" ptType="sibTrans" cnt="1">
+        <dgm:layoutNode name="spaceBetweenRectangles">
+          <dgm:alg type="sp"/>
+          <dgm:shape xmlns:r="http://schemas.openxmlformats.org/officeDocument/2006/relationships" r:blip="">
+            <dgm:adjLst/>
+          </dgm:shape>
+          <dgm:presOf/>
+          <dgm:constrLst/>
+          <dgm:ruleLst/>
+        </dgm:layoutNode>
+      </dgm:forEach>
+    </dgm:forEach>
+  </dgm:layoutNode>
+</dgm:layoutDef>
+</file>
+
+<file path=ppt/diagrams/layout3.xml><?xml version="1.0" encoding="utf-8"?>
+<dgm:layoutDef xmlns:dgm="http://schemas.openxmlformats.org/drawingml/2006/diagram" xmlns:a="http://schemas.openxmlformats.org/drawingml/2006/main" uniqueId="urn:microsoft.com/office/officeart/2008/layout/LinedList">
+  <dgm:title val=""/>
+  <dgm:desc val=""/>
+  <dgm:catLst>
+    <dgm:cat type="hierarchy" pri="8000"/>
+    <dgm:cat type="list" pri="2500"/>
+  </dgm:catLst>
+  <dgm:sampData>
+    <dgm:dataModel>
+      <dgm:ptLst>
+        <dgm:pt modelId="0" type="doc"/>
+        <dgm:pt modelId="1">
+          <dgm:prSet phldr="1"/>
+        </dgm:pt>
+        <dgm:pt modelId="11">
+          <dgm:prSet phldr="1"/>
+        </dgm:pt>
+        <dgm:pt modelId="12">
+          <dgm:prSet phldr="1"/>
+        </dgm:pt>
+        <dgm:pt modelId="13">
+          <dgm:prSet phldr="1"/>
+        </dgm:pt>
+      </dgm:ptLst>
+      <dgm:cxnLst>
+        <dgm:cxn modelId="2" srcId="0" destId="1" srcOrd="0" destOrd="0"/>
+        <dgm:cxn modelId="3" srcId="1" destId="11" srcOrd="0" destOrd="0"/>
+        <dgm:cxn modelId="4" srcId="1" destId="12" srcOrd="1" destOrd="0"/>
+        <dgm:cxn modelId="5" srcId="1" destId="13" srcOrd="2" destOrd="0"/>
+      </dgm:cxnLst>
+      <dgm:bg/>
+      <dgm:whole/>
+    </dgm:dataModel>
+  </dgm:sampData>
+  <dgm:styleData>
+    <dgm:dataModel>
+      <dgm:ptLst>
+        <dgm:pt modelId="0" type="doc"/>
+        <dgm:pt modelId="1">
+          <dgm:prSet phldr="1"/>
+        </dgm:pt>
+        <dgm:pt modelId="11">
+          <dgm:prSet phldr="1"/>
+        </dgm:pt>
+        <dgm:pt modelId="12">
+          <dgm:prSet phldr="1"/>
+        </dgm:pt>
+      </dgm:ptLst>
+      <dgm:cxnLst>
+        <dgm:cxn modelId="2" srcId="0" destId="1" srcOrd="0" destOrd="0"/>
+        <dgm:cxn modelId="3" srcId="1" destId="11" srcOrd="0" destOrd="0"/>
+        <dgm:cxn modelId="4" srcId="1" destId="12" srcOrd="1" destOrd="0"/>
+      </dgm:cxnLst>
+      <dgm:bg/>
+      <dgm:whole/>
+    </dgm:dataModel>
+  </dgm:styleData>
+  <dgm:clrData>
+    <dgm:dataModel>
+      <dgm:ptLst>
+        <dgm:pt modelId="0" type="doc"/>
+        <dgm:pt modelId="1">
+          <dgm:prSet phldr="1"/>
+        </dgm:pt>
+        <dgm:pt modelId="11">
+          <dgm:prSet phldr="1"/>
+        </dgm:pt>
+        <dgm:pt modelId="12">
+          <dgm:prSet phldr="1"/>
+        </dgm:pt>
+      </dgm:ptLst>
+      <dgm:cxnLst>
+        <dgm:cxn modelId="2" srcId="0" destId="1" srcOrd="0" destOrd="0"/>
+        <dgm:cxn modelId="3" srcId="1" destId="11" srcOrd="0" destOrd="0"/>
+        <dgm:cxn modelId="4" srcId="1" destId="12" srcOrd="1" destOrd="0"/>
+      </dgm:cxnLst>
+      <dgm:bg/>
+      <dgm:whole/>
+    </dgm:dataModel>
+  </dgm:clrData>
+  <dgm:layoutNode name="vert0">
+    <dgm:varLst>
+      <dgm:dir/>
+      <dgm:animOne val="branch"/>
+      <dgm:animLvl val="lvl"/>
+    </dgm:varLst>
+    <dgm:choose name="Name0">
+      <dgm:if name="Name1" func="var" arg="dir" op="equ" val="norm">
+        <dgm:alg type="lin">
+          <dgm:param type="linDir" val="fromT"/>
+          <dgm:param type="nodeHorzAlign" val="l"/>
+        </dgm:alg>
+      </dgm:if>
+      <dgm:else name="Name2">
+        <dgm:alg type="lin">
+          <dgm:param type="linDir" val="fromT"/>
+          <dgm:param type="nodeHorzAlign" val="r"/>
+        </dgm:alg>
+      </dgm:else>
+    </dgm:choose>
+    <dgm:shape xmlns:r="http://schemas.openxmlformats.org/officeDocument/2006/relationships" r:blip="">
+      <dgm:adjLst/>
+    </dgm:shape>
+    <dgm:presOf/>
+    <dgm:constrLst>
+      <dgm:constr type="w" for="ch" forName="horz1" refType="w"/>
+      <dgm:constr type="h" for="ch" forName="horz1" refType="h"/>
+      <dgm:constr type="h" for="des" forName="vert1" refType="h"/>
+      <dgm:constr type="h" for="des" forName="tx1" refType="h"/>
+      <dgm:constr type="h" for="des" forName="horz2" refType="h"/>
+      <dgm:constr type="h" for="des" forName="vert2" refType="h"/>
+      <dgm:constr type="h" for="des" forName="horz3" refType="h"/>
+      <dgm:constr type="h" for="des" forName="vert3" refType="h"/>
+      <dgm:constr type="h" for="des" forName="horz4" refType="h"/>
+      <dgm:constr type="h" for="des" ptType="node" refType="h"/>
+      <dgm:constr type="primFontSz" for="des" forName="tx1" op="equ" val="65"/>
+      <dgm:constr type="primFontSz" for="des" forName="tx2" op="equ" val="65"/>
+      <dgm:constr type="primFontSz" for="des" forName="tx3" op="equ" val="65"/>
+      <dgm:constr type="primFontSz" for="des" forName="tx4" op="equ" val="65"/>
+      <dgm:constr type="w" for="des" forName="thickLine" refType="w"/>
+      <dgm:constr type="h" for="des" forName="thickLine"/>
+      <dgm:constr type="h" for="des" forName="thinLine1"/>
+      <dgm:constr type="h" for="des" forName="thinLine2b"/>
+      <dgm:constr type="h" for="des" forName="thinLine3"/>
+      <dgm:constr type="h" for="des" forName="vertSpace2a" refType="h" fact="0.05"/>
+      <dgm:constr type="h" for="des" forName="vertSpace2b" refType="h" refFor="des" refForName="vertSpace2a"/>
+    </dgm:constrLst>
+    <dgm:forEach name="Name3" axis="ch" ptType="node">
+      <dgm:layoutNode name="thickLine" styleLbl="alignNode1">
+        <dgm:alg type="sp"/>
+        <dgm:shape xmlns:r="http://schemas.openxmlformats.org/officeDocument/2006/relationships" type="line" r:blip="">
+          <dgm:adjLst/>
+        </dgm:shape>
+        <dgm:presOf/>
+      </dgm:layoutNode>
+      <dgm:layoutNode name="horz1">
+        <dgm:choose name="Name4">
+          <dgm:if name="Name5" func="var" arg="dir" op="equ" val="norm">
+            <dgm:alg type="lin">
+              <dgm:param type="linDir" val="fromL"/>
+              <dgm:param type="nodeVertAlign" val="t"/>
+            </dgm:alg>
+          </dgm:if>
+          <dgm:else name="Name6">
+            <dgm:alg type="lin">
+              <dgm:param type="linDir" val="fromR"/>
+              <dgm:param type="nodeVertAlign" val="t"/>
+            </dgm:alg>
+          </dgm:else>
+        </dgm:choose>
+        <dgm:shape xmlns:r="http://schemas.openxmlformats.org/officeDocument/2006/relationships" r:blip="">
+          <dgm:adjLst/>
+        </dgm:shape>
+        <dgm:presOf/>
+        <dgm:choose name="Name7">
+          <dgm:if name="Name8" axis="root des" func="maxDepth" op="equ" val="1">
+            <dgm:constrLst>
+              <dgm:constr type="w" for="ch" forName="tx1" refType="w"/>
+            </dgm:constrLst>
+          </dgm:if>
+          <dgm:if name="Name9" axis="root des" func="maxDepth" op="equ" val="2">
+            <dgm:constrLst>
+              <dgm:constr type="w" for="ch" forName="tx1" refType="w" fact="0.2"/>
+              <dgm:constr type="w" for="des" forName="tx2" refType="w" fact="0.785"/>
+              <dgm:constr type="w" for="des" forName="horzSpace2" refType="w" fact="0.015"/>
+              <dgm:constr type="w" for="des" forName="thinLine2b" refType="w" fact="0.8"/>
+            </dgm:constrLst>
+          </dgm:if>
+          <dgm:if name="Name10" axis="root des" func="maxDepth" op="equ" val="3">
+            <dgm:constrLst>
+              <dgm:constr type="w" for="ch" forName="tx1" refType="w" fact="0.2"/>
+              <dgm:constr type="w" for="des" forName="tx2" refType="w" fact="0.385"/>
+              <dgm:constr type="w" for="des" forName="tx3" refType="w" fact="0.385"/>
+              <dgm:constr type="w" for="des" forName="horzSpace2" refType="w" fact="0.015"/>
+              <dgm:constr type="w" for="des" forName="horzSpace3" refType="w" fact="0.015"/>
+              <dgm:constr type="w" for="des" forName="thinLine2b" refType="w" fact="0.8"/>
+              <dgm:constr type="w" for="des" forName="thinLine3" refType="w" fact="0.385"/>
+            </dgm:constrLst>
+          </dgm:if>
+          <dgm:if name="Name11" axis="root des" func="maxDepth" op="gte" val="4">
+            <dgm:constrLst>
+              <dgm:constr type="w" for="ch" forName="tx1" refType="w" fact="0.2"/>
+              <dgm:constr type="w" for="des" forName="tx2" refType="w" fact="0.2516"/>
+              <dgm:constr type="w" for="des" forName="tx3" refType="w" fact="0.2516"/>
+              <dgm:constr type="w" for="des" forName="tx4" refType="w" fact="0.2516"/>
+              <dgm:constr type="w" for="des" forName="horzSpace2" refType="w" fact="0.015"/>
+              <dgm:constr type="w" for="des" forName="horzSpace3" refType="w" fact="0.015"/>
+              <dgm:constr type="w" for="des" forName="horzSpace4" refType="w" fact="0.015"/>
+              <dgm:constr type="w" for="des" forName="thinLine2b" refType="w" fact="0.8"/>
+              <dgm:constr type="w" for="des" forName="thinLine3" refType="w" fact="0.5332"/>
+            </dgm:constrLst>
+          </dgm:if>
+          <dgm:else name="Name12"/>
+        </dgm:choose>
+        <dgm:layoutNode name="tx1" styleLbl="revTx">
+          <dgm:alg type="tx">
+            <dgm:param type="parTxLTRAlign" val="l"/>
+            <dgm:param type="parTxRTLAlign" val="r"/>
+            <dgm:param type="txAnchorVert" val="t"/>
+          </dgm:alg>
+          <dgm:shape xmlns:r="http://schemas.openxmlformats.org/officeDocument/2006/relationships" type="rect" r:blip="">
+            <dgm:adjLst/>
+          </dgm:shape>
+          <dgm:presOf axis="self"/>
+          <dgm:constrLst>
+            <dgm:constr type="tMarg" refType="primFontSz" fact="0.3"/>
+            <dgm:constr type="bMarg" refType="primFontSz" fact="0.3"/>
+            <dgm:constr type="lMarg" refType="primFontSz" fact="0.3"/>
+            <dgm:constr type="rMarg" refType="primFontSz" fact="0.3"/>
+          </dgm:constrLst>
+          <dgm:ruleLst>
+            <dgm:rule type="primFontSz" val="5" fact="NaN" max="NaN"/>
+          </dgm:ruleLst>
+        </dgm:layoutNode>
+        <dgm:layoutNode name="vert1">
+          <dgm:choose name="Name13">
+            <dgm:if name="Name14" func="var" arg="dir" op="equ" val="norm">
+              <dgm:alg type="lin">
+                <dgm:param type="linDir" val="fromT"/>
+                <dgm:param type="nodeHorzAlign" val="l"/>
+              </dgm:alg>
+            </dgm:if>
+            <dgm:else name="Name15">
+              <dgm:alg type="lin">
+                <dgm:param type="linDir" val="fromT"/>
+                <dgm:param type="nodeHorzAlign" val="r"/>
+              </dgm:alg>
+            </dgm:else>
+          </dgm:choose>
+          <dgm:shape xmlns:r="http://schemas.openxmlformats.org/officeDocument/2006/relationships" r:blip="">
+            <dgm:adjLst/>
+          </dgm:shape>
+          <dgm:presOf/>
+          <dgm:forEach name="Name16" axis="ch" ptType="node">
+            <dgm:choose name="Name17">
+              <dgm:if name="Name18" axis="self" ptType="node" func="pos" op="equ" val="1">
+                <dgm:layoutNode name="vertSpace2a">
+                  <dgm:alg type="sp"/>
+                  <dgm:shape xmlns:r="http://schemas.openxmlformats.org/officeDocument/2006/relationships" r:blip="">
+                    <dgm:adjLst/>
+                  </dgm:shape>
+                  <dgm:presOf/>
+                </dgm:layoutNode>
+              </dgm:if>
+              <dgm:else name="Name19"/>
+            </dgm:choose>
+            <dgm:layoutNode name="horz2">
+              <dgm:choose name="Name20">
+                <dgm:if name="Name21" func="var" arg="dir" op="equ" val="norm">
+                  <dgm:alg type="lin">
+                    <dgm:param type="linDir" val="fromL"/>
+                    <dgm:param type="nodeVertAlign" val="t"/>
+                  </dgm:alg>
+                </dgm:if>
+                <dgm:else name="Name22">
+                  <dgm:alg type="lin">
+                    <dgm:param type="linDir" val="fromR"/>
+                    <dgm:param type="nodeVertAlign" val="t"/>
+                  </dgm:alg>
+                </dgm:else>
+              </dgm:choose>
+              <dgm:shape xmlns:r="http://schemas.openxmlformats.org/officeDocument/2006/relationships" r:blip="">
+                <dgm:adjLst/>
+              </dgm:shape>
+              <dgm:presOf/>
+              <dgm:layoutNode name="horzSpace2">
+                <dgm:alg type="sp"/>
+                <dgm:shape xmlns:r="http://schemas.openxmlformats.org/officeDocument/2006/relationships" r:blip="">
+                  <dgm:adjLst/>
+                </dgm:shape>
+                <dgm:presOf/>
+              </dgm:layoutNode>
+              <dgm:layoutNode name="tx2" styleLbl="revTx">
+                <dgm:alg type="tx">
+                  <dgm:param type="parTxLTRAlign" val="l"/>
+                  <dgm:param type="parTxRTLAlign" val="r"/>
+                  <dgm:param type="txAnchorVert" val="t"/>
+                </dgm:alg>
+                <dgm:shape xmlns:r="http://schemas.openxmlformats.org/officeDocument/2006/relationships" type="rect" r:blip="">
+                  <dgm:adjLst/>
+                </dgm:shape>
+                <dgm:presOf axis="self"/>
+                <dgm:constrLst>
+                  <dgm:constr type="tMarg" refType="primFontSz" fact="0.3"/>
+                  <dgm:constr type="bMarg" refType="primFontSz" fact="0.3"/>
+                  <dgm:constr type="lMarg" refType="primFontSz" fact="0.3"/>
+                  <dgm:constr type="rMarg" refType="primFontSz" fact="0.3"/>
+                </dgm:constrLst>
+                <dgm:ruleLst>
+                  <dgm:rule type="primFontSz" val="5" fact="NaN" max="NaN"/>
+                </dgm:ruleLst>
+              </dgm:layoutNode>
+              <dgm:layoutNode name="vert2">
+                <dgm:choose name="Name23">
+                  <dgm:if name="Name24" func="var" arg="dir" op="equ" val="norm">
+                    <dgm:alg type="lin">
+                      <dgm:param type="linDir" val="fromT"/>
+                      <dgm:param type="nodeHorzAlign" val="l"/>
+                    </dgm:alg>
+                  </dgm:if>
+                  <dgm:else name="Name25">
+                    <dgm:alg type="lin">
+                      <dgm:param type="linDir" val="fromT"/>
+                      <dgm:param type="nodeHorzAlign" val="r"/>
+                    </dgm:alg>
+                  </dgm:else>
+                </dgm:choose>
+                <dgm:shape xmlns:r="http://schemas.openxmlformats.org/officeDocument/2006/relationships" r:blip="">
+                  <dgm:adjLst/>
+                </dgm:shape>
+                <dgm:presOf/>
+                <dgm:forEach name="Name26" axis="ch" ptType="node">
+                  <dgm:layoutNode name="horz3">
+                    <dgm:choose name="Name27">
+                      <dgm:if name="Name28" func="var" arg="dir" op="equ" val="norm">
+                        <dgm:alg type="lin">
+                          <dgm:param type="linDir" val="fromL"/>
+                          <dgm:param type="nodeVertAlign" val="t"/>
+                        </dgm:alg>
+                      </dgm:if>
+                      <dgm:else name="Name29">
+                        <dgm:alg type="lin">
+                          <dgm:param type="linDir" val="fromR"/>
+                          <dgm:param type="nodeVertAlign" val="t"/>
+                        </dgm:alg>
+                      </dgm:else>
+                    </dgm:choose>
+                    <dgm:shape xmlns:r="http://schemas.openxmlformats.org/officeDocument/2006/relationships" r:blip="">
+                      <dgm:adjLst/>
+                    </dgm:shape>
+                    <dgm:presOf/>
+                    <dgm:layoutNode name="horzSpace3">
+                      <dgm:alg type="sp"/>
+                      <dgm:shape xmlns:r="http://schemas.openxmlformats.org/officeDocument/2006/relationships" r:blip="">
+                        <dgm:adjLst/>
+                      </dgm:shape>
+                      <dgm:presOf/>
+                    </dgm:layoutNode>
+                    <dgm:layoutNode name="tx3" styleLbl="revTx">
+                      <dgm:alg type="tx">
+                        <dgm:param type="parTxLTRAlign" val="l"/>
+                        <dgm:param type="parTxRTLAlign" val="r"/>
+                        <dgm:param type="txAnchorVert" val="t"/>
+                      </dgm:alg>
+                      <dgm:shape xmlns:r="http://schemas.openxmlformats.org/officeDocument/2006/relationships" type="rect" r:blip="">
+                        <dgm:adjLst/>
+                      </dgm:shape>
+                      <dgm:presOf axis="self"/>
+                      <dgm:constrLst>
+                        <dgm:constr type="tMarg" refType="primFontSz" fact="0.3"/>
+                        <dgm:constr type="bMarg" refType="primFontSz" fact="0.3"/>
+                        <dgm:constr type="lMarg" refType="primFontSz" fact="0.3"/>
+                        <dgm:constr type="rMarg" refType="primFontSz" fact="0.3"/>
+                      </dgm:constrLst>
+                      <dgm:ruleLst>
+                        <dgm:rule type="primFontSz" val="5" fact="NaN" max="NaN"/>
+                      </dgm:ruleLst>
+                    </dgm:layoutNode>
+                    <dgm:layoutNode name="vert3">
+                      <dgm:choose name="Name30">
+                        <dgm:if name="Name31" func="var" arg="dir" op="equ" val="norm">
+                          <dgm:alg type="lin">
+                            <dgm:param type="linDir" val="fromT"/>
+                            <dgm:param type="nodeHorzAlign" val="l"/>
+                          </dgm:alg>
+                        </dgm:if>
+                        <dgm:else name="Name32">
+                          <dgm:alg type="lin">
+                            <dgm:param type="linDir" val="fromT"/>
+                            <dgm:param type="nodeHorzAlign" val="r"/>
+                          </dgm:alg>
+                        </dgm:else>
+                      </dgm:choose>
+                      <dgm:shape xmlns:r="http://schemas.openxmlformats.org/officeDocument/2006/relationships" r:blip="">
+                        <dgm:adjLst/>
+                      </dgm:shape>
+                      <dgm:presOf/>
+                      <dgm:forEach name="Name33" axis="ch" ptType="node">
+                        <dgm:layoutNode name="horz4">
+                          <dgm:choose name="Name34">
+                            <dgm:if name="Name35" func="var" arg="dir" op="equ" val="norm">
+                              <dgm:alg type="lin">
+                                <dgm:param type="linDir" val="fromL"/>
+                                <dgm:param type="nodeVertAlign" val="t"/>
+                              </dgm:alg>
+                            </dgm:if>
+                            <dgm:else name="Name36">
+                              <dgm:alg type="lin">
+                                <dgm:param type="linDir" val="fromR"/>
+                                <dgm:param type="nodeVertAlign" val="t"/>
+                              </dgm:alg>
+                            </dgm:else>
+                          </dgm:choose>
+                          <dgm:shape xmlns:r="http://schemas.openxmlformats.org/officeDocument/2006/relationships" r:blip="">
+                            <dgm:adjLst/>
+                          </dgm:shape>
+                          <dgm:presOf/>
+                          <dgm:layoutNode name="horzSpace4">
+                            <dgm:alg type="sp"/>
+                            <dgm:shape xmlns:r="http://schemas.openxmlformats.org/officeDocument/2006/relationships" r:blip="">
+                              <dgm:adjLst/>
+                            </dgm:shape>
+                            <dgm:presOf/>
+                          </dgm:layoutNode>
+                          <dgm:layoutNode name="tx4" styleLbl="revTx">
+                            <dgm:varLst>
+                              <dgm:bulletEnabled val="1"/>
+                            </dgm:varLst>
+                            <dgm:alg type="tx">
+                              <dgm:param type="parTxLTRAlign" val="l"/>
+                              <dgm:param type="parTxRTLAlign" val="r"/>
+                              <dgm:param type="txAnchorVert" val="t"/>
+                            </dgm:alg>
+                            <dgm:shape xmlns:r="http://schemas.openxmlformats.org/officeDocument/2006/relationships" type="rect" r:blip="">
+                              <dgm:adjLst/>
+                            </dgm:shape>
+                            <dgm:presOf axis="desOrSelf" ptType="node"/>
+                            <dgm:constrLst>
+                              <dgm:constr type="tMarg" refType="primFontSz" fact="0.3"/>
+                              <dgm:constr type="bMarg" refType="primFontSz" fact="0.3"/>
+                              <dgm:constr type="lMarg" refType="primFontSz" fact="0.3"/>
+                              <dgm:constr type="rMarg" refType="primFontSz" fact="0.3"/>
+                            </dgm:constrLst>
+                            <dgm:ruleLst>
+                              <dgm:rule type="primFontSz" val="5" fact="NaN" max="NaN"/>
+                            </dgm:ruleLst>
+                          </dgm:layoutNode>
+                        </dgm:layoutNode>
+                      </dgm:forEach>
+                    </dgm:layoutNode>
+                  </dgm:layoutNode>
+                  <dgm:forEach name="Name37" axis="followSib" ptType="sibTrans" cnt="1">
+                    <dgm:layoutNode name="thinLine3" styleLbl="callout">
+                      <dgm:alg type="sp"/>
+                      <dgm:shape xmlns:r="http://schemas.openxmlformats.org/officeDocument/2006/relationships" type="line" r:blip="">
+                        <dgm:adjLst/>
+                      </dgm:shape>
+                      <dgm:presOf/>
+                    </dgm:layoutNode>
+                  </dgm:forEach>
+                </dgm:forEach>
+              </dgm:layoutNode>
+            </dgm:layoutNode>
+            <dgm:layoutNode name="thinLine2b" styleLbl="callout">
+              <dgm:alg type="sp"/>
+              <dgm:shape xmlns:r="http://schemas.openxmlformats.org/officeDocument/2006/relationships" type="line" r:blip="">
+                <dgm:adjLst/>
+              </dgm:shape>
+              <dgm:presOf/>
+            </dgm:layoutNode>
+            <dgm:layoutNode name="vertSpace2b">
+              <dgm:alg type="sp"/>
+              <dgm:shape xmlns:r="http://schemas.openxmlformats.org/officeDocument/2006/relationships" r:blip="">
+                <dgm:adjLst/>
+              </dgm:shape>
+              <dgm:presOf/>
+            </dgm:layoutNode>
+          </dgm:forEach>
+        </dgm:layoutNode>
+      </dgm:layoutNode>
+    </dgm:forEach>
+  </dgm:layoutNode>
+</dgm:layoutDef>
+</file>
+
 <file path=ppt/diagrams/quickStyle1.xml><?xml version="1.0" encoding="utf-8"?>
 <dgm:styleDef xmlns:dgm="http://schemas.openxmlformats.org/drawingml/2006/diagram" xmlns:a="http://schemas.openxmlformats.org/drawingml/2006/main" uniqueId="urn:microsoft.com/office/officeart/2005/8/quickstyle/simple5">
   <dgm:title val=""/>
@@ -3555,6 +7587,2074 @@
         <a:scrgbClr r="0" g="0" b="0"/>
       </a:fillRef>
       <a:effectRef idx="3">
+        <a:scrgbClr r="0" g="0" b="0"/>
+      </a:effectRef>
+      <a:fontRef idx="minor"/>
+    </dgm:style>
+  </dgm:styleLbl>
+  <dgm:styleLbl name="revTx">
+    <dgm:scene3d>
+      <a:camera prst="orthographicFront"/>
+      <a:lightRig rig="threePt" dir="t"/>
+    </dgm:scene3d>
+    <dgm:sp3d/>
+    <dgm:txPr/>
+    <dgm:style>
+      <a:lnRef idx="0">
+        <a:scrgbClr r="0" g="0" b="0"/>
+      </a:lnRef>
+      <a:fillRef idx="0">
+        <a:scrgbClr r="0" g="0" b="0"/>
+      </a:fillRef>
+      <a:effectRef idx="0">
+        <a:scrgbClr r="0" g="0" b="0"/>
+      </a:effectRef>
+      <a:fontRef idx="minor"/>
+    </dgm:style>
+  </dgm:styleLbl>
+</dgm:styleDef>
+</file>
+
+<file path=ppt/diagrams/quickStyle2.xml><?xml version="1.0" encoding="utf-8"?>
+<dgm:styleDef xmlns:dgm="http://schemas.openxmlformats.org/drawingml/2006/diagram" xmlns:a="http://schemas.openxmlformats.org/drawingml/2006/main" uniqueId="urn:microsoft.com/office/officeart/2005/8/quickstyle/simple1">
+  <dgm:title val=""/>
+  <dgm:desc val=""/>
+  <dgm:catLst>
+    <dgm:cat type="simple" pri="10100"/>
+  </dgm:catLst>
+  <dgm:scene3d>
+    <a:camera prst="orthographicFront"/>
+    <a:lightRig rig="threePt" dir="t"/>
+  </dgm:scene3d>
+  <dgm:styleLbl name="node0">
+    <dgm:scene3d>
+      <a:camera prst="orthographicFront"/>
+      <a:lightRig rig="threePt" dir="t"/>
+    </dgm:scene3d>
+    <dgm:sp3d/>
+    <dgm:txPr/>
+    <dgm:style>
+      <a:lnRef idx="2">
+        <a:scrgbClr r="0" g="0" b="0"/>
+      </a:lnRef>
+      <a:fillRef idx="1">
+        <a:scrgbClr r="0" g="0" b="0"/>
+      </a:fillRef>
+      <a:effectRef idx="0">
+        <a:scrgbClr r="0" g="0" b="0"/>
+      </a:effectRef>
+      <a:fontRef idx="minor">
+        <a:schemeClr val="lt1"/>
+      </a:fontRef>
+    </dgm:style>
+  </dgm:styleLbl>
+  <dgm:styleLbl name="lnNode1">
+    <dgm:scene3d>
+      <a:camera prst="orthographicFront"/>
+      <a:lightRig rig="threePt" dir="t"/>
+    </dgm:scene3d>
+    <dgm:sp3d/>
+    <dgm:txPr/>
+    <dgm:style>
+      <a:lnRef idx="2">
+        <a:scrgbClr r="0" g="0" b="0"/>
+      </a:lnRef>
+      <a:fillRef idx="1">
+        <a:scrgbClr r="0" g="0" b="0"/>
+      </a:fillRef>
+      <a:effectRef idx="0">
+        <a:scrgbClr r="0" g="0" b="0"/>
+      </a:effectRef>
+      <a:fontRef idx="minor">
+        <a:schemeClr val="lt1"/>
+      </a:fontRef>
+    </dgm:style>
+  </dgm:styleLbl>
+  <dgm:styleLbl name="vennNode1">
+    <dgm:scene3d>
+      <a:camera prst="orthographicFront"/>
+      <a:lightRig rig="threePt" dir="t"/>
+    </dgm:scene3d>
+    <dgm:sp3d/>
+    <dgm:txPr/>
+    <dgm:style>
+      <a:lnRef idx="2">
+        <a:scrgbClr r="0" g="0" b="0"/>
+      </a:lnRef>
+      <a:fillRef idx="1">
+        <a:scrgbClr r="0" g="0" b="0"/>
+      </a:fillRef>
+      <a:effectRef idx="0">
+        <a:scrgbClr r="0" g="0" b="0"/>
+      </a:effectRef>
+      <a:fontRef idx="minor">
+        <a:schemeClr val="tx1"/>
+      </a:fontRef>
+    </dgm:style>
+  </dgm:styleLbl>
+  <dgm:styleLbl name="alignNode1">
+    <dgm:scene3d>
+      <a:camera prst="orthographicFront"/>
+      <a:lightRig rig="threePt" dir="t"/>
+    </dgm:scene3d>
+    <dgm:sp3d/>
+    <dgm:txPr/>
+    <dgm:style>
+      <a:lnRef idx="2">
+        <a:scrgbClr r="0" g="0" b="0"/>
+      </a:lnRef>
+      <a:fillRef idx="1">
+        <a:scrgbClr r="0" g="0" b="0"/>
+      </a:fillRef>
+      <a:effectRef idx="0">
+        <a:scrgbClr r="0" g="0" b="0"/>
+      </a:effectRef>
+      <a:fontRef idx="minor">
+        <a:schemeClr val="lt1"/>
+      </a:fontRef>
+    </dgm:style>
+  </dgm:styleLbl>
+  <dgm:styleLbl name="node1">
+    <dgm:scene3d>
+      <a:camera prst="orthographicFront"/>
+      <a:lightRig rig="threePt" dir="t"/>
+    </dgm:scene3d>
+    <dgm:sp3d/>
+    <dgm:txPr/>
+    <dgm:style>
+      <a:lnRef idx="2">
+        <a:scrgbClr r="0" g="0" b="0"/>
+      </a:lnRef>
+      <a:fillRef idx="1">
+        <a:scrgbClr r="0" g="0" b="0"/>
+      </a:fillRef>
+      <a:effectRef idx="0">
+        <a:scrgbClr r="0" g="0" b="0"/>
+      </a:effectRef>
+      <a:fontRef idx="minor">
+        <a:schemeClr val="lt1"/>
+      </a:fontRef>
+    </dgm:style>
+  </dgm:styleLbl>
+  <dgm:styleLbl name="node2">
+    <dgm:scene3d>
+      <a:camera prst="orthographicFront"/>
+      <a:lightRig rig="threePt" dir="t"/>
+    </dgm:scene3d>
+    <dgm:sp3d/>
+    <dgm:txPr/>
+    <dgm:style>
+      <a:lnRef idx="2">
+        <a:scrgbClr r="0" g="0" b="0"/>
+      </a:lnRef>
+      <a:fillRef idx="1">
+        <a:scrgbClr r="0" g="0" b="0"/>
+      </a:fillRef>
+      <a:effectRef idx="0">
+        <a:scrgbClr r="0" g="0" b="0"/>
+      </a:effectRef>
+      <a:fontRef idx="minor">
+        <a:schemeClr val="lt1"/>
+      </a:fontRef>
+    </dgm:style>
+  </dgm:styleLbl>
+  <dgm:styleLbl name="node3">
+    <dgm:scene3d>
+      <a:camera prst="orthographicFront"/>
+      <a:lightRig rig="threePt" dir="t"/>
+    </dgm:scene3d>
+    <dgm:sp3d/>
+    <dgm:txPr/>
+    <dgm:style>
+      <a:lnRef idx="2">
+        <a:scrgbClr r="0" g="0" b="0"/>
+      </a:lnRef>
+      <a:fillRef idx="1">
+        <a:scrgbClr r="0" g="0" b="0"/>
+      </a:fillRef>
+      <a:effectRef idx="0">
+        <a:scrgbClr r="0" g="0" b="0"/>
+      </a:effectRef>
+      <a:fontRef idx="minor">
+        <a:schemeClr val="lt1"/>
+      </a:fontRef>
+    </dgm:style>
+  </dgm:styleLbl>
+  <dgm:styleLbl name="node4">
+    <dgm:scene3d>
+      <a:camera prst="orthographicFront"/>
+      <a:lightRig rig="threePt" dir="t"/>
+    </dgm:scene3d>
+    <dgm:sp3d/>
+    <dgm:txPr/>
+    <dgm:style>
+      <a:lnRef idx="2">
+        <a:scrgbClr r="0" g="0" b="0"/>
+      </a:lnRef>
+      <a:fillRef idx="1">
+        <a:scrgbClr r="0" g="0" b="0"/>
+      </a:fillRef>
+      <a:effectRef idx="0">
+        <a:scrgbClr r="0" g="0" b="0"/>
+      </a:effectRef>
+      <a:fontRef idx="minor">
+        <a:schemeClr val="lt1"/>
+      </a:fontRef>
+    </dgm:style>
+  </dgm:styleLbl>
+  <dgm:styleLbl name="fgImgPlace1">
+    <dgm:scene3d>
+      <a:camera prst="orthographicFront"/>
+      <a:lightRig rig="threePt" dir="t"/>
+    </dgm:scene3d>
+    <dgm:sp3d/>
+    <dgm:txPr/>
+    <dgm:style>
+      <a:lnRef idx="2">
+        <a:scrgbClr r="0" g="0" b="0"/>
+      </a:lnRef>
+      <a:fillRef idx="1">
+        <a:scrgbClr r="0" g="0" b="0"/>
+      </a:fillRef>
+      <a:effectRef idx="0">
+        <a:scrgbClr r="0" g="0" b="0"/>
+      </a:effectRef>
+      <a:fontRef idx="minor"/>
+    </dgm:style>
+  </dgm:styleLbl>
+  <dgm:styleLbl name="alignImgPlace1">
+    <dgm:scene3d>
+      <a:camera prst="orthographicFront"/>
+      <a:lightRig rig="threePt" dir="t"/>
+    </dgm:scene3d>
+    <dgm:sp3d/>
+    <dgm:txPr/>
+    <dgm:style>
+      <a:lnRef idx="2">
+        <a:scrgbClr r="0" g="0" b="0"/>
+      </a:lnRef>
+      <a:fillRef idx="1">
+        <a:scrgbClr r="0" g="0" b="0"/>
+      </a:fillRef>
+      <a:effectRef idx="0">
+        <a:scrgbClr r="0" g="0" b="0"/>
+      </a:effectRef>
+      <a:fontRef idx="minor"/>
+    </dgm:style>
+  </dgm:styleLbl>
+  <dgm:styleLbl name="bgImgPlace1">
+    <dgm:scene3d>
+      <a:camera prst="orthographicFront"/>
+      <a:lightRig rig="threePt" dir="t"/>
+    </dgm:scene3d>
+    <dgm:sp3d/>
+    <dgm:txPr/>
+    <dgm:style>
+      <a:lnRef idx="2">
+        <a:scrgbClr r="0" g="0" b="0"/>
+      </a:lnRef>
+      <a:fillRef idx="1">
+        <a:scrgbClr r="0" g="0" b="0"/>
+      </a:fillRef>
+      <a:effectRef idx="0">
+        <a:scrgbClr r="0" g="0" b="0"/>
+      </a:effectRef>
+      <a:fontRef idx="minor"/>
+    </dgm:style>
+  </dgm:styleLbl>
+  <dgm:styleLbl name="sibTrans2D1">
+    <dgm:scene3d>
+      <a:camera prst="orthographicFront"/>
+      <a:lightRig rig="threePt" dir="t"/>
+    </dgm:scene3d>
+    <dgm:sp3d/>
+    <dgm:txPr/>
+    <dgm:style>
+      <a:lnRef idx="0">
+        <a:scrgbClr r="0" g="0" b="0"/>
+      </a:lnRef>
+      <a:fillRef idx="1">
+        <a:scrgbClr r="0" g="0" b="0"/>
+      </a:fillRef>
+      <a:effectRef idx="0">
+        <a:scrgbClr r="0" g="0" b="0"/>
+      </a:effectRef>
+      <a:fontRef idx="minor">
+        <a:schemeClr val="lt1"/>
+      </a:fontRef>
+    </dgm:style>
+  </dgm:styleLbl>
+  <dgm:styleLbl name="fgSibTrans2D1">
+    <dgm:scene3d>
+      <a:camera prst="orthographicFront"/>
+      <a:lightRig rig="threePt" dir="t"/>
+    </dgm:scene3d>
+    <dgm:sp3d/>
+    <dgm:txPr/>
+    <dgm:style>
+      <a:lnRef idx="0">
+        <a:scrgbClr r="0" g="0" b="0"/>
+      </a:lnRef>
+      <a:fillRef idx="1">
+        <a:scrgbClr r="0" g="0" b="0"/>
+      </a:fillRef>
+      <a:effectRef idx="0">
+        <a:scrgbClr r="0" g="0" b="0"/>
+      </a:effectRef>
+      <a:fontRef idx="minor">
+        <a:schemeClr val="lt1"/>
+      </a:fontRef>
+    </dgm:style>
+  </dgm:styleLbl>
+  <dgm:styleLbl name="bgSibTrans2D1">
+    <dgm:scene3d>
+      <a:camera prst="orthographicFront"/>
+      <a:lightRig rig="threePt" dir="t"/>
+    </dgm:scene3d>
+    <dgm:sp3d/>
+    <dgm:txPr/>
+    <dgm:style>
+      <a:lnRef idx="0">
+        <a:scrgbClr r="0" g="0" b="0"/>
+      </a:lnRef>
+      <a:fillRef idx="1">
+        <a:scrgbClr r="0" g="0" b="0"/>
+      </a:fillRef>
+      <a:effectRef idx="0">
+        <a:scrgbClr r="0" g="0" b="0"/>
+      </a:effectRef>
+      <a:fontRef idx="minor">
+        <a:schemeClr val="lt1"/>
+      </a:fontRef>
+    </dgm:style>
+  </dgm:styleLbl>
+  <dgm:styleLbl name="sibTrans1D1">
+    <dgm:scene3d>
+      <a:camera prst="orthographicFront"/>
+      <a:lightRig rig="threePt" dir="t"/>
+    </dgm:scene3d>
+    <dgm:sp3d/>
+    <dgm:txPr/>
+    <dgm:style>
+      <a:lnRef idx="1">
+        <a:scrgbClr r="0" g="0" b="0"/>
+      </a:lnRef>
+      <a:fillRef idx="0">
+        <a:scrgbClr r="0" g="0" b="0"/>
+      </a:fillRef>
+      <a:effectRef idx="0">
+        <a:scrgbClr r="0" g="0" b="0"/>
+      </a:effectRef>
+      <a:fontRef idx="minor"/>
+    </dgm:style>
+  </dgm:styleLbl>
+  <dgm:styleLbl name="callout">
+    <dgm:scene3d>
+      <a:camera prst="orthographicFront"/>
+      <a:lightRig rig="threePt" dir="t"/>
+    </dgm:scene3d>
+    <dgm:sp3d/>
+    <dgm:txPr/>
+    <dgm:style>
+      <a:lnRef idx="2">
+        <a:scrgbClr r="0" g="0" b="0"/>
+      </a:lnRef>
+      <a:fillRef idx="1">
+        <a:scrgbClr r="0" g="0" b="0"/>
+      </a:fillRef>
+      <a:effectRef idx="0">
+        <a:scrgbClr r="0" g="0" b="0"/>
+      </a:effectRef>
+      <a:fontRef idx="minor"/>
+    </dgm:style>
+  </dgm:styleLbl>
+  <dgm:styleLbl name="asst0">
+    <dgm:scene3d>
+      <a:camera prst="orthographicFront"/>
+      <a:lightRig rig="threePt" dir="t"/>
+    </dgm:scene3d>
+    <dgm:sp3d/>
+    <dgm:txPr/>
+    <dgm:style>
+      <a:lnRef idx="2">
+        <a:scrgbClr r="0" g="0" b="0"/>
+      </a:lnRef>
+      <a:fillRef idx="1">
+        <a:scrgbClr r="0" g="0" b="0"/>
+      </a:fillRef>
+      <a:effectRef idx="0">
+        <a:scrgbClr r="0" g="0" b="0"/>
+      </a:effectRef>
+      <a:fontRef idx="minor">
+        <a:schemeClr val="lt1"/>
+      </a:fontRef>
+    </dgm:style>
+  </dgm:styleLbl>
+  <dgm:styleLbl name="asst1">
+    <dgm:scene3d>
+      <a:camera prst="orthographicFront"/>
+      <a:lightRig rig="threePt" dir="t"/>
+    </dgm:scene3d>
+    <dgm:sp3d/>
+    <dgm:txPr/>
+    <dgm:style>
+      <a:lnRef idx="2">
+        <a:scrgbClr r="0" g="0" b="0"/>
+      </a:lnRef>
+      <a:fillRef idx="1">
+        <a:scrgbClr r="0" g="0" b="0"/>
+      </a:fillRef>
+      <a:effectRef idx="0">
+        <a:scrgbClr r="0" g="0" b="0"/>
+      </a:effectRef>
+      <a:fontRef idx="minor">
+        <a:schemeClr val="lt1"/>
+      </a:fontRef>
+    </dgm:style>
+  </dgm:styleLbl>
+  <dgm:styleLbl name="asst2">
+    <dgm:scene3d>
+      <a:camera prst="orthographicFront"/>
+      <a:lightRig rig="threePt" dir="t"/>
+    </dgm:scene3d>
+    <dgm:sp3d/>
+    <dgm:txPr/>
+    <dgm:style>
+      <a:lnRef idx="2">
+        <a:scrgbClr r="0" g="0" b="0"/>
+      </a:lnRef>
+      <a:fillRef idx="1">
+        <a:scrgbClr r="0" g="0" b="0"/>
+      </a:fillRef>
+      <a:effectRef idx="0">
+        <a:scrgbClr r="0" g="0" b="0"/>
+      </a:effectRef>
+      <a:fontRef idx="minor">
+        <a:schemeClr val="lt1"/>
+      </a:fontRef>
+    </dgm:style>
+  </dgm:styleLbl>
+  <dgm:styleLbl name="asst3">
+    <dgm:scene3d>
+      <a:camera prst="orthographicFront"/>
+      <a:lightRig rig="threePt" dir="t"/>
+    </dgm:scene3d>
+    <dgm:sp3d/>
+    <dgm:txPr/>
+    <dgm:style>
+      <a:lnRef idx="2">
+        <a:scrgbClr r="0" g="0" b="0"/>
+      </a:lnRef>
+      <a:fillRef idx="1">
+        <a:scrgbClr r="0" g="0" b="0"/>
+      </a:fillRef>
+      <a:effectRef idx="0">
+        <a:scrgbClr r="0" g="0" b="0"/>
+      </a:effectRef>
+      <a:fontRef idx="minor">
+        <a:schemeClr val="lt1"/>
+      </a:fontRef>
+    </dgm:style>
+  </dgm:styleLbl>
+  <dgm:styleLbl name="asst4">
+    <dgm:scene3d>
+      <a:camera prst="orthographicFront"/>
+      <a:lightRig rig="threePt" dir="t"/>
+    </dgm:scene3d>
+    <dgm:sp3d/>
+    <dgm:txPr/>
+    <dgm:style>
+      <a:lnRef idx="2">
+        <a:scrgbClr r="0" g="0" b="0"/>
+      </a:lnRef>
+      <a:fillRef idx="1">
+        <a:scrgbClr r="0" g="0" b="0"/>
+      </a:fillRef>
+      <a:effectRef idx="0">
+        <a:scrgbClr r="0" g="0" b="0"/>
+      </a:effectRef>
+      <a:fontRef idx="minor">
+        <a:schemeClr val="lt1"/>
+      </a:fontRef>
+    </dgm:style>
+  </dgm:styleLbl>
+  <dgm:styleLbl name="parChTrans2D1">
+    <dgm:scene3d>
+      <a:camera prst="orthographicFront"/>
+      <a:lightRig rig="threePt" dir="t"/>
+    </dgm:scene3d>
+    <dgm:sp3d/>
+    <dgm:txPr/>
+    <dgm:style>
+      <a:lnRef idx="2">
+        <a:scrgbClr r="0" g="0" b="0"/>
+      </a:lnRef>
+      <a:fillRef idx="1">
+        <a:scrgbClr r="0" g="0" b="0"/>
+      </a:fillRef>
+      <a:effectRef idx="0">
+        <a:scrgbClr r="0" g="0" b="0"/>
+      </a:effectRef>
+      <a:fontRef idx="minor">
+        <a:schemeClr val="lt1"/>
+      </a:fontRef>
+    </dgm:style>
+  </dgm:styleLbl>
+  <dgm:styleLbl name="parChTrans2D2">
+    <dgm:scene3d>
+      <a:camera prst="orthographicFront"/>
+      <a:lightRig rig="threePt" dir="t"/>
+    </dgm:scene3d>
+    <dgm:sp3d/>
+    <dgm:txPr/>
+    <dgm:style>
+      <a:lnRef idx="2">
+        <a:scrgbClr r="0" g="0" b="0"/>
+      </a:lnRef>
+      <a:fillRef idx="1">
+        <a:scrgbClr r="0" g="0" b="0"/>
+      </a:fillRef>
+      <a:effectRef idx="0">
+        <a:scrgbClr r="0" g="0" b="0"/>
+      </a:effectRef>
+      <a:fontRef idx="minor">
+        <a:schemeClr val="lt1"/>
+      </a:fontRef>
+    </dgm:style>
+  </dgm:styleLbl>
+  <dgm:styleLbl name="parChTrans2D3">
+    <dgm:scene3d>
+      <a:camera prst="orthographicFront"/>
+      <a:lightRig rig="threePt" dir="t"/>
+    </dgm:scene3d>
+    <dgm:sp3d/>
+    <dgm:txPr/>
+    <dgm:style>
+      <a:lnRef idx="2">
+        <a:scrgbClr r="0" g="0" b="0"/>
+      </a:lnRef>
+      <a:fillRef idx="1">
+        <a:scrgbClr r="0" g="0" b="0"/>
+      </a:fillRef>
+      <a:effectRef idx="0">
+        <a:scrgbClr r="0" g="0" b="0"/>
+      </a:effectRef>
+      <a:fontRef idx="minor">
+        <a:schemeClr val="lt1"/>
+      </a:fontRef>
+    </dgm:style>
+  </dgm:styleLbl>
+  <dgm:styleLbl name="parChTrans2D4">
+    <dgm:scene3d>
+      <a:camera prst="orthographicFront"/>
+      <a:lightRig rig="threePt" dir="t"/>
+    </dgm:scene3d>
+    <dgm:sp3d/>
+    <dgm:txPr/>
+    <dgm:style>
+      <a:lnRef idx="2">
+        <a:scrgbClr r="0" g="0" b="0"/>
+      </a:lnRef>
+      <a:fillRef idx="1">
+        <a:scrgbClr r="0" g="0" b="0"/>
+      </a:fillRef>
+      <a:effectRef idx="0">
+        <a:scrgbClr r="0" g="0" b="0"/>
+      </a:effectRef>
+      <a:fontRef idx="minor">
+        <a:schemeClr val="lt1"/>
+      </a:fontRef>
+    </dgm:style>
+  </dgm:styleLbl>
+  <dgm:styleLbl name="parChTrans1D1">
+    <dgm:scene3d>
+      <a:camera prst="orthographicFront"/>
+      <a:lightRig rig="threePt" dir="t"/>
+    </dgm:scene3d>
+    <dgm:sp3d/>
+    <dgm:txPr/>
+    <dgm:style>
+      <a:lnRef idx="2">
+        <a:scrgbClr r="0" g="0" b="0"/>
+      </a:lnRef>
+      <a:fillRef idx="0">
+        <a:scrgbClr r="0" g="0" b="0"/>
+      </a:fillRef>
+      <a:effectRef idx="0">
+        <a:scrgbClr r="0" g="0" b="0"/>
+      </a:effectRef>
+      <a:fontRef idx="minor"/>
+    </dgm:style>
+  </dgm:styleLbl>
+  <dgm:styleLbl name="parChTrans1D2">
+    <dgm:scene3d>
+      <a:camera prst="orthographicFront"/>
+      <a:lightRig rig="threePt" dir="t"/>
+    </dgm:scene3d>
+    <dgm:sp3d/>
+    <dgm:txPr/>
+    <dgm:style>
+      <a:lnRef idx="2">
+        <a:scrgbClr r="0" g="0" b="0"/>
+      </a:lnRef>
+      <a:fillRef idx="0">
+        <a:scrgbClr r="0" g="0" b="0"/>
+      </a:fillRef>
+      <a:effectRef idx="0">
+        <a:scrgbClr r="0" g="0" b="0"/>
+      </a:effectRef>
+      <a:fontRef idx="minor"/>
+    </dgm:style>
+  </dgm:styleLbl>
+  <dgm:styleLbl name="parChTrans1D3">
+    <dgm:scene3d>
+      <a:camera prst="orthographicFront"/>
+      <a:lightRig rig="threePt" dir="t"/>
+    </dgm:scene3d>
+    <dgm:sp3d/>
+    <dgm:txPr/>
+    <dgm:style>
+      <a:lnRef idx="2">
+        <a:scrgbClr r="0" g="0" b="0"/>
+      </a:lnRef>
+      <a:fillRef idx="0">
+        <a:scrgbClr r="0" g="0" b="0"/>
+      </a:fillRef>
+      <a:effectRef idx="0">
+        <a:scrgbClr r="0" g="0" b="0"/>
+      </a:effectRef>
+      <a:fontRef idx="minor"/>
+    </dgm:style>
+  </dgm:styleLbl>
+  <dgm:styleLbl name="parChTrans1D4">
+    <dgm:scene3d>
+      <a:camera prst="orthographicFront"/>
+      <a:lightRig rig="threePt" dir="t"/>
+    </dgm:scene3d>
+    <dgm:sp3d/>
+    <dgm:txPr/>
+    <dgm:style>
+      <a:lnRef idx="2">
+        <a:scrgbClr r="0" g="0" b="0"/>
+      </a:lnRef>
+      <a:fillRef idx="0">
+        <a:scrgbClr r="0" g="0" b="0"/>
+      </a:fillRef>
+      <a:effectRef idx="0">
+        <a:scrgbClr r="0" g="0" b="0"/>
+      </a:effectRef>
+      <a:fontRef idx="minor"/>
+    </dgm:style>
+  </dgm:styleLbl>
+  <dgm:styleLbl name="fgAcc1">
+    <dgm:scene3d>
+      <a:camera prst="orthographicFront"/>
+      <a:lightRig rig="threePt" dir="t"/>
+    </dgm:scene3d>
+    <dgm:sp3d/>
+    <dgm:txPr/>
+    <dgm:style>
+      <a:lnRef idx="2">
+        <a:scrgbClr r="0" g="0" b="0"/>
+      </a:lnRef>
+      <a:fillRef idx="1">
+        <a:scrgbClr r="0" g="0" b="0"/>
+      </a:fillRef>
+      <a:effectRef idx="0">
+        <a:scrgbClr r="0" g="0" b="0"/>
+      </a:effectRef>
+      <a:fontRef idx="minor"/>
+    </dgm:style>
+  </dgm:styleLbl>
+  <dgm:styleLbl name="conFgAcc1">
+    <dgm:scene3d>
+      <a:camera prst="orthographicFront"/>
+      <a:lightRig rig="threePt" dir="t"/>
+    </dgm:scene3d>
+    <dgm:sp3d/>
+    <dgm:txPr/>
+    <dgm:style>
+      <a:lnRef idx="2">
+        <a:scrgbClr r="0" g="0" b="0"/>
+      </a:lnRef>
+      <a:fillRef idx="1">
+        <a:scrgbClr r="0" g="0" b="0"/>
+      </a:fillRef>
+      <a:effectRef idx="0">
+        <a:scrgbClr r="0" g="0" b="0"/>
+      </a:effectRef>
+      <a:fontRef idx="minor"/>
+    </dgm:style>
+  </dgm:styleLbl>
+  <dgm:styleLbl name="alignAcc1">
+    <dgm:scene3d>
+      <a:camera prst="orthographicFront"/>
+      <a:lightRig rig="threePt" dir="t"/>
+    </dgm:scene3d>
+    <dgm:sp3d/>
+    <dgm:txPr/>
+    <dgm:style>
+      <a:lnRef idx="2">
+        <a:scrgbClr r="0" g="0" b="0"/>
+      </a:lnRef>
+      <a:fillRef idx="1">
+        <a:scrgbClr r="0" g="0" b="0"/>
+      </a:fillRef>
+      <a:effectRef idx="0">
+        <a:scrgbClr r="0" g="0" b="0"/>
+      </a:effectRef>
+      <a:fontRef idx="minor"/>
+    </dgm:style>
+  </dgm:styleLbl>
+  <dgm:styleLbl name="trAlignAcc1">
+    <dgm:scene3d>
+      <a:camera prst="orthographicFront"/>
+      <a:lightRig rig="threePt" dir="t"/>
+    </dgm:scene3d>
+    <dgm:sp3d/>
+    <dgm:txPr/>
+    <dgm:style>
+      <a:lnRef idx="1">
+        <a:scrgbClr r="0" g="0" b="0"/>
+      </a:lnRef>
+      <a:fillRef idx="1">
+        <a:scrgbClr r="0" g="0" b="0"/>
+      </a:fillRef>
+      <a:effectRef idx="0">
+        <a:scrgbClr r="0" g="0" b="0"/>
+      </a:effectRef>
+      <a:fontRef idx="minor"/>
+    </dgm:style>
+  </dgm:styleLbl>
+  <dgm:styleLbl name="bgAcc1">
+    <dgm:scene3d>
+      <a:camera prst="orthographicFront"/>
+      <a:lightRig rig="threePt" dir="t"/>
+    </dgm:scene3d>
+    <dgm:sp3d/>
+    <dgm:txPr/>
+    <dgm:style>
+      <a:lnRef idx="2">
+        <a:scrgbClr r="0" g="0" b="0"/>
+      </a:lnRef>
+      <a:fillRef idx="1">
+        <a:scrgbClr r="0" g="0" b="0"/>
+      </a:fillRef>
+      <a:effectRef idx="0">
+        <a:scrgbClr r="0" g="0" b="0"/>
+      </a:effectRef>
+      <a:fontRef idx="minor"/>
+    </dgm:style>
+  </dgm:styleLbl>
+  <dgm:styleLbl name="solidFgAcc1">
+    <dgm:scene3d>
+      <a:camera prst="orthographicFront"/>
+      <a:lightRig rig="threePt" dir="t"/>
+    </dgm:scene3d>
+    <dgm:sp3d/>
+    <dgm:txPr/>
+    <dgm:style>
+      <a:lnRef idx="2">
+        <a:scrgbClr r="0" g="0" b="0"/>
+      </a:lnRef>
+      <a:fillRef idx="1">
+        <a:scrgbClr r="0" g="0" b="0"/>
+      </a:fillRef>
+      <a:effectRef idx="0">
+        <a:scrgbClr r="0" g="0" b="0"/>
+      </a:effectRef>
+      <a:fontRef idx="minor"/>
+    </dgm:style>
+  </dgm:styleLbl>
+  <dgm:styleLbl name="solidAlignAcc1">
+    <dgm:scene3d>
+      <a:camera prst="orthographicFront"/>
+      <a:lightRig rig="threePt" dir="t"/>
+    </dgm:scene3d>
+    <dgm:sp3d/>
+    <dgm:txPr/>
+    <dgm:style>
+      <a:lnRef idx="2">
+        <a:scrgbClr r="0" g="0" b="0"/>
+      </a:lnRef>
+      <a:fillRef idx="1">
+        <a:scrgbClr r="0" g="0" b="0"/>
+      </a:fillRef>
+      <a:effectRef idx="0">
+        <a:scrgbClr r="0" g="0" b="0"/>
+      </a:effectRef>
+      <a:fontRef idx="minor"/>
+    </dgm:style>
+  </dgm:styleLbl>
+  <dgm:styleLbl name="solidBgAcc1">
+    <dgm:scene3d>
+      <a:camera prst="orthographicFront"/>
+      <a:lightRig rig="threePt" dir="t"/>
+    </dgm:scene3d>
+    <dgm:sp3d/>
+    <dgm:txPr/>
+    <dgm:style>
+      <a:lnRef idx="2">
+        <a:scrgbClr r="0" g="0" b="0"/>
+      </a:lnRef>
+      <a:fillRef idx="1">
+        <a:scrgbClr r="0" g="0" b="0"/>
+      </a:fillRef>
+      <a:effectRef idx="0">
+        <a:scrgbClr r="0" g="0" b="0"/>
+      </a:effectRef>
+      <a:fontRef idx="minor"/>
+    </dgm:style>
+  </dgm:styleLbl>
+  <dgm:styleLbl name="fgAccFollowNode1">
+    <dgm:scene3d>
+      <a:camera prst="orthographicFront"/>
+      <a:lightRig rig="threePt" dir="t"/>
+    </dgm:scene3d>
+    <dgm:sp3d/>
+    <dgm:txPr/>
+    <dgm:style>
+      <a:lnRef idx="2">
+        <a:scrgbClr r="0" g="0" b="0"/>
+      </a:lnRef>
+      <a:fillRef idx="1">
+        <a:scrgbClr r="0" g="0" b="0"/>
+      </a:fillRef>
+      <a:effectRef idx="0">
+        <a:scrgbClr r="0" g="0" b="0"/>
+      </a:effectRef>
+      <a:fontRef idx="minor"/>
+    </dgm:style>
+  </dgm:styleLbl>
+  <dgm:styleLbl name="alignAccFollowNode1">
+    <dgm:scene3d>
+      <a:camera prst="orthographicFront"/>
+      <a:lightRig rig="threePt" dir="t"/>
+    </dgm:scene3d>
+    <dgm:sp3d/>
+    <dgm:txPr/>
+    <dgm:style>
+      <a:lnRef idx="2">
+        <a:scrgbClr r="0" g="0" b="0"/>
+      </a:lnRef>
+      <a:fillRef idx="1">
+        <a:scrgbClr r="0" g="0" b="0"/>
+      </a:fillRef>
+      <a:effectRef idx="0">
+        <a:scrgbClr r="0" g="0" b="0"/>
+      </a:effectRef>
+      <a:fontRef idx="minor"/>
+    </dgm:style>
+  </dgm:styleLbl>
+  <dgm:styleLbl name="bgAccFollowNode1">
+    <dgm:scene3d>
+      <a:camera prst="orthographicFront"/>
+      <a:lightRig rig="threePt" dir="t"/>
+    </dgm:scene3d>
+    <dgm:sp3d/>
+    <dgm:txPr/>
+    <dgm:style>
+      <a:lnRef idx="2">
+        <a:scrgbClr r="0" g="0" b="0"/>
+      </a:lnRef>
+      <a:fillRef idx="1">
+        <a:scrgbClr r="0" g="0" b="0"/>
+      </a:fillRef>
+      <a:effectRef idx="0">
+        <a:scrgbClr r="0" g="0" b="0"/>
+      </a:effectRef>
+      <a:fontRef idx="minor"/>
+    </dgm:style>
+  </dgm:styleLbl>
+  <dgm:styleLbl name="fgAcc0">
+    <dgm:scene3d>
+      <a:camera prst="orthographicFront"/>
+      <a:lightRig rig="threePt" dir="t"/>
+    </dgm:scene3d>
+    <dgm:sp3d/>
+    <dgm:txPr/>
+    <dgm:style>
+      <a:lnRef idx="2">
+        <a:scrgbClr r="0" g="0" b="0"/>
+      </a:lnRef>
+      <a:fillRef idx="1">
+        <a:scrgbClr r="0" g="0" b="0"/>
+      </a:fillRef>
+      <a:effectRef idx="0">
+        <a:scrgbClr r="0" g="0" b="0"/>
+      </a:effectRef>
+      <a:fontRef idx="minor"/>
+    </dgm:style>
+  </dgm:styleLbl>
+  <dgm:styleLbl name="fgAcc2">
+    <dgm:scene3d>
+      <a:camera prst="orthographicFront"/>
+      <a:lightRig rig="threePt" dir="t"/>
+    </dgm:scene3d>
+    <dgm:sp3d/>
+    <dgm:txPr/>
+    <dgm:style>
+      <a:lnRef idx="2">
+        <a:scrgbClr r="0" g="0" b="0"/>
+      </a:lnRef>
+      <a:fillRef idx="1">
+        <a:scrgbClr r="0" g="0" b="0"/>
+      </a:fillRef>
+      <a:effectRef idx="0">
+        <a:scrgbClr r="0" g="0" b="0"/>
+      </a:effectRef>
+      <a:fontRef idx="minor"/>
+    </dgm:style>
+  </dgm:styleLbl>
+  <dgm:styleLbl name="fgAcc3">
+    <dgm:scene3d>
+      <a:camera prst="orthographicFront"/>
+      <a:lightRig rig="threePt" dir="t"/>
+    </dgm:scene3d>
+    <dgm:sp3d/>
+    <dgm:txPr/>
+    <dgm:style>
+      <a:lnRef idx="2">
+        <a:scrgbClr r="0" g="0" b="0"/>
+      </a:lnRef>
+      <a:fillRef idx="1">
+        <a:scrgbClr r="0" g="0" b="0"/>
+      </a:fillRef>
+      <a:effectRef idx="0">
+        <a:scrgbClr r="0" g="0" b="0"/>
+      </a:effectRef>
+      <a:fontRef idx="minor"/>
+    </dgm:style>
+  </dgm:styleLbl>
+  <dgm:styleLbl name="fgAcc4">
+    <dgm:scene3d>
+      <a:camera prst="orthographicFront"/>
+      <a:lightRig rig="threePt" dir="t"/>
+    </dgm:scene3d>
+    <dgm:sp3d/>
+    <dgm:txPr/>
+    <dgm:style>
+      <a:lnRef idx="2">
+        <a:scrgbClr r="0" g="0" b="0"/>
+      </a:lnRef>
+      <a:fillRef idx="1">
+        <a:scrgbClr r="0" g="0" b="0"/>
+      </a:fillRef>
+      <a:effectRef idx="0">
+        <a:scrgbClr r="0" g="0" b="0"/>
+      </a:effectRef>
+      <a:fontRef idx="minor"/>
+    </dgm:style>
+  </dgm:styleLbl>
+  <dgm:styleLbl name="bgShp">
+    <dgm:scene3d>
+      <a:camera prst="orthographicFront"/>
+      <a:lightRig rig="threePt" dir="t"/>
+    </dgm:scene3d>
+    <dgm:sp3d/>
+    <dgm:txPr/>
+    <dgm:style>
+      <a:lnRef idx="0">
+        <a:scrgbClr r="0" g="0" b="0"/>
+      </a:lnRef>
+      <a:fillRef idx="1">
+        <a:scrgbClr r="0" g="0" b="0"/>
+      </a:fillRef>
+      <a:effectRef idx="0">
+        <a:scrgbClr r="0" g="0" b="0"/>
+      </a:effectRef>
+      <a:fontRef idx="minor"/>
+    </dgm:style>
+  </dgm:styleLbl>
+  <dgm:styleLbl name="dkBgShp">
+    <dgm:scene3d>
+      <a:camera prst="orthographicFront"/>
+      <a:lightRig rig="threePt" dir="t"/>
+    </dgm:scene3d>
+    <dgm:sp3d/>
+    <dgm:txPr/>
+    <dgm:style>
+      <a:lnRef idx="0">
+        <a:scrgbClr r="0" g="0" b="0"/>
+      </a:lnRef>
+      <a:fillRef idx="1">
+        <a:scrgbClr r="0" g="0" b="0"/>
+      </a:fillRef>
+      <a:effectRef idx="0">
+        <a:scrgbClr r="0" g="0" b="0"/>
+      </a:effectRef>
+      <a:fontRef idx="minor"/>
+    </dgm:style>
+  </dgm:styleLbl>
+  <dgm:styleLbl name="trBgShp">
+    <dgm:scene3d>
+      <a:camera prst="orthographicFront"/>
+      <a:lightRig rig="threePt" dir="t"/>
+    </dgm:scene3d>
+    <dgm:sp3d/>
+    <dgm:txPr/>
+    <dgm:style>
+      <a:lnRef idx="0">
+        <a:scrgbClr r="0" g="0" b="0"/>
+      </a:lnRef>
+      <a:fillRef idx="1">
+        <a:scrgbClr r="0" g="0" b="0"/>
+      </a:fillRef>
+      <a:effectRef idx="0">
+        <a:scrgbClr r="0" g="0" b="0"/>
+      </a:effectRef>
+      <a:fontRef idx="minor"/>
+    </dgm:style>
+  </dgm:styleLbl>
+  <dgm:styleLbl name="fgShp">
+    <dgm:scene3d>
+      <a:camera prst="orthographicFront"/>
+      <a:lightRig rig="threePt" dir="t"/>
+    </dgm:scene3d>
+    <dgm:sp3d/>
+    <dgm:txPr/>
+    <dgm:style>
+      <a:lnRef idx="2">
+        <a:scrgbClr r="0" g="0" b="0"/>
+      </a:lnRef>
+      <a:fillRef idx="1">
+        <a:scrgbClr r="0" g="0" b="0"/>
+      </a:fillRef>
+      <a:effectRef idx="0">
+        <a:scrgbClr r="0" g="0" b="0"/>
+      </a:effectRef>
+      <a:fontRef idx="minor"/>
+    </dgm:style>
+  </dgm:styleLbl>
+  <dgm:styleLbl name="revTx">
+    <dgm:scene3d>
+      <a:camera prst="orthographicFront"/>
+      <a:lightRig rig="threePt" dir="t"/>
+    </dgm:scene3d>
+    <dgm:sp3d/>
+    <dgm:txPr/>
+    <dgm:style>
+      <a:lnRef idx="0">
+        <a:scrgbClr r="0" g="0" b="0"/>
+      </a:lnRef>
+      <a:fillRef idx="0">
+        <a:scrgbClr r="0" g="0" b="0"/>
+      </a:fillRef>
+      <a:effectRef idx="0">
+        <a:scrgbClr r="0" g="0" b="0"/>
+      </a:effectRef>
+      <a:fontRef idx="minor"/>
+    </dgm:style>
+  </dgm:styleLbl>
+</dgm:styleDef>
+</file>
+
+<file path=ppt/diagrams/quickStyle3.xml><?xml version="1.0" encoding="utf-8"?>
+<dgm:styleDef xmlns:dgm="http://schemas.openxmlformats.org/drawingml/2006/diagram" xmlns:a="http://schemas.openxmlformats.org/drawingml/2006/main" uniqueId="urn:microsoft.com/office/officeart/2005/8/quickstyle/simple1">
+  <dgm:title val=""/>
+  <dgm:desc val=""/>
+  <dgm:catLst>
+    <dgm:cat type="simple" pri="10100"/>
+  </dgm:catLst>
+  <dgm:scene3d>
+    <a:camera prst="orthographicFront"/>
+    <a:lightRig rig="threePt" dir="t"/>
+  </dgm:scene3d>
+  <dgm:styleLbl name="node0">
+    <dgm:scene3d>
+      <a:camera prst="orthographicFront"/>
+      <a:lightRig rig="threePt" dir="t"/>
+    </dgm:scene3d>
+    <dgm:sp3d/>
+    <dgm:txPr/>
+    <dgm:style>
+      <a:lnRef idx="2">
+        <a:scrgbClr r="0" g="0" b="0"/>
+      </a:lnRef>
+      <a:fillRef idx="1">
+        <a:scrgbClr r="0" g="0" b="0"/>
+      </a:fillRef>
+      <a:effectRef idx="0">
+        <a:scrgbClr r="0" g="0" b="0"/>
+      </a:effectRef>
+      <a:fontRef idx="minor">
+        <a:schemeClr val="lt1"/>
+      </a:fontRef>
+    </dgm:style>
+  </dgm:styleLbl>
+  <dgm:styleLbl name="lnNode1">
+    <dgm:scene3d>
+      <a:camera prst="orthographicFront"/>
+      <a:lightRig rig="threePt" dir="t"/>
+    </dgm:scene3d>
+    <dgm:sp3d/>
+    <dgm:txPr/>
+    <dgm:style>
+      <a:lnRef idx="2">
+        <a:scrgbClr r="0" g="0" b="0"/>
+      </a:lnRef>
+      <a:fillRef idx="1">
+        <a:scrgbClr r="0" g="0" b="0"/>
+      </a:fillRef>
+      <a:effectRef idx="0">
+        <a:scrgbClr r="0" g="0" b="0"/>
+      </a:effectRef>
+      <a:fontRef idx="minor">
+        <a:schemeClr val="lt1"/>
+      </a:fontRef>
+    </dgm:style>
+  </dgm:styleLbl>
+  <dgm:styleLbl name="vennNode1">
+    <dgm:scene3d>
+      <a:camera prst="orthographicFront"/>
+      <a:lightRig rig="threePt" dir="t"/>
+    </dgm:scene3d>
+    <dgm:sp3d/>
+    <dgm:txPr/>
+    <dgm:style>
+      <a:lnRef idx="2">
+        <a:scrgbClr r="0" g="0" b="0"/>
+      </a:lnRef>
+      <a:fillRef idx="1">
+        <a:scrgbClr r="0" g="0" b="0"/>
+      </a:fillRef>
+      <a:effectRef idx="0">
+        <a:scrgbClr r="0" g="0" b="0"/>
+      </a:effectRef>
+      <a:fontRef idx="minor">
+        <a:schemeClr val="tx1"/>
+      </a:fontRef>
+    </dgm:style>
+  </dgm:styleLbl>
+  <dgm:styleLbl name="alignNode1">
+    <dgm:scene3d>
+      <a:camera prst="orthographicFront"/>
+      <a:lightRig rig="threePt" dir="t"/>
+    </dgm:scene3d>
+    <dgm:sp3d/>
+    <dgm:txPr/>
+    <dgm:style>
+      <a:lnRef idx="2">
+        <a:scrgbClr r="0" g="0" b="0"/>
+      </a:lnRef>
+      <a:fillRef idx="1">
+        <a:scrgbClr r="0" g="0" b="0"/>
+      </a:fillRef>
+      <a:effectRef idx="0">
+        <a:scrgbClr r="0" g="0" b="0"/>
+      </a:effectRef>
+      <a:fontRef idx="minor">
+        <a:schemeClr val="lt1"/>
+      </a:fontRef>
+    </dgm:style>
+  </dgm:styleLbl>
+  <dgm:styleLbl name="node1">
+    <dgm:scene3d>
+      <a:camera prst="orthographicFront"/>
+      <a:lightRig rig="threePt" dir="t"/>
+    </dgm:scene3d>
+    <dgm:sp3d/>
+    <dgm:txPr/>
+    <dgm:style>
+      <a:lnRef idx="2">
+        <a:scrgbClr r="0" g="0" b="0"/>
+      </a:lnRef>
+      <a:fillRef idx="1">
+        <a:scrgbClr r="0" g="0" b="0"/>
+      </a:fillRef>
+      <a:effectRef idx="0">
+        <a:scrgbClr r="0" g="0" b="0"/>
+      </a:effectRef>
+      <a:fontRef idx="minor">
+        <a:schemeClr val="lt1"/>
+      </a:fontRef>
+    </dgm:style>
+  </dgm:styleLbl>
+  <dgm:styleLbl name="node2">
+    <dgm:scene3d>
+      <a:camera prst="orthographicFront"/>
+      <a:lightRig rig="threePt" dir="t"/>
+    </dgm:scene3d>
+    <dgm:sp3d/>
+    <dgm:txPr/>
+    <dgm:style>
+      <a:lnRef idx="2">
+        <a:scrgbClr r="0" g="0" b="0"/>
+      </a:lnRef>
+      <a:fillRef idx="1">
+        <a:scrgbClr r="0" g="0" b="0"/>
+      </a:fillRef>
+      <a:effectRef idx="0">
+        <a:scrgbClr r="0" g="0" b="0"/>
+      </a:effectRef>
+      <a:fontRef idx="minor">
+        <a:schemeClr val="lt1"/>
+      </a:fontRef>
+    </dgm:style>
+  </dgm:styleLbl>
+  <dgm:styleLbl name="node3">
+    <dgm:scene3d>
+      <a:camera prst="orthographicFront"/>
+      <a:lightRig rig="threePt" dir="t"/>
+    </dgm:scene3d>
+    <dgm:sp3d/>
+    <dgm:txPr/>
+    <dgm:style>
+      <a:lnRef idx="2">
+        <a:scrgbClr r="0" g="0" b="0"/>
+      </a:lnRef>
+      <a:fillRef idx="1">
+        <a:scrgbClr r="0" g="0" b="0"/>
+      </a:fillRef>
+      <a:effectRef idx="0">
+        <a:scrgbClr r="0" g="0" b="0"/>
+      </a:effectRef>
+      <a:fontRef idx="minor">
+        <a:schemeClr val="lt1"/>
+      </a:fontRef>
+    </dgm:style>
+  </dgm:styleLbl>
+  <dgm:styleLbl name="node4">
+    <dgm:scene3d>
+      <a:camera prst="orthographicFront"/>
+      <a:lightRig rig="threePt" dir="t"/>
+    </dgm:scene3d>
+    <dgm:sp3d/>
+    <dgm:txPr/>
+    <dgm:style>
+      <a:lnRef idx="2">
+        <a:scrgbClr r="0" g="0" b="0"/>
+      </a:lnRef>
+      <a:fillRef idx="1">
+        <a:scrgbClr r="0" g="0" b="0"/>
+      </a:fillRef>
+      <a:effectRef idx="0">
+        <a:scrgbClr r="0" g="0" b="0"/>
+      </a:effectRef>
+      <a:fontRef idx="minor">
+        <a:schemeClr val="lt1"/>
+      </a:fontRef>
+    </dgm:style>
+  </dgm:styleLbl>
+  <dgm:styleLbl name="fgImgPlace1">
+    <dgm:scene3d>
+      <a:camera prst="orthographicFront"/>
+      <a:lightRig rig="threePt" dir="t"/>
+    </dgm:scene3d>
+    <dgm:sp3d/>
+    <dgm:txPr/>
+    <dgm:style>
+      <a:lnRef idx="2">
+        <a:scrgbClr r="0" g="0" b="0"/>
+      </a:lnRef>
+      <a:fillRef idx="1">
+        <a:scrgbClr r="0" g="0" b="0"/>
+      </a:fillRef>
+      <a:effectRef idx="0">
+        <a:scrgbClr r="0" g="0" b="0"/>
+      </a:effectRef>
+      <a:fontRef idx="minor"/>
+    </dgm:style>
+  </dgm:styleLbl>
+  <dgm:styleLbl name="alignImgPlace1">
+    <dgm:scene3d>
+      <a:camera prst="orthographicFront"/>
+      <a:lightRig rig="threePt" dir="t"/>
+    </dgm:scene3d>
+    <dgm:sp3d/>
+    <dgm:txPr/>
+    <dgm:style>
+      <a:lnRef idx="2">
+        <a:scrgbClr r="0" g="0" b="0"/>
+      </a:lnRef>
+      <a:fillRef idx="1">
+        <a:scrgbClr r="0" g="0" b="0"/>
+      </a:fillRef>
+      <a:effectRef idx="0">
+        <a:scrgbClr r="0" g="0" b="0"/>
+      </a:effectRef>
+      <a:fontRef idx="minor"/>
+    </dgm:style>
+  </dgm:styleLbl>
+  <dgm:styleLbl name="bgImgPlace1">
+    <dgm:scene3d>
+      <a:camera prst="orthographicFront"/>
+      <a:lightRig rig="threePt" dir="t"/>
+    </dgm:scene3d>
+    <dgm:sp3d/>
+    <dgm:txPr/>
+    <dgm:style>
+      <a:lnRef idx="2">
+        <a:scrgbClr r="0" g="0" b="0"/>
+      </a:lnRef>
+      <a:fillRef idx="1">
+        <a:scrgbClr r="0" g="0" b="0"/>
+      </a:fillRef>
+      <a:effectRef idx="0">
+        <a:scrgbClr r="0" g="0" b="0"/>
+      </a:effectRef>
+      <a:fontRef idx="minor"/>
+    </dgm:style>
+  </dgm:styleLbl>
+  <dgm:styleLbl name="sibTrans2D1">
+    <dgm:scene3d>
+      <a:camera prst="orthographicFront"/>
+      <a:lightRig rig="threePt" dir="t"/>
+    </dgm:scene3d>
+    <dgm:sp3d/>
+    <dgm:txPr/>
+    <dgm:style>
+      <a:lnRef idx="0">
+        <a:scrgbClr r="0" g="0" b="0"/>
+      </a:lnRef>
+      <a:fillRef idx="1">
+        <a:scrgbClr r="0" g="0" b="0"/>
+      </a:fillRef>
+      <a:effectRef idx="0">
+        <a:scrgbClr r="0" g="0" b="0"/>
+      </a:effectRef>
+      <a:fontRef idx="minor">
+        <a:schemeClr val="lt1"/>
+      </a:fontRef>
+    </dgm:style>
+  </dgm:styleLbl>
+  <dgm:styleLbl name="fgSibTrans2D1">
+    <dgm:scene3d>
+      <a:camera prst="orthographicFront"/>
+      <a:lightRig rig="threePt" dir="t"/>
+    </dgm:scene3d>
+    <dgm:sp3d/>
+    <dgm:txPr/>
+    <dgm:style>
+      <a:lnRef idx="0">
+        <a:scrgbClr r="0" g="0" b="0"/>
+      </a:lnRef>
+      <a:fillRef idx="1">
+        <a:scrgbClr r="0" g="0" b="0"/>
+      </a:fillRef>
+      <a:effectRef idx="0">
+        <a:scrgbClr r="0" g="0" b="0"/>
+      </a:effectRef>
+      <a:fontRef idx="minor">
+        <a:schemeClr val="lt1"/>
+      </a:fontRef>
+    </dgm:style>
+  </dgm:styleLbl>
+  <dgm:styleLbl name="bgSibTrans2D1">
+    <dgm:scene3d>
+      <a:camera prst="orthographicFront"/>
+      <a:lightRig rig="threePt" dir="t"/>
+    </dgm:scene3d>
+    <dgm:sp3d/>
+    <dgm:txPr/>
+    <dgm:style>
+      <a:lnRef idx="0">
+        <a:scrgbClr r="0" g="0" b="0"/>
+      </a:lnRef>
+      <a:fillRef idx="1">
+        <a:scrgbClr r="0" g="0" b="0"/>
+      </a:fillRef>
+      <a:effectRef idx="0">
+        <a:scrgbClr r="0" g="0" b="0"/>
+      </a:effectRef>
+      <a:fontRef idx="minor">
+        <a:schemeClr val="lt1"/>
+      </a:fontRef>
+    </dgm:style>
+  </dgm:styleLbl>
+  <dgm:styleLbl name="sibTrans1D1">
+    <dgm:scene3d>
+      <a:camera prst="orthographicFront"/>
+      <a:lightRig rig="threePt" dir="t"/>
+    </dgm:scene3d>
+    <dgm:sp3d/>
+    <dgm:txPr/>
+    <dgm:style>
+      <a:lnRef idx="1">
+        <a:scrgbClr r="0" g="0" b="0"/>
+      </a:lnRef>
+      <a:fillRef idx="0">
+        <a:scrgbClr r="0" g="0" b="0"/>
+      </a:fillRef>
+      <a:effectRef idx="0">
+        <a:scrgbClr r="0" g="0" b="0"/>
+      </a:effectRef>
+      <a:fontRef idx="minor"/>
+    </dgm:style>
+  </dgm:styleLbl>
+  <dgm:styleLbl name="callout">
+    <dgm:scene3d>
+      <a:camera prst="orthographicFront"/>
+      <a:lightRig rig="threePt" dir="t"/>
+    </dgm:scene3d>
+    <dgm:sp3d/>
+    <dgm:txPr/>
+    <dgm:style>
+      <a:lnRef idx="2">
+        <a:scrgbClr r="0" g="0" b="0"/>
+      </a:lnRef>
+      <a:fillRef idx="1">
+        <a:scrgbClr r="0" g="0" b="0"/>
+      </a:fillRef>
+      <a:effectRef idx="0">
+        <a:scrgbClr r="0" g="0" b="0"/>
+      </a:effectRef>
+      <a:fontRef idx="minor"/>
+    </dgm:style>
+  </dgm:styleLbl>
+  <dgm:styleLbl name="asst0">
+    <dgm:scene3d>
+      <a:camera prst="orthographicFront"/>
+      <a:lightRig rig="threePt" dir="t"/>
+    </dgm:scene3d>
+    <dgm:sp3d/>
+    <dgm:txPr/>
+    <dgm:style>
+      <a:lnRef idx="2">
+        <a:scrgbClr r="0" g="0" b="0"/>
+      </a:lnRef>
+      <a:fillRef idx="1">
+        <a:scrgbClr r="0" g="0" b="0"/>
+      </a:fillRef>
+      <a:effectRef idx="0">
+        <a:scrgbClr r="0" g="0" b="0"/>
+      </a:effectRef>
+      <a:fontRef idx="minor">
+        <a:schemeClr val="lt1"/>
+      </a:fontRef>
+    </dgm:style>
+  </dgm:styleLbl>
+  <dgm:styleLbl name="asst1">
+    <dgm:scene3d>
+      <a:camera prst="orthographicFront"/>
+      <a:lightRig rig="threePt" dir="t"/>
+    </dgm:scene3d>
+    <dgm:sp3d/>
+    <dgm:txPr/>
+    <dgm:style>
+      <a:lnRef idx="2">
+        <a:scrgbClr r="0" g="0" b="0"/>
+      </a:lnRef>
+      <a:fillRef idx="1">
+        <a:scrgbClr r="0" g="0" b="0"/>
+      </a:fillRef>
+      <a:effectRef idx="0">
+        <a:scrgbClr r="0" g="0" b="0"/>
+      </a:effectRef>
+      <a:fontRef idx="minor">
+        <a:schemeClr val="lt1"/>
+      </a:fontRef>
+    </dgm:style>
+  </dgm:styleLbl>
+  <dgm:styleLbl name="asst2">
+    <dgm:scene3d>
+      <a:camera prst="orthographicFront"/>
+      <a:lightRig rig="threePt" dir="t"/>
+    </dgm:scene3d>
+    <dgm:sp3d/>
+    <dgm:txPr/>
+    <dgm:style>
+      <a:lnRef idx="2">
+        <a:scrgbClr r="0" g="0" b="0"/>
+      </a:lnRef>
+      <a:fillRef idx="1">
+        <a:scrgbClr r="0" g="0" b="0"/>
+      </a:fillRef>
+      <a:effectRef idx="0">
+        <a:scrgbClr r="0" g="0" b="0"/>
+      </a:effectRef>
+      <a:fontRef idx="minor">
+        <a:schemeClr val="lt1"/>
+      </a:fontRef>
+    </dgm:style>
+  </dgm:styleLbl>
+  <dgm:styleLbl name="asst3">
+    <dgm:scene3d>
+      <a:camera prst="orthographicFront"/>
+      <a:lightRig rig="threePt" dir="t"/>
+    </dgm:scene3d>
+    <dgm:sp3d/>
+    <dgm:txPr/>
+    <dgm:style>
+      <a:lnRef idx="2">
+        <a:scrgbClr r="0" g="0" b="0"/>
+      </a:lnRef>
+      <a:fillRef idx="1">
+        <a:scrgbClr r="0" g="0" b="0"/>
+      </a:fillRef>
+      <a:effectRef idx="0">
+        <a:scrgbClr r="0" g="0" b="0"/>
+      </a:effectRef>
+      <a:fontRef idx="minor">
+        <a:schemeClr val="lt1"/>
+      </a:fontRef>
+    </dgm:style>
+  </dgm:styleLbl>
+  <dgm:styleLbl name="asst4">
+    <dgm:scene3d>
+      <a:camera prst="orthographicFront"/>
+      <a:lightRig rig="threePt" dir="t"/>
+    </dgm:scene3d>
+    <dgm:sp3d/>
+    <dgm:txPr/>
+    <dgm:style>
+      <a:lnRef idx="2">
+        <a:scrgbClr r="0" g="0" b="0"/>
+      </a:lnRef>
+      <a:fillRef idx="1">
+        <a:scrgbClr r="0" g="0" b="0"/>
+      </a:fillRef>
+      <a:effectRef idx="0">
+        <a:scrgbClr r="0" g="0" b="0"/>
+      </a:effectRef>
+      <a:fontRef idx="minor">
+        <a:schemeClr val="lt1"/>
+      </a:fontRef>
+    </dgm:style>
+  </dgm:styleLbl>
+  <dgm:styleLbl name="parChTrans2D1">
+    <dgm:scene3d>
+      <a:camera prst="orthographicFront"/>
+      <a:lightRig rig="threePt" dir="t"/>
+    </dgm:scene3d>
+    <dgm:sp3d/>
+    <dgm:txPr/>
+    <dgm:style>
+      <a:lnRef idx="2">
+        <a:scrgbClr r="0" g="0" b="0"/>
+      </a:lnRef>
+      <a:fillRef idx="1">
+        <a:scrgbClr r="0" g="0" b="0"/>
+      </a:fillRef>
+      <a:effectRef idx="0">
+        <a:scrgbClr r="0" g="0" b="0"/>
+      </a:effectRef>
+      <a:fontRef idx="minor">
+        <a:schemeClr val="lt1"/>
+      </a:fontRef>
+    </dgm:style>
+  </dgm:styleLbl>
+  <dgm:styleLbl name="parChTrans2D2">
+    <dgm:scene3d>
+      <a:camera prst="orthographicFront"/>
+      <a:lightRig rig="threePt" dir="t"/>
+    </dgm:scene3d>
+    <dgm:sp3d/>
+    <dgm:txPr/>
+    <dgm:style>
+      <a:lnRef idx="2">
+        <a:scrgbClr r="0" g="0" b="0"/>
+      </a:lnRef>
+      <a:fillRef idx="1">
+        <a:scrgbClr r="0" g="0" b="0"/>
+      </a:fillRef>
+      <a:effectRef idx="0">
+        <a:scrgbClr r="0" g="0" b="0"/>
+      </a:effectRef>
+      <a:fontRef idx="minor">
+        <a:schemeClr val="lt1"/>
+      </a:fontRef>
+    </dgm:style>
+  </dgm:styleLbl>
+  <dgm:styleLbl name="parChTrans2D3">
+    <dgm:scene3d>
+      <a:camera prst="orthographicFront"/>
+      <a:lightRig rig="threePt" dir="t"/>
+    </dgm:scene3d>
+    <dgm:sp3d/>
+    <dgm:txPr/>
+    <dgm:style>
+      <a:lnRef idx="2">
+        <a:scrgbClr r="0" g="0" b="0"/>
+      </a:lnRef>
+      <a:fillRef idx="1">
+        <a:scrgbClr r="0" g="0" b="0"/>
+      </a:fillRef>
+      <a:effectRef idx="0">
+        <a:scrgbClr r="0" g="0" b="0"/>
+      </a:effectRef>
+      <a:fontRef idx="minor">
+        <a:schemeClr val="lt1"/>
+      </a:fontRef>
+    </dgm:style>
+  </dgm:styleLbl>
+  <dgm:styleLbl name="parChTrans2D4">
+    <dgm:scene3d>
+      <a:camera prst="orthographicFront"/>
+      <a:lightRig rig="threePt" dir="t"/>
+    </dgm:scene3d>
+    <dgm:sp3d/>
+    <dgm:txPr/>
+    <dgm:style>
+      <a:lnRef idx="2">
+        <a:scrgbClr r="0" g="0" b="0"/>
+      </a:lnRef>
+      <a:fillRef idx="1">
+        <a:scrgbClr r="0" g="0" b="0"/>
+      </a:fillRef>
+      <a:effectRef idx="0">
+        <a:scrgbClr r="0" g="0" b="0"/>
+      </a:effectRef>
+      <a:fontRef idx="minor">
+        <a:schemeClr val="lt1"/>
+      </a:fontRef>
+    </dgm:style>
+  </dgm:styleLbl>
+  <dgm:styleLbl name="parChTrans1D1">
+    <dgm:scene3d>
+      <a:camera prst="orthographicFront"/>
+      <a:lightRig rig="threePt" dir="t"/>
+    </dgm:scene3d>
+    <dgm:sp3d/>
+    <dgm:txPr/>
+    <dgm:style>
+      <a:lnRef idx="2">
+        <a:scrgbClr r="0" g="0" b="0"/>
+      </a:lnRef>
+      <a:fillRef idx="0">
+        <a:scrgbClr r="0" g="0" b="0"/>
+      </a:fillRef>
+      <a:effectRef idx="0">
+        <a:scrgbClr r="0" g="0" b="0"/>
+      </a:effectRef>
+      <a:fontRef idx="minor"/>
+    </dgm:style>
+  </dgm:styleLbl>
+  <dgm:styleLbl name="parChTrans1D2">
+    <dgm:scene3d>
+      <a:camera prst="orthographicFront"/>
+      <a:lightRig rig="threePt" dir="t"/>
+    </dgm:scene3d>
+    <dgm:sp3d/>
+    <dgm:txPr/>
+    <dgm:style>
+      <a:lnRef idx="2">
+        <a:scrgbClr r="0" g="0" b="0"/>
+      </a:lnRef>
+      <a:fillRef idx="0">
+        <a:scrgbClr r="0" g="0" b="0"/>
+      </a:fillRef>
+      <a:effectRef idx="0">
+        <a:scrgbClr r="0" g="0" b="0"/>
+      </a:effectRef>
+      <a:fontRef idx="minor"/>
+    </dgm:style>
+  </dgm:styleLbl>
+  <dgm:styleLbl name="parChTrans1D3">
+    <dgm:scene3d>
+      <a:camera prst="orthographicFront"/>
+      <a:lightRig rig="threePt" dir="t"/>
+    </dgm:scene3d>
+    <dgm:sp3d/>
+    <dgm:txPr/>
+    <dgm:style>
+      <a:lnRef idx="2">
+        <a:scrgbClr r="0" g="0" b="0"/>
+      </a:lnRef>
+      <a:fillRef idx="0">
+        <a:scrgbClr r="0" g="0" b="0"/>
+      </a:fillRef>
+      <a:effectRef idx="0">
+        <a:scrgbClr r="0" g="0" b="0"/>
+      </a:effectRef>
+      <a:fontRef idx="minor"/>
+    </dgm:style>
+  </dgm:styleLbl>
+  <dgm:styleLbl name="parChTrans1D4">
+    <dgm:scene3d>
+      <a:camera prst="orthographicFront"/>
+      <a:lightRig rig="threePt" dir="t"/>
+    </dgm:scene3d>
+    <dgm:sp3d/>
+    <dgm:txPr/>
+    <dgm:style>
+      <a:lnRef idx="2">
+        <a:scrgbClr r="0" g="0" b="0"/>
+      </a:lnRef>
+      <a:fillRef idx="0">
+        <a:scrgbClr r="0" g="0" b="0"/>
+      </a:fillRef>
+      <a:effectRef idx="0">
+        <a:scrgbClr r="0" g="0" b="0"/>
+      </a:effectRef>
+      <a:fontRef idx="minor"/>
+    </dgm:style>
+  </dgm:styleLbl>
+  <dgm:styleLbl name="fgAcc1">
+    <dgm:scene3d>
+      <a:camera prst="orthographicFront"/>
+      <a:lightRig rig="threePt" dir="t"/>
+    </dgm:scene3d>
+    <dgm:sp3d/>
+    <dgm:txPr/>
+    <dgm:style>
+      <a:lnRef idx="2">
+        <a:scrgbClr r="0" g="0" b="0"/>
+      </a:lnRef>
+      <a:fillRef idx="1">
+        <a:scrgbClr r="0" g="0" b="0"/>
+      </a:fillRef>
+      <a:effectRef idx="0">
+        <a:scrgbClr r="0" g="0" b="0"/>
+      </a:effectRef>
+      <a:fontRef idx="minor"/>
+    </dgm:style>
+  </dgm:styleLbl>
+  <dgm:styleLbl name="conFgAcc1">
+    <dgm:scene3d>
+      <a:camera prst="orthographicFront"/>
+      <a:lightRig rig="threePt" dir="t"/>
+    </dgm:scene3d>
+    <dgm:sp3d/>
+    <dgm:txPr/>
+    <dgm:style>
+      <a:lnRef idx="2">
+        <a:scrgbClr r="0" g="0" b="0"/>
+      </a:lnRef>
+      <a:fillRef idx="1">
+        <a:scrgbClr r="0" g="0" b="0"/>
+      </a:fillRef>
+      <a:effectRef idx="0">
+        <a:scrgbClr r="0" g="0" b="0"/>
+      </a:effectRef>
+      <a:fontRef idx="minor"/>
+    </dgm:style>
+  </dgm:styleLbl>
+  <dgm:styleLbl name="alignAcc1">
+    <dgm:scene3d>
+      <a:camera prst="orthographicFront"/>
+      <a:lightRig rig="threePt" dir="t"/>
+    </dgm:scene3d>
+    <dgm:sp3d/>
+    <dgm:txPr/>
+    <dgm:style>
+      <a:lnRef idx="2">
+        <a:scrgbClr r="0" g="0" b="0"/>
+      </a:lnRef>
+      <a:fillRef idx="1">
+        <a:scrgbClr r="0" g="0" b="0"/>
+      </a:fillRef>
+      <a:effectRef idx="0">
+        <a:scrgbClr r="0" g="0" b="0"/>
+      </a:effectRef>
+      <a:fontRef idx="minor"/>
+    </dgm:style>
+  </dgm:styleLbl>
+  <dgm:styleLbl name="trAlignAcc1">
+    <dgm:scene3d>
+      <a:camera prst="orthographicFront"/>
+      <a:lightRig rig="threePt" dir="t"/>
+    </dgm:scene3d>
+    <dgm:sp3d/>
+    <dgm:txPr/>
+    <dgm:style>
+      <a:lnRef idx="1">
+        <a:scrgbClr r="0" g="0" b="0"/>
+      </a:lnRef>
+      <a:fillRef idx="1">
+        <a:scrgbClr r="0" g="0" b="0"/>
+      </a:fillRef>
+      <a:effectRef idx="0">
+        <a:scrgbClr r="0" g="0" b="0"/>
+      </a:effectRef>
+      <a:fontRef idx="minor"/>
+    </dgm:style>
+  </dgm:styleLbl>
+  <dgm:styleLbl name="bgAcc1">
+    <dgm:scene3d>
+      <a:camera prst="orthographicFront"/>
+      <a:lightRig rig="threePt" dir="t"/>
+    </dgm:scene3d>
+    <dgm:sp3d/>
+    <dgm:txPr/>
+    <dgm:style>
+      <a:lnRef idx="2">
+        <a:scrgbClr r="0" g="0" b="0"/>
+      </a:lnRef>
+      <a:fillRef idx="1">
+        <a:scrgbClr r="0" g="0" b="0"/>
+      </a:fillRef>
+      <a:effectRef idx="0">
+        <a:scrgbClr r="0" g="0" b="0"/>
+      </a:effectRef>
+      <a:fontRef idx="minor"/>
+    </dgm:style>
+  </dgm:styleLbl>
+  <dgm:styleLbl name="solidFgAcc1">
+    <dgm:scene3d>
+      <a:camera prst="orthographicFront"/>
+      <a:lightRig rig="threePt" dir="t"/>
+    </dgm:scene3d>
+    <dgm:sp3d/>
+    <dgm:txPr/>
+    <dgm:style>
+      <a:lnRef idx="2">
+        <a:scrgbClr r="0" g="0" b="0"/>
+      </a:lnRef>
+      <a:fillRef idx="1">
+        <a:scrgbClr r="0" g="0" b="0"/>
+      </a:fillRef>
+      <a:effectRef idx="0">
+        <a:scrgbClr r="0" g="0" b="0"/>
+      </a:effectRef>
+      <a:fontRef idx="minor"/>
+    </dgm:style>
+  </dgm:styleLbl>
+  <dgm:styleLbl name="solidAlignAcc1">
+    <dgm:scene3d>
+      <a:camera prst="orthographicFront"/>
+      <a:lightRig rig="threePt" dir="t"/>
+    </dgm:scene3d>
+    <dgm:sp3d/>
+    <dgm:txPr/>
+    <dgm:style>
+      <a:lnRef idx="2">
+        <a:scrgbClr r="0" g="0" b="0"/>
+      </a:lnRef>
+      <a:fillRef idx="1">
+        <a:scrgbClr r="0" g="0" b="0"/>
+      </a:fillRef>
+      <a:effectRef idx="0">
+        <a:scrgbClr r="0" g="0" b="0"/>
+      </a:effectRef>
+      <a:fontRef idx="minor"/>
+    </dgm:style>
+  </dgm:styleLbl>
+  <dgm:styleLbl name="solidBgAcc1">
+    <dgm:scene3d>
+      <a:camera prst="orthographicFront"/>
+      <a:lightRig rig="threePt" dir="t"/>
+    </dgm:scene3d>
+    <dgm:sp3d/>
+    <dgm:txPr/>
+    <dgm:style>
+      <a:lnRef idx="2">
+        <a:scrgbClr r="0" g="0" b="0"/>
+      </a:lnRef>
+      <a:fillRef idx="1">
+        <a:scrgbClr r="0" g="0" b="0"/>
+      </a:fillRef>
+      <a:effectRef idx="0">
+        <a:scrgbClr r="0" g="0" b="0"/>
+      </a:effectRef>
+      <a:fontRef idx="minor"/>
+    </dgm:style>
+  </dgm:styleLbl>
+  <dgm:styleLbl name="fgAccFollowNode1">
+    <dgm:scene3d>
+      <a:camera prst="orthographicFront"/>
+      <a:lightRig rig="threePt" dir="t"/>
+    </dgm:scene3d>
+    <dgm:sp3d/>
+    <dgm:txPr/>
+    <dgm:style>
+      <a:lnRef idx="2">
+        <a:scrgbClr r="0" g="0" b="0"/>
+      </a:lnRef>
+      <a:fillRef idx="1">
+        <a:scrgbClr r="0" g="0" b="0"/>
+      </a:fillRef>
+      <a:effectRef idx="0">
+        <a:scrgbClr r="0" g="0" b="0"/>
+      </a:effectRef>
+      <a:fontRef idx="minor"/>
+    </dgm:style>
+  </dgm:styleLbl>
+  <dgm:styleLbl name="alignAccFollowNode1">
+    <dgm:scene3d>
+      <a:camera prst="orthographicFront"/>
+      <a:lightRig rig="threePt" dir="t"/>
+    </dgm:scene3d>
+    <dgm:sp3d/>
+    <dgm:txPr/>
+    <dgm:style>
+      <a:lnRef idx="2">
+        <a:scrgbClr r="0" g="0" b="0"/>
+      </a:lnRef>
+      <a:fillRef idx="1">
+        <a:scrgbClr r="0" g="0" b="0"/>
+      </a:fillRef>
+      <a:effectRef idx="0">
+        <a:scrgbClr r="0" g="0" b="0"/>
+      </a:effectRef>
+      <a:fontRef idx="minor"/>
+    </dgm:style>
+  </dgm:styleLbl>
+  <dgm:styleLbl name="bgAccFollowNode1">
+    <dgm:scene3d>
+      <a:camera prst="orthographicFront"/>
+      <a:lightRig rig="threePt" dir="t"/>
+    </dgm:scene3d>
+    <dgm:sp3d/>
+    <dgm:txPr/>
+    <dgm:style>
+      <a:lnRef idx="2">
+        <a:scrgbClr r="0" g="0" b="0"/>
+      </a:lnRef>
+      <a:fillRef idx="1">
+        <a:scrgbClr r="0" g="0" b="0"/>
+      </a:fillRef>
+      <a:effectRef idx="0">
+        <a:scrgbClr r="0" g="0" b="0"/>
+      </a:effectRef>
+      <a:fontRef idx="minor"/>
+    </dgm:style>
+  </dgm:styleLbl>
+  <dgm:styleLbl name="fgAcc0">
+    <dgm:scene3d>
+      <a:camera prst="orthographicFront"/>
+      <a:lightRig rig="threePt" dir="t"/>
+    </dgm:scene3d>
+    <dgm:sp3d/>
+    <dgm:txPr/>
+    <dgm:style>
+      <a:lnRef idx="2">
+        <a:scrgbClr r="0" g="0" b="0"/>
+      </a:lnRef>
+      <a:fillRef idx="1">
+        <a:scrgbClr r="0" g="0" b="0"/>
+      </a:fillRef>
+      <a:effectRef idx="0">
+        <a:scrgbClr r="0" g="0" b="0"/>
+      </a:effectRef>
+      <a:fontRef idx="minor"/>
+    </dgm:style>
+  </dgm:styleLbl>
+  <dgm:styleLbl name="fgAcc2">
+    <dgm:scene3d>
+      <a:camera prst="orthographicFront"/>
+      <a:lightRig rig="threePt" dir="t"/>
+    </dgm:scene3d>
+    <dgm:sp3d/>
+    <dgm:txPr/>
+    <dgm:style>
+      <a:lnRef idx="2">
+        <a:scrgbClr r="0" g="0" b="0"/>
+      </a:lnRef>
+      <a:fillRef idx="1">
+        <a:scrgbClr r="0" g="0" b="0"/>
+      </a:fillRef>
+      <a:effectRef idx="0">
+        <a:scrgbClr r="0" g="0" b="0"/>
+      </a:effectRef>
+      <a:fontRef idx="minor"/>
+    </dgm:style>
+  </dgm:styleLbl>
+  <dgm:styleLbl name="fgAcc3">
+    <dgm:scene3d>
+      <a:camera prst="orthographicFront"/>
+      <a:lightRig rig="threePt" dir="t"/>
+    </dgm:scene3d>
+    <dgm:sp3d/>
+    <dgm:txPr/>
+    <dgm:style>
+      <a:lnRef idx="2">
+        <a:scrgbClr r="0" g="0" b="0"/>
+      </a:lnRef>
+      <a:fillRef idx="1">
+        <a:scrgbClr r="0" g="0" b="0"/>
+      </a:fillRef>
+      <a:effectRef idx="0">
+        <a:scrgbClr r="0" g="0" b="0"/>
+      </a:effectRef>
+      <a:fontRef idx="minor"/>
+    </dgm:style>
+  </dgm:styleLbl>
+  <dgm:styleLbl name="fgAcc4">
+    <dgm:scene3d>
+      <a:camera prst="orthographicFront"/>
+      <a:lightRig rig="threePt" dir="t"/>
+    </dgm:scene3d>
+    <dgm:sp3d/>
+    <dgm:txPr/>
+    <dgm:style>
+      <a:lnRef idx="2">
+        <a:scrgbClr r="0" g="0" b="0"/>
+      </a:lnRef>
+      <a:fillRef idx="1">
+        <a:scrgbClr r="0" g="0" b="0"/>
+      </a:fillRef>
+      <a:effectRef idx="0">
+        <a:scrgbClr r="0" g="0" b="0"/>
+      </a:effectRef>
+      <a:fontRef idx="minor"/>
+    </dgm:style>
+  </dgm:styleLbl>
+  <dgm:styleLbl name="bgShp">
+    <dgm:scene3d>
+      <a:camera prst="orthographicFront"/>
+      <a:lightRig rig="threePt" dir="t"/>
+    </dgm:scene3d>
+    <dgm:sp3d/>
+    <dgm:txPr/>
+    <dgm:style>
+      <a:lnRef idx="0">
+        <a:scrgbClr r="0" g="0" b="0"/>
+      </a:lnRef>
+      <a:fillRef idx="1">
+        <a:scrgbClr r="0" g="0" b="0"/>
+      </a:fillRef>
+      <a:effectRef idx="0">
+        <a:scrgbClr r="0" g="0" b="0"/>
+      </a:effectRef>
+      <a:fontRef idx="minor"/>
+    </dgm:style>
+  </dgm:styleLbl>
+  <dgm:styleLbl name="dkBgShp">
+    <dgm:scene3d>
+      <a:camera prst="orthographicFront"/>
+      <a:lightRig rig="threePt" dir="t"/>
+    </dgm:scene3d>
+    <dgm:sp3d/>
+    <dgm:txPr/>
+    <dgm:style>
+      <a:lnRef idx="0">
+        <a:scrgbClr r="0" g="0" b="0"/>
+      </a:lnRef>
+      <a:fillRef idx="1">
+        <a:scrgbClr r="0" g="0" b="0"/>
+      </a:fillRef>
+      <a:effectRef idx="0">
+        <a:scrgbClr r="0" g="0" b="0"/>
+      </a:effectRef>
+      <a:fontRef idx="minor"/>
+    </dgm:style>
+  </dgm:styleLbl>
+  <dgm:styleLbl name="trBgShp">
+    <dgm:scene3d>
+      <a:camera prst="orthographicFront"/>
+      <a:lightRig rig="threePt" dir="t"/>
+    </dgm:scene3d>
+    <dgm:sp3d/>
+    <dgm:txPr/>
+    <dgm:style>
+      <a:lnRef idx="0">
+        <a:scrgbClr r="0" g="0" b="0"/>
+      </a:lnRef>
+      <a:fillRef idx="1">
+        <a:scrgbClr r="0" g="0" b="0"/>
+      </a:fillRef>
+      <a:effectRef idx="0">
+        <a:scrgbClr r="0" g="0" b="0"/>
+      </a:effectRef>
+      <a:fontRef idx="minor"/>
+    </dgm:style>
+  </dgm:styleLbl>
+  <dgm:styleLbl name="fgShp">
+    <dgm:scene3d>
+      <a:camera prst="orthographicFront"/>
+      <a:lightRig rig="threePt" dir="t"/>
+    </dgm:scene3d>
+    <dgm:sp3d/>
+    <dgm:txPr/>
+    <dgm:style>
+      <a:lnRef idx="2">
+        <a:scrgbClr r="0" g="0" b="0"/>
+      </a:lnRef>
+      <a:fillRef idx="1">
+        <a:scrgbClr r="0" g="0" b="0"/>
+      </a:fillRef>
+      <a:effectRef idx="0">
         <a:scrgbClr r="0" g="0" b="0"/>
       </a:effectRef>
       <a:fontRef idx="minor"/>
@@ -3730,7 +9830,7 @@
           <a:p>
             <a:fld id="{C945864F-7955-44BB-8ECF-5884F2D0915A}" type="datetimeFigureOut">
               <a:rPr lang="en-US" smtClean="0"/>
-              <a:t>11/6/2017</a:t>
+              <a:t>11/10/2017</a:t>
             </a:fld>
             <a:endParaRPr lang="en-US"/>
           </a:p>
@@ -3928,7 +10028,7 @@
           <a:p>
             <a:fld id="{C945864F-7955-44BB-8ECF-5884F2D0915A}" type="datetimeFigureOut">
               <a:rPr lang="en-US" smtClean="0"/>
-              <a:t>11/6/2017</a:t>
+              <a:t>11/10/2017</a:t>
             </a:fld>
             <a:endParaRPr lang="en-US"/>
           </a:p>
@@ -4136,7 +10236,7 @@
           <a:p>
             <a:fld id="{C945864F-7955-44BB-8ECF-5884F2D0915A}" type="datetimeFigureOut">
               <a:rPr lang="en-US" smtClean="0"/>
-              <a:t>11/6/2017</a:t>
+              <a:t>11/10/2017</a:t>
             </a:fld>
             <a:endParaRPr lang="en-US"/>
           </a:p>
@@ -4334,7 +10434,7 @@
           <a:p>
             <a:fld id="{C945864F-7955-44BB-8ECF-5884F2D0915A}" type="datetimeFigureOut">
               <a:rPr lang="en-US" smtClean="0"/>
-              <a:t>11/6/2017</a:t>
+              <a:t>11/10/2017</a:t>
             </a:fld>
             <a:endParaRPr lang="en-US"/>
           </a:p>
@@ -4609,7 +10709,7 @@
           <a:p>
             <a:fld id="{C945864F-7955-44BB-8ECF-5884F2D0915A}" type="datetimeFigureOut">
               <a:rPr lang="en-US" smtClean="0"/>
-              <a:t>11/6/2017</a:t>
+              <a:t>11/10/2017</a:t>
             </a:fld>
             <a:endParaRPr lang="en-US"/>
           </a:p>
@@ -4874,7 +10974,7 @@
           <a:p>
             <a:fld id="{C945864F-7955-44BB-8ECF-5884F2D0915A}" type="datetimeFigureOut">
               <a:rPr lang="en-US" smtClean="0"/>
-              <a:t>11/6/2017</a:t>
+              <a:t>11/10/2017</a:t>
             </a:fld>
             <a:endParaRPr lang="en-US"/>
           </a:p>
@@ -5286,7 +11386,7 @@
           <a:p>
             <a:fld id="{C945864F-7955-44BB-8ECF-5884F2D0915A}" type="datetimeFigureOut">
               <a:rPr lang="en-US" smtClean="0"/>
-              <a:t>11/6/2017</a:t>
+              <a:t>11/10/2017</a:t>
             </a:fld>
             <a:endParaRPr lang="en-US"/>
           </a:p>
@@ -5427,7 +11527,7 @@
           <a:p>
             <a:fld id="{C945864F-7955-44BB-8ECF-5884F2D0915A}" type="datetimeFigureOut">
               <a:rPr lang="en-US" smtClean="0"/>
-              <a:t>11/6/2017</a:t>
+              <a:t>11/10/2017</a:t>
             </a:fld>
             <a:endParaRPr lang="en-US"/>
           </a:p>
@@ -5540,7 +11640,7 @@
           <a:p>
             <a:fld id="{C945864F-7955-44BB-8ECF-5884F2D0915A}" type="datetimeFigureOut">
               <a:rPr lang="en-US" smtClean="0"/>
-              <a:t>11/6/2017</a:t>
+              <a:t>11/10/2017</a:t>
             </a:fld>
             <a:endParaRPr lang="en-US"/>
           </a:p>
@@ -5851,7 +11951,7 @@
           <a:p>
             <a:fld id="{C945864F-7955-44BB-8ECF-5884F2D0915A}" type="datetimeFigureOut">
               <a:rPr lang="en-US" smtClean="0"/>
-              <a:t>11/6/2017</a:t>
+              <a:t>11/10/2017</a:t>
             </a:fld>
             <a:endParaRPr lang="en-US"/>
           </a:p>
@@ -6139,7 +12239,7 @@
           <a:p>
             <a:fld id="{C945864F-7955-44BB-8ECF-5884F2D0915A}" type="datetimeFigureOut">
               <a:rPr lang="en-US" smtClean="0"/>
-              <a:t>11/6/2017</a:t>
+              <a:t>11/10/2017</a:t>
             </a:fld>
             <a:endParaRPr lang="en-US"/>
           </a:p>
@@ -6380,7 +12480,7 @@
           <a:p>
             <a:fld id="{C945864F-7955-44BB-8ECF-5884F2D0915A}" type="datetimeFigureOut">
               <a:rPr lang="en-US" smtClean="0"/>
-              <a:t>11/6/2017</a:t>
+              <a:t>11/10/2017</a:t>
             </a:fld>
             <a:endParaRPr lang="en-US"/>
           </a:p>
@@ -7452,6 +13552,170 @@
 <file path=ppt/slides/slide10.xml><?xml version="1.0" encoding="utf-8"?>
 <p:sld xmlns:a="http://schemas.openxmlformats.org/drawingml/2006/main" xmlns:r="http://schemas.openxmlformats.org/officeDocument/2006/relationships" xmlns:p="http://schemas.openxmlformats.org/presentationml/2006/main">
   <p:cSld>
+    <p:bg>
+      <p:bgPr>
+        <a:solidFill>
+          <a:schemeClr val="bg1"/>
+        </a:solidFill>
+        <a:effectLst/>
+      </p:bgPr>
+    </p:bg>
+    <p:spTree>
+      <p:nvGrpSpPr>
+        <p:cNvPr id="1" name=""/>
+        <p:cNvGrpSpPr/>
+        <p:nvPr/>
+      </p:nvGrpSpPr>
+      <p:grpSpPr>
+        <a:xfrm>
+          <a:off x="0" y="0"/>
+          <a:ext cx="0" cy="0"/>
+          <a:chOff x="0" y="0"/>
+          <a:chExt cx="0" cy="0"/>
+        </a:xfrm>
+      </p:grpSpPr>
+      <p:sp>
+        <p:nvSpPr>
+          <p:cNvPr id="10" name="Rectangle 9">
+            <a:extLst>
+              <a:ext uri="{FF2B5EF4-FFF2-40B4-BE49-F238E27FC236}">
+                <a16:creationId xmlns:a16="http://schemas.microsoft.com/office/drawing/2014/main" id="{D7481200-3BB2-4CA3-9D54-1077F6F7653A}"/>
+              </a:ext>
+            </a:extLst>
+          </p:cNvPr>
+          <p:cNvSpPr>
+            <a:spLocks noGrp="1" noRot="1" noChangeAspect="1" noMove="1" noResize="1" noEditPoints="1" noAdjustHandles="1" noChangeArrowheads="1" noChangeShapeType="1" noTextEdit="1"/>
+          </p:cNvSpPr>
+          <p:nvPr>
+            <p:extLst>
+              <p:ext uri="{386F3935-93C4-4BCD-93E2-E3B085C9AB24}">
+                <p16:designElem xmlns:p16="http://schemas.microsoft.com/office/powerpoint/2015/main" val="1"/>
+              </p:ext>
+            </p:extLst>
+          </p:nvPr>
+        </p:nvSpPr>
+        <p:spPr>
+          <a:xfrm>
+            <a:off x="7555992" y="0"/>
+            <a:ext cx="4636008" cy="6858000"/>
+          </a:xfrm>
+          <a:prstGeom prst="rect">
+            <a:avLst/>
+          </a:prstGeom>
+          <a:solidFill>
+            <a:schemeClr val="bg2">
+              <a:lumMod val="50000"/>
+            </a:schemeClr>
+          </a:solidFill>
+          <a:ln>
+            <a:noFill/>
+          </a:ln>
+        </p:spPr>
+        <p:style>
+          <a:lnRef idx="2">
+            <a:schemeClr val="accent1">
+              <a:shade val="50000"/>
+            </a:schemeClr>
+          </a:lnRef>
+          <a:fillRef idx="1">
+            <a:schemeClr val="accent1"/>
+          </a:fillRef>
+          <a:effectRef idx="0">
+            <a:schemeClr val="accent1"/>
+          </a:effectRef>
+          <a:fontRef idx="minor">
+            <a:schemeClr val="lt1"/>
+          </a:fontRef>
+        </p:style>
+        <p:txBody>
+          <a:bodyPr rtlCol="0" anchor="ctr"/>
+          <a:lstStyle/>
+          <a:p>
+            <a:pPr algn="ctr"/>
+            <a:endParaRPr lang="en-US"/>
+          </a:p>
+        </p:txBody>
+      </p:sp>
+      <p:sp>
+        <p:nvSpPr>
+          <p:cNvPr id="2" name="Title 1">
+            <a:extLst>
+              <a:ext uri="{FF2B5EF4-FFF2-40B4-BE49-F238E27FC236}">
+                <a16:creationId xmlns:a16="http://schemas.microsoft.com/office/drawing/2014/main" id="{971876DA-5653-4A61-917F-3C40C07A8558}"/>
+              </a:ext>
+            </a:extLst>
+          </p:cNvPr>
+          <p:cNvSpPr>
+            <a:spLocks noGrp="1"/>
+          </p:cNvSpPr>
+          <p:nvPr>
+            <p:ph type="title"/>
+          </p:nvPr>
+        </p:nvSpPr>
+        <p:spPr>
+          <a:xfrm>
+            <a:off x="8199459" y="642938"/>
+            <a:ext cx="3670808" cy="5502264"/>
+          </a:xfrm>
+        </p:spPr>
+        <p:txBody>
+          <a:bodyPr>
+            <a:normAutofit/>
+          </a:bodyPr>
+          <a:lstStyle/>
+          <a:p>
+            <a:r>
+              <a:rPr lang="en-US" dirty="0">
+                <a:solidFill>
+                  <a:srgbClr val="FFFFFF"/>
+                </a:solidFill>
+              </a:rPr>
+              <a:t>Our Hidden Layers</a:t>
+            </a:r>
+          </a:p>
+        </p:txBody>
+      </p:sp>
+      <p:graphicFrame>
+        <p:nvGraphicFramePr>
+          <p:cNvPr id="5" name="Content Placeholder 2"/>
+          <p:cNvGraphicFramePr>
+            <a:graphicFrameLocks noGrp="1"/>
+          </p:cNvGraphicFramePr>
+          <p:nvPr>
+            <p:ph idx="1"/>
+            <p:extLst>
+              <p:ext uri="{D42A27DB-BD31-4B8C-83A1-F6EECF244321}">
+                <p14:modId xmlns:p14="http://schemas.microsoft.com/office/powerpoint/2010/main" val="2577121292"/>
+              </p:ext>
+            </p:extLst>
+          </p:nvPr>
+        </p:nvGraphicFramePr>
+        <p:xfrm>
+          <a:off x="642938" y="642938"/>
+          <a:ext cx="6269037" cy="5572125"/>
+        </p:xfrm>
+        <a:graphic>
+          <a:graphicData uri="http://schemas.openxmlformats.org/drawingml/2006/diagram">
+            <dgm:relIds xmlns:dgm="http://schemas.openxmlformats.org/drawingml/2006/diagram" xmlns:r="http://schemas.openxmlformats.org/officeDocument/2006/relationships" r:dm="rId2" r:lo="rId3" r:qs="rId4" r:cs="rId5"/>
+          </a:graphicData>
+        </a:graphic>
+      </p:graphicFrame>
+    </p:spTree>
+    <p:extLst>
+      <p:ext uri="{BB962C8B-B14F-4D97-AF65-F5344CB8AC3E}">
+        <p14:creationId xmlns:p14="http://schemas.microsoft.com/office/powerpoint/2010/main" val="1187722746"/>
+      </p:ext>
+    </p:extLst>
+  </p:cSld>
+  <p:clrMapOvr>
+    <a:masterClrMapping/>
+  </p:clrMapOvr>
+</p:sld>
+</file>
+
+<file path=ppt/slides/slide11.xml><?xml version="1.0" encoding="utf-8"?>
+<p:sld xmlns:a="http://schemas.openxmlformats.org/drawingml/2006/main" xmlns:r="http://schemas.openxmlformats.org/officeDocument/2006/relationships" xmlns:p="http://schemas.openxmlformats.org/presentationml/2006/main">
+  <p:cSld>
     <p:spTree>
       <p:nvGrpSpPr>
         <p:cNvPr id="1" name=""/>
@@ -7489,7 +13753,7 @@
           <a:p>
             <a:r>
               <a:rPr lang="en-US" dirty="0"/>
-              <a:t>First Layer</a:t>
+              <a:t>Convolutional First Layer</a:t>
             </a:r>
           </a:p>
         </p:txBody>
@@ -7515,7 +13779,28 @@
           <a:bodyPr/>
           <a:lstStyle/>
           <a:p>
-            <a:endParaRPr lang="en-US"/>
+            <a:r>
+              <a:rPr lang="en-US" dirty="0"/>
+              <a:t>Extracts 5x5-pixel </a:t>
+            </a:r>
+            <a:r>
+              <a:rPr lang="en-US" dirty="0" err="1"/>
+              <a:t>subregions</a:t>
+            </a:r>
+            <a:endParaRPr lang="en-US" dirty="0"/>
+          </a:p>
+          <a:p>
+            <a:endParaRPr lang="en-US" dirty="0"/>
+          </a:p>
+          <a:p>
+            <a:r>
+              <a:rPr lang="en-US" dirty="0" err="1"/>
+              <a:t>ReLU</a:t>
+            </a:r>
+            <a:r>
+              <a:rPr lang="en-US" dirty="0"/>
+              <a:t> Activation Function</a:t>
+            </a:r>
           </a:p>
         </p:txBody>
       </p:sp>
@@ -7532,7 +13817,7 @@
 </p:sld>
 </file>
 
-<file path=ppt/slides/slide11.xml><?xml version="1.0" encoding="utf-8"?>
+<file path=ppt/slides/slide12.xml><?xml version="1.0" encoding="utf-8"?>
 <p:sld xmlns:a="http://schemas.openxmlformats.org/drawingml/2006/main" xmlns:r="http://schemas.openxmlformats.org/officeDocument/2006/relationships" xmlns:p="http://schemas.openxmlformats.org/presentationml/2006/main">
   <p:cSld>
     <p:spTree>
@@ -7572,7 +13857,7 @@
           <a:p>
             <a:r>
               <a:rPr lang="en-US" dirty="0"/>
-              <a:t>Second Layer</a:t>
+              <a:t>Pooling Layer 1</a:t>
             </a:r>
           </a:p>
         </p:txBody>
@@ -7598,7 +13883,31 @@
           <a:bodyPr/>
           <a:lstStyle/>
           <a:p>
-            <a:endParaRPr lang="en-US"/>
+            <a:r>
+              <a:rPr lang="en-US" dirty="0"/>
+              <a:t>Performs Max Pooling</a:t>
+            </a:r>
+          </a:p>
+          <a:p>
+            <a:endParaRPr lang="en-US" dirty="0"/>
+          </a:p>
+          <a:p>
+            <a:r>
+              <a:rPr lang="en-US" dirty="0"/>
+              <a:t>2x2 Filter</a:t>
+            </a:r>
+          </a:p>
+          <a:p>
+            <a:endParaRPr lang="en-US" dirty="0"/>
+          </a:p>
+          <a:p>
+            <a:r>
+              <a:rPr lang="en-US" dirty="0"/>
+              <a:t>Stride of 2</a:t>
+            </a:r>
+          </a:p>
+          <a:p>
+            <a:endParaRPr lang="en-US" dirty="0"/>
           </a:p>
         </p:txBody>
       </p:sp>
@@ -7615,7 +13924,7 @@
 </p:sld>
 </file>
 
-<file path=ppt/slides/slide12.xml><?xml version="1.0" encoding="utf-8"?>
+<file path=ppt/slides/slide13.xml><?xml version="1.0" encoding="utf-8"?>
 <p:sld xmlns:a="http://schemas.openxmlformats.org/drawingml/2006/main" xmlns:r="http://schemas.openxmlformats.org/officeDocument/2006/relationships" xmlns:p="http://schemas.openxmlformats.org/presentationml/2006/main">
   <p:cSld>
     <p:spTree>
@@ -7655,7 +13964,7 @@
           <a:p>
             <a:r>
               <a:rPr lang="en-US" dirty="0"/>
-              <a:t>Third Layer</a:t>
+              <a:t>Convolutional Layer 2</a:t>
             </a:r>
           </a:p>
         </p:txBody>
@@ -7681,7 +13990,23 @@
           <a:bodyPr/>
           <a:lstStyle/>
           <a:p>
-            <a:endParaRPr lang="en-US"/>
+            <a:r>
+              <a:rPr lang="en-US" dirty="0"/>
+              <a:t>5x5 filters again</a:t>
+            </a:r>
+          </a:p>
+          <a:p>
+            <a:endParaRPr lang="en-US" dirty="0"/>
+          </a:p>
+          <a:p>
+            <a:r>
+              <a:rPr lang="en-US" dirty="0" err="1"/>
+              <a:t>ReLU</a:t>
+            </a:r>
+            <a:r>
+              <a:rPr lang="en-US" dirty="0"/>
+              <a:t> Activation Function</a:t>
+            </a:r>
           </a:p>
         </p:txBody>
       </p:sp>
@@ -7698,7 +14023,7 @@
 </p:sld>
 </file>
 
-<file path=ppt/slides/slide13.xml><?xml version="1.0" encoding="utf-8"?>
+<file path=ppt/slides/slide14.xml><?xml version="1.0" encoding="utf-8"?>
 <p:sld xmlns:a="http://schemas.openxmlformats.org/drawingml/2006/main" xmlns:r="http://schemas.openxmlformats.org/officeDocument/2006/relationships" xmlns:p="http://schemas.openxmlformats.org/presentationml/2006/main">
   <p:cSld>
     <p:spTree>
@@ -7738,7 +14063,7 @@
           <a:p>
             <a:r>
               <a:rPr lang="en-US" dirty="0"/>
-              <a:t>Fourth Layer</a:t>
+              <a:t>Pooling Layer 2</a:t>
             </a:r>
           </a:p>
         </p:txBody>
@@ -7764,7 +14089,28 @@
           <a:bodyPr/>
           <a:lstStyle/>
           <a:p>
-            <a:endParaRPr lang="en-US"/>
+            <a:r>
+              <a:rPr lang="en-US" dirty="0"/>
+              <a:t>Max Pooling</a:t>
+            </a:r>
+          </a:p>
+          <a:p>
+            <a:endParaRPr lang="en-US" dirty="0"/>
+          </a:p>
+          <a:p>
+            <a:r>
+              <a:rPr lang="en-US" dirty="0"/>
+              <a:t>2x2 Filter</a:t>
+            </a:r>
+          </a:p>
+          <a:p>
+            <a:endParaRPr lang="en-US" dirty="0"/>
+          </a:p>
+          <a:p>
+            <a:r>
+              <a:rPr lang="en-US" dirty="0"/>
+              <a:t>Stride of 2</a:t>
+            </a:r>
           </a:p>
         </p:txBody>
       </p:sp>
@@ -7781,7 +14127,7 @@
 </p:sld>
 </file>
 
-<file path=ppt/slides/slide14.xml><?xml version="1.0" encoding="utf-8"?>
+<file path=ppt/slides/slide15.xml><?xml version="1.0" encoding="utf-8"?>
 <p:sld xmlns:a="http://schemas.openxmlformats.org/drawingml/2006/main" xmlns:r="http://schemas.openxmlformats.org/officeDocument/2006/relationships" xmlns:p="http://schemas.openxmlformats.org/presentationml/2006/main">
   <p:cSld>
     <p:spTree>
@@ -7821,7 +14167,7 @@
           <a:p>
             <a:r>
               <a:rPr lang="en-US" dirty="0"/>
-              <a:t>Fifth Layer</a:t>
+              <a:t>Dense Layer 1</a:t>
             </a:r>
           </a:p>
         </p:txBody>
@@ -7847,7 +14193,33 @@
           <a:bodyPr/>
           <a:lstStyle/>
           <a:p>
-            <a:endParaRPr lang="en-US"/>
+            <a:r>
+              <a:rPr lang="en-US" dirty="0"/>
+              <a:t>1024 Neurons</a:t>
+            </a:r>
+          </a:p>
+          <a:p>
+            <a:pPr lvl="1"/>
+            <a:r>
+              <a:rPr lang="en-US" dirty="0"/>
+              <a:t>[Why?]</a:t>
+            </a:r>
+          </a:p>
+          <a:p>
+            <a:endParaRPr lang="en-US" dirty="0"/>
+          </a:p>
+          <a:p>
+            <a:r>
+              <a:rPr lang="en-US" dirty="0"/>
+              <a:t>Dropout Regularization Rate of 0.4</a:t>
+            </a:r>
+          </a:p>
+          <a:p>
+            <a:pPr lvl="1"/>
+            <a:r>
+              <a:rPr lang="en-US" dirty="0"/>
+              <a:t>[What this means]</a:t>
+            </a:r>
           </a:p>
         </p:txBody>
       </p:sp>
@@ -7864,7 +14236,7 @@
 </p:sld>
 </file>
 
-<file path=ppt/slides/slide15.xml><?xml version="1.0" encoding="utf-8"?>
+<file path=ppt/slides/slide16.xml><?xml version="1.0" encoding="utf-8"?>
 <p:sld xmlns:a="http://schemas.openxmlformats.org/drawingml/2006/main" xmlns:r="http://schemas.openxmlformats.org/officeDocument/2006/relationships" xmlns:p="http://schemas.openxmlformats.org/presentationml/2006/main">
   <p:cSld>
     <p:spTree>
@@ -7904,7 +14276,7 @@
           <a:p>
             <a:r>
               <a:rPr lang="en-US" dirty="0"/>
-              <a:t>Sixth Layer</a:t>
+              <a:t>Dense Layer 2</a:t>
             </a:r>
           </a:p>
         </p:txBody>
@@ -7930,7 +14302,17 @@
           <a:bodyPr/>
           <a:lstStyle/>
           <a:p>
-            <a:endParaRPr lang="en-US"/>
+            <a:r>
+              <a:rPr lang="en-US" dirty="0"/>
+              <a:t>62 Neurons</a:t>
+            </a:r>
+          </a:p>
+          <a:p>
+            <a:pPr lvl="1"/>
+            <a:r>
+              <a:rPr lang="en-US" dirty="0"/>
+              <a:t>One for each of the 62 Categories of Street Signs</a:t>
+            </a:r>
           </a:p>
         </p:txBody>
       </p:sp>
@@ -7947,7 +14329,7 @@
 </p:sld>
 </file>
 
-<file path=ppt/slides/slide16.xml><?xml version="1.0" encoding="utf-8"?>
+<file path=ppt/slides/slide17.xml><?xml version="1.0" encoding="utf-8"?>
 <p:sld xmlns:a="http://schemas.openxmlformats.org/drawingml/2006/main" xmlns:r="http://schemas.openxmlformats.org/officeDocument/2006/relationships" xmlns:p="http://schemas.openxmlformats.org/presentationml/2006/main">
   <p:cSld>
     <p:bg>
@@ -8625,7 +15007,7 @@
 </p:sld>
 </file>
 
-<file path=ppt/slides/slide17.xml><?xml version="1.0" encoding="utf-8"?>
+<file path=ppt/slides/slide18.xml><?xml version="1.0" encoding="utf-8"?>
 <p:sld xmlns:a="http://schemas.openxmlformats.org/drawingml/2006/main" xmlns:r="http://schemas.openxmlformats.org/officeDocument/2006/relationships" xmlns:p="http://schemas.openxmlformats.org/presentationml/2006/main">
   <p:cSld>
     <p:spTree>
@@ -10897,7 +17279,7 @@
           <p:cNvPr id="2" name="Title 1">
             <a:extLst>
               <a:ext uri="{FF2B5EF4-FFF2-40B4-BE49-F238E27FC236}">
-                <a16:creationId xmlns:a16="http://schemas.microsoft.com/office/drawing/2014/main" id="{DE30523D-88F5-4086-91E0-6A1A67FDB77C}"/>
+                <a16:creationId xmlns:a16="http://schemas.microsoft.com/office/drawing/2014/main" id="{D8A57106-89B4-4C8D-8013-9A2E4C858738}"/>
               </a:ext>
             </a:extLst>
           </p:cNvPr>
@@ -10908,15 +17290,21 @@
             <p:ph type="title"/>
           </p:nvPr>
         </p:nvSpPr>
-        <p:spPr/>
+        <p:spPr>
+          <a:xfrm>
+            <a:off x="838200" y="365125"/>
+            <a:ext cx="10515600" cy="1325563"/>
+          </a:xfrm>
+        </p:spPr>
         <p:txBody>
           <a:bodyPr/>
           <a:lstStyle/>
           <a:p>
             <a:r>
-              <a:rPr lang="en-US" dirty="0"/>
-              <a:t>Overview</a:t>
+              <a:rPr lang="en-US"/>
+              <a:t>Input Layer</a:t>
             </a:r>
+            <a:endParaRPr lang="en-US" dirty="0"/>
           </a:p>
         </p:txBody>
       </p:sp>
@@ -10925,7 +17313,7 @@
           <p:cNvPr id="3" name="Content Placeholder 2">
             <a:extLst>
               <a:ext uri="{FF2B5EF4-FFF2-40B4-BE49-F238E27FC236}">
-                <a16:creationId xmlns:a16="http://schemas.microsoft.com/office/drawing/2014/main" id="{FBD752B8-1D5A-4F31-A178-A1770E62CD8E}"/>
+                <a16:creationId xmlns:a16="http://schemas.microsoft.com/office/drawing/2014/main" id="{41E704F3-0265-4E41-AF1D-5D63380BEB32}"/>
               </a:ext>
             </a:extLst>
           </p:cNvPr>
@@ -10943,31 +17331,62 @@
           <a:p>
             <a:r>
               <a:rPr lang="en-US" dirty="0"/>
-              <a:t>Several Hidden Layers</a:t>
+              <a:t>Of the form:</a:t>
             </a:r>
           </a:p>
           <a:p>
+            <a:pPr lvl="1"/>
+            <a:r>
+              <a:rPr lang="en-US" dirty="0"/>
+              <a:t>[</a:t>
+            </a:r>
             <a:r>
               <a:rPr lang="en-US" dirty="0" err="1"/>
-              <a:t>ReLU</a:t>
+              <a:t>batch_size,image_width,image_height,channels</a:t>
             </a:r>
             <a:r>
               <a:rPr lang="en-US" dirty="0"/>
-              <a:t> Activation Function</a:t>
+              <a:t>]</a:t>
             </a:r>
           </a:p>
           <a:p>
-            <a:endParaRPr lang="en-US" dirty="0"/>
-          </a:p>
-          <a:p>
-            <a:endParaRPr lang="en-US" dirty="0"/>
+            <a:r>
+              <a:rPr lang="en-US" dirty="0"/>
+              <a:t>Our batch size was set up as -1</a:t>
+            </a:r>
+          </a:p>
+          <a:p>
+            <a:pPr lvl="1"/>
+            <a:r>
+              <a:rPr lang="en-US" dirty="0"/>
+              <a:t>Means we are dynamically computing our batch size</a:t>
+            </a:r>
+          </a:p>
+          <a:p>
+            <a:r>
+              <a:rPr lang="en-US" dirty="0"/>
+              <a:t>64x64-pixel images</a:t>
+            </a:r>
+          </a:p>
+          <a:p>
+            <a:r>
+              <a:rPr lang="en-US" dirty="0"/>
+              <a:t>RGB </a:t>
+            </a:r>
+          </a:p>
+          <a:p>
+            <a:pPr lvl="1"/>
+            <a:r>
+              <a:rPr lang="en-US" dirty="0"/>
+              <a:t>This means we need 3 color channels</a:t>
+            </a:r>
           </a:p>
         </p:txBody>
       </p:sp>
     </p:spTree>
     <p:extLst>
       <p:ext uri="{BB962C8B-B14F-4D97-AF65-F5344CB8AC3E}">
-        <p14:creationId xmlns:p14="http://schemas.microsoft.com/office/powerpoint/2010/main" val="671814931"/>
+        <p14:creationId xmlns:p14="http://schemas.microsoft.com/office/powerpoint/2010/main" val="2323484354"/>
       </p:ext>
     </p:extLst>
   </p:cSld>
@@ -10980,6 +17399,14 @@
 <file path=ppt/slides/slide9.xml><?xml version="1.0" encoding="utf-8"?>
 <p:sld xmlns:a="http://schemas.openxmlformats.org/drawingml/2006/main" xmlns:r="http://schemas.openxmlformats.org/officeDocument/2006/relationships" xmlns:p="http://schemas.openxmlformats.org/presentationml/2006/main">
   <p:cSld>
+    <p:bg>
+      <p:bgPr>
+        <a:solidFill>
+          <a:schemeClr val="bg1"/>
+        </a:solidFill>
+        <a:effectLst/>
+      </p:bgPr>
+    </p:bg>
     <p:spTree>
       <p:nvGrpSpPr>
         <p:cNvPr id="1" name=""/>
@@ -10996,6 +17423,68 @@
       </p:grpSpPr>
       <p:sp>
         <p:nvSpPr>
+          <p:cNvPr id="10" name="Rectangle 9">
+            <a:extLst>
+              <a:ext uri="{FF2B5EF4-FFF2-40B4-BE49-F238E27FC236}">
+                <a16:creationId xmlns:a16="http://schemas.microsoft.com/office/drawing/2014/main" id="{D7481200-3BB2-4CA3-9D54-1077F6F7653A}"/>
+              </a:ext>
+            </a:extLst>
+          </p:cNvPr>
+          <p:cNvSpPr>
+            <a:spLocks noGrp="1" noRot="1" noChangeAspect="1" noMove="1" noResize="1" noEditPoints="1" noAdjustHandles="1" noChangeArrowheads="1" noChangeShapeType="1" noTextEdit="1"/>
+          </p:cNvSpPr>
+          <p:nvPr>
+            <p:extLst>
+              <p:ext uri="{386F3935-93C4-4BCD-93E2-E3B085C9AB24}">
+                <p16:designElem xmlns:p16="http://schemas.microsoft.com/office/powerpoint/2015/main" val="1"/>
+              </p:ext>
+            </p:extLst>
+          </p:nvPr>
+        </p:nvSpPr>
+        <p:spPr>
+          <a:xfrm>
+            <a:off x="7555992" y="0"/>
+            <a:ext cx="4636008" cy="6858000"/>
+          </a:xfrm>
+          <a:prstGeom prst="rect">
+            <a:avLst/>
+          </a:prstGeom>
+          <a:solidFill>
+            <a:schemeClr val="bg2">
+              <a:lumMod val="50000"/>
+            </a:schemeClr>
+          </a:solidFill>
+          <a:ln>
+            <a:noFill/>
+          </a:ln>
+        </p:spPr>
+        <p:style>
+          <a:lnRef idx="2">
+            <a:schemeClr val="accent1">
+              <a:shade val="50000"/>
+            </a:schemeClr>
+          </a:lnRef>
+          <a:fillRef idx="1">
+            <a:schemeClr val="accent1"/>
+          </a:fillRef>
+          <a:effectRef idx="0">
+            <a:schemeClr val="accent1"/>
+          </a:effectRef>
+          <a:fontRef idx="minor">
+            <a:schemeClr val="lt1"/>
+          </a:fontRef>
+        </p:style>
+        <p:txBody>
+          <a:bodyPr rtlCol="0" anchor="ctr"/>
+          <a:lstStyle/>
+          <a:p>
+            <a:pPr algn="ctr"/>
+            <a:endParaRPr lang="en-US"/>
+          </a:p>
+        </p:txBody>
+      </p:sp>
+      <p:sp>
+        <p:nvSpPr>
           <p:cNvPr id="2" name="Title 1">
             <a:extLst>
               <a:ext uri="{FF2B5EF4-FFF2-40B4-BE49-F238E27FC236}">
@@ -11010,47 +17499,54 @@
             <p:ph type="title"/>
           </p:nvPr>
         </p:nvSpPr>
-        <p:spPr/>
+        <p:spPr>
+          <a:xfrm>
+            <a:off x="8199459" y="642938"/>
+            <a:ext cx="3670808" cy="5502264"/>
+          </a:xfrm>
+        </p:spPr>
         <p:txBody>
-          <a:bodyPr/>
+          <a:bodyPr>
+            <a:normAutofit/>
+          </a:bodyPr>
           <a:lstStyle/>
           <a:p>
             <a:r>
-              <a:rPr lang="en-US" dirty="0" err="1"/>
-              <a:t>ReLU</a:t>
-            </a:r>
-            <a:r>
-              <a:rPr lang="en-US" dirty="0"/>
-              <a:t> Activation Function</a:t>
+              <a:rPr lang="en-US">
+                <a:solidFill>
+                  <a:srgbClr val="FFFFFF"/>
+                </a:solidFill>
+              </a:rPr>
+              <a:t>ReLU Activation Function</a:t>
             </a:r>
           </a:p>
         </p:txBody>
       </p:sp>
-      <p:sp>
-        <p:nvSpPr>
-          <p:cNvPr id="3" name="Content Placeholder 2">
-            <a:extLst>
-              <a:ext uri="{FF2B5EF4-FFF2-40B4-BE49-F238E27FC236}">
-                <a16:creationId xmlns:a16="http://schemas.microsoft.com/office/drawing/2014/main" id="{189588B7-9E13-42D6-86CE-F76822F84DB2}"/>
-              </a:ext>
-            </a:extLst>
-          </p:cNvPr>
-          <p:cNvSpPr>
-            <a:spLocks noGrp="1"/>
-          </p:cNvSpPr>
+      <p:graphicFrame>
+        <p:nvGraphicFramePr>
+          <p:cNvPr id="5" name="Content Placeholder 2"/>
+          <p:cNvGraphicFramePr>
+            <a:graphicFrameLocks noGrp="1"/>
+          </p:cNvGraphicFramePr>
           <p:nvPr>
             <p:ph idx="1"/>
+            <p:extLst>
+              <p:ext uri="{D42A27DB-BD31-4B8C-83A1-F6EECF244321}">
+                <p14:modId xmlns:p14="http://schemas.microsoft.com/office/powerpoint/2010/main" val="2128253224"/>
+              </p:ext>
+            </p:extLst>
           </p:nvPr>
-        </p:nvSpPr>
-        <p:spPr/>
-        <p:txBody>
-          <a:bodyPr/>
-          <a:lstStyle/>
-          <a:p>
-            <a:endParaRPr lang="en-US"/>
-          </a:p>
-        </p:txBody>
-      </p:sp>
+        </p:nvGraphicFramePr>
+        <p:xfrm>
+          <a:off x="642938" y="642938"/>
+          <a:ext cx="6269037" cy="5572125"/>
+        </p:xfrm>
+        <a:graphic>
+          <a:graphicData uri="http://schemas.openxmlformats.org/drawingml/2006/diagram">
+            <dgm:relIds xmlns:dgm="http://schemas.openxmlformats.org/drawingml/2006/diagram" xmlns:r="http://schemas.openxmlformats.org/officeDocument/2006/relationships" r:dm="rId2" r:lo="rId3" r:qs="rId4" r:cs="rId5"/>
+          </a:graphicData>
+        </a:graphic>
+      </p:graphicFrame>
     </p:spTree>
     <p:extLst>
       <p:ext uri="{BB962C8B-B14F-4D97-AF65-F5344CB8AC3E}">

--- a/RIPMazeRunner.pptx
+++ b/RIPMazeRunner.pptx
@@ -11,18 +11,20 @@
     <p:sldId id="259" r:id="rId5"/>
     <p:sldId id="270" r:id="rId6"/>
     <p:sldId id="271" r:id="rId7"/>
-    <p:sldId id="260" r:id="rId8"/>
-    <p:sldId id="275" r:id="rId9"/>
-    <p:sldId id="268" r:id="rId10"/>
-    <p:sldId id="274" r:id="rId11"/>
-    <p:sldId id="262" r:id="rId12"/>
-    <p:sldId id="263" r:id="rId13"/>
-    <p:sldId id="264" r:id="rId14"/>
-    <p:sldId id="265" r:id="rId15"/>
-    <p:sldId id="266" r:id="rId16"/>
-    <p:sldId id="267" r:id="rId17"/>
-    <p:sldId id="272" r:id="rId18"/>
-    <p:sldId id="273" r:id="rId19"/>
+    <p:sldId id="276" r:id="rId8"/>
+    <p:sldId id="277" r:id="rId9"/>
+    <p:sldId id="260" r:id="rId10"/>
+    <p:sldId id="275" r:id="rId11"/>
+    <p:sldId id="268" r:id="rId12"/>
+    <p:sldId id="274" r:id="rId13"/>
+    <p:sldId id="262" r:id="rId14"/>
+    <p:sldId id="263" r:id="rId15"/>
+    <p:sldId id="264" r:id="rId16"/>
+    <p:sldId id="265" r:id="rId17"/>
+    <p:sldId id="266" r:id="rId18"/>
+    <p:sldId id="267" r:id="rId19"/>
+    <p:sldId id="272" r:id="rId20"/>
+    <p:sldId id="273" r:id="rId21"/>
   </p:sldIdLst>
   <p:sldSz cx="12192000" cy="6858000"/>
   <p:notesSz cx="6858000" cy="9144000"/>
@@ -9830,7 +9832,7 @@
           <a:p>
             <a:fld id="{C945864F-7955-44BB-8ECF-5884F2D0915A}" type="datetimeFigureOut">
               <a:rPr lang="en-US" smtClean="0"/>
-              <a:t>11/10/2017</a:t>
+              <a:t>11/15/2017</a:t>
             </a:fld>
             <a:endParaRPr lang="en-US"/>
           </a:p>
@@ -10028,7 +10030,7 @@
           <a:p>
             <a:fld id="{C945864F-7955-44BB-8ECF-5884F2D0915A}" type="datetimeFigureOut">
               <a:rPr lang="en-US" smtClean="0"/>
-              <a:t>11/10/2017</a:t>
+              <a:t>11/15/2017</a:t>
             </a:fld>
             <a:endParaRPr lang="en-US"/>
           </a:p>
@@ -10236,7 +10238,7 @@
           <a:p>
             <a:fld id="{C945864F-7955-44BB-8ECF-5884F2D0915A}" type="datetimeFigureOut">
               <a:rPr lang="en-US" smtClean="0"/>
-              <a:t>11/10/2017</a:t>
+              <a:t>11/15/2017</a:t>
             </a:fld>
             <a:endParaRPr lang="en-US"/>
           </a:p>
@@ -10434,7 +10436,7 @@
           <a:p>
             <a:fld id="{C945864F-7955-44BB-8ECF-5884F2D0915A}" type="datetimeFigureOut">
               <a:rPr lang="en-US" smtClean="0"/>
-              <a:t>11/10/2017</a:t>
+              <a:t>11/15/2017</a:t>
             </a:fld>
             <a:endParaRPr lang="en-US"/>
           </a:p>
@@ -10709,7 +10711,7 @@
           <a:p>
             <a:fld id="{C945864F-7955-44BB-8ECF-5884F2D0915A}" type="datetimeFigureOut">
               <a:rPr lang="en-US" smtClean="0"/>
-              <a:t>11/10/2017</a:t>
+              <a:t>11/15/2017</a:t>
             </a:fld>
             <a:endParaRPr lang="en-US"/>
           </a:p>
@@ -10974,7 +10976,7 @@
           <a:p>
             <a:fld id="{C945864F-7955-44BB-8ECF-5884F2D0915A}" type="datetimeFigureOut">
               <a:rPr lang="en-US" smtClean="0"/>
-              <a:t>11/10/2017</a:t>
+              <a:t>11/15/2017</a:t>
             </a:fld>
             <a:endParaRPr lang="en-US"/>
           </a:p>
@@ -11386,7 +11388,7 @@
           <a:p>
             <a:fld id="{C945864F-7955-44BB-8ECF-5884F2D0915A}" type="datetimeFigureOut">
               <a:rPr lang="en-US" smtClean="0"/>
-              <a:t>11/10/2017</a:t>
+              <a:t>11/15/2017</a:t>
             </a:fld>
             <a:endParaRPr lang="en-US"/>
           </a:p>
@@ -11527,7 +11529,7 @@
           <a:p>
             <a:fld id="{C945864F-7955-44BB-8ECF-5884F2D0915A}" type="datetimeFigureOut">
               <a:rPr lang="en-US" smtClean="0"/>
-              <a:t>11/10/2017</a:t>
+              <a:t>11/15/2017</a:t>
             </a:fld>
             <a:endParaRPr lang="en-US"/>
           </a:p>
@@ -11640,7 +11642,7 @@
           <a:p>
             <a:fld id="{C945864F-7955-44BB-8ECF-5884F2D0915A}" type="datetimeFigureOut">
               <a:rPr lang="en-US" smtClean="0"/>
-              <a:t>11/10/2017</a:t>
+              <a:t>11/15/2017</a:t>
             </a:fld>
             <a:endParaRPr lang="en-US"/>
           </a:p>
@@ -11951,7 +11953,7 @@
           <a:p>
             <a:fld id="{C945864F-7955-44BB-8ECF-5884F2D0915A}" type="datetimeFigureOut">
               <a:rPr lang="en-US" smtClean="0"/>
-              <a:t>11/10/2017</a:t>
+              <a:t>11/15/2017</a:t>
             </a:fld>
             <a:endParaRPr lang="en-US"/>
           </a:p>
@@ -12239,7 +12241,7 @@
           <a:p>
             <a:fld id="{C945864F-7955-44BB-8ECF-5884F2D0915A}" type="datetimeFigureOut">
               <a:rPr lang="en-US" smtClean="0"/>
-              <a:t>11/10/2017</a:t>
+              <a:t>11/15/2017</a:t>
             </a:fld>
             <a:endParaRPr lang="en-US"/>
           </a:p>
@@ -12480,7 +12482,7 @@
           <a:p>
             <a:fld id="{C945864F-7955-44BB-8ECF-5884F2D0915A}" type="datetimeFigureOut">
               <a:rPr lang="en-US" smtClean="0"/>
-              <a:t>11/10/2017</a:t>
+              <a:t>11/15/2017</a:t>
             </a:fld>
             <a:endParaRPr lang="en-US"/>
           </a:p>
@@ -13552,6 +13554,145 @@
 <file path=ppt/slides/slide10.xml><?xml version="1.0" encoding="utf-8"?>
 <p:sld xmlns:a="http://schemas.openxmlformats.org/drawingml/2006/main" xmlns:r="http://schemas.openxmlformats.org/officeDocument/2006/relationships" xmlns:p="http://schemas.openxmlformats.org/presentationml/2006/main">
   <p:cSld>
+    <p:spTree>
+      <p:nvGrpSpPr>
+        <p:cNvPr id="1" name=""/>
+        <p:cNvGrpSpPr/>
+        <p:nvPr/>
+      </p:nvGrpSpPr>
+      <p:grpSpPr>
+        <a:xfrm>
+          <a:off x="0" y="0"/>
+          <a:ext cx="0" cy="0"/>
+          <a:chOff x="0" y="0"/>
+          <a:chExt cx="0" cy="0"/>
+        </a:xfrm>
+      </p:grpSpPr>
+      <p:sp>
+        <p:nvSpPr>
+          <p:cNvPr id="2" name="Title 1">
+            <a:extLst>
+              <a:ext uri="{FF2B5EF4-FFF2-40B4-BE49-F238E27FC236}">
+                <a16:creationId xmlns:a16="http://schemas.microsoft.com/office/drawing/2014/main" id="{D8A57106-89B4-4C8D-8013-9A2E4C858738}"/>
+              </a:ext>
+            </a:extLst>
+          </p:cNvPr>
+          <p:cNvSpPr>
+            <a:spLocks noGrp="1"/>
+          </p:cNvSpPr>
+          <p:nvPr>
+            <p:ph type="title"/>
+          </p:nvPr>
+        </p:nvSpPr>
+        <p:spPr>
+          <a:xfrm>
+            <a:off x="838200" y="365125"/>
+            <a:ext cx="10515600" cy="1325563"/>
+          </a:xfrm>
+        </p:spPr>
+        <p:txBody>
+          <a:bodyPr/>
+          <a:lstStyle/>
+          <a:p>
+            <a:r>
+              <a:rPr lang="en-US"/>
+              <a:t>Input Layer</a:t>
+            </a:r>
+            <a:endParaRPr lang="en-US" dirty="0"/>
+          </a:p>
+        </p:txBody>
+      </p:sp>
+      <p:sp>
+        <p:nvSpPr>
+          <p:cNvPr id="3" name="Content Placeholder 2">
+            <a:extLst>
+              <a:ext uri="{FF2B5EF4-FFF2-40B4-BE49-F238E27FC236}">
+                <a16:creationId xmlns:a16="http://schemas.microsoft.com/office/drawing/2014/main" id="{41E704F3-0265-4E41-AF1D-5D63380BEB32}"/>
+              </a:ext>
+            </a:extLst>
+          </p:cNvPr>
+          <p:cNvSpPr>
+            <a:spLocks noGrp="1"/>
+          </p:cNvSpPr>
+          <p:nvPr>
+            <p:ph idx="1"/>
+          </p:nvPr>
+        </p:nvSpPr>
+        <p:spPr/>
+        <p:txBody>
+          <a:bodyPr/>
+          <a:lstStyle/>
+          <a:p>
+            <a:r>
+              <a:rPr lang="en-US" dirty="0"/>
+              <a:t>Of the form:</a:t>
+            </a:r>
+          </a:p>
+          <a:p>
+            <a:pPr lvl="1"/>
+            <a:r>
+              <a:rPr lang="en-US" dirty="0"/>
+              <a:t>[</a:t>
+            </a:r>
+            <a:r>
+              <a:rPr lang="en-US" dirty="0" err="1"/>
+              <a:t>batch_size,image_width,image_height,channels</a:t>
+            </a:r>
+            <a:r>
+              <a:rPr lang="en-US" dirty="0"/>
+              <a:t>]</a:t>
+            </a:r>
+          </a:p>
+          <a:p>
+            <a:r>
+              <a:rPr lang="en-US" dirty="0"/>
+              <a:t>Our batch size was set up as -1</a:t>
+            </a:r>
+          </a:p>
+          <a:p>
+            <a:pPr lvl="1"/>
+            <a:r>
+              <a:rPr lang="en-US" dirty="0"/>
+              <a:t>Means we are dynamically computing our batch size</a:t>
+            </a:r>
+          </a:p>
+          <a:p>
+            <a:r>
+              <a:rPr lang="en-US" dirty="0"/>
+              <a:t>64x64-pixel images</a:t>
+            </a:r>
+          </a:p>
+          <a:p>
+            <a:r>
+              <a:rPr lang="en-US" dirty="0"/>
+              <a:t>RGB </a:t>
+            </a:r>
+          </a:p>
+          <a:p>
+            <a:pPr lvl="1"/>
+            <a:r>
+              <a:rPr lang="en-US" dirty="0"/>
+              <a:t>This means we need 3 color channels</a:t>
+            </a:r>
+          </a:p>
+        </p:txBody>
+      </p:sp>
+    </p:spTree>
+    <p:extLst>
+      <p:ext uri="{BB962C8B-B14F-4D97-AF65-F5344CB8AC3E}">
+        <p14:creationId xmlns:p14="http://schemas.microsoft.com/office/powerpoint/2010/main" val="2323484354"/>
+      </p:ext>
+    </p:extLst>
+  </p:cSld>
+  <p:clrMapOvr>
+    <a:masterClrMapping/>
+  </p:clrMapOvr>
+</p:sld>
+</file>
+
+<file path=ppt/slides/slide11.xml><?xml version="1.0" encoding="utf-8"?>
+<p:sld xmlns:a="http://schemas.openxmlformats.org/drawingml/2006/main" xmlns:r="http://schemas.openxmlformats.org/officeDocument/2006/relationships" xmlns:p="http://schemas.openxmlformats.org/presentationml/2006/main">
+  <p:cSld>
     <p:bg>
       <p:bgPr>
         <a:solidFill>
@@ -13641,6 +13782,170 @@
           <p:cNvPr id="2" name="Title 1">
             <a:extLst>
               <a:ext uri="{FF2B5EF4-FFF2-40B4-BE49-F238E27FC236}">
+                <a16:creationId xmlns:a16="http://schemas.microsoft.com/office/drawing/2014/main" id="{F467BB89-58D6-4400-B477-11200DCFF7CF}"/>
+              </a:ext>
+            </a:extLst>
+          </p:cNvPr>
+          <p:cNvSpPr>
+            <a:spLocks noGrp="1"/>
+          </p:cNvSpPr>
+          <p:nvPr>
+            <p:ph type="title"/>
+          </p:nvPr>
+        </p:nvSpPr>
+        <p:spPr>
+          <a:xfrm>
+            <a:off x="8199459" y="642938"/>
+            <a:ext cx="3670808" cy="5502264"/>
+          </a:xfrm>
+        </p:spPr>
+        <p:txBody>
+          <a:bodyPr>
+            <a:normAutofit/>
+          </a:bodyPr>
+          <a:lstStyle/>
+          <a:p>
+            <a:r>
+              <a:rPr lang="en-US">
+                <a:solidFill>
+                  <a:srgbClr val="FFFFFF"/>
+                </a:solidFill>
+              </a:rPr>
+              <a:t>ReLU Activation Function</a:t>
+            </a:r>
+          </a:p>
+        </p:txBody>
+      </p:sp>
+      <p:graphicFrame>
+        <p:nvGraphicFramePr>
+          <p:cNvPr id="5" name="Content Placeholder 2"/>
+          <p:cNvGraphicFramePr>
+            <a:graphicFrameLocks noGrp="1"/>
+          </p:cNvGraphicFramePr>
+          <p:nvPr>
+            <p:ph idx="1"/>
+            <p:extLst>
+              <p:ext uri="{D42A27DB-BD31-4B8C-83A1-F6EECF244321}">
+                <p14:modId xmlns:p14="http://schemas.microsoft.com/office/powerpoint/2010/main" val="2128253224"/>
+              </p:ext>
+            </p:extLst>
+          </p:nvPr>
+        </p:nvGraphicFramePr>
+        <p:xfrm>
+          <a:off x="642938" y="642938"/>
+          <a:ext cx="6269037" cy="5572125"/>
+        </p:xfrm>
+        <a:graphic>
+          <a:graphicData uri="http://schemas.openxmlformats.org/drawingml/2006/diagram">
+            <dgm:relIds xmlns:dgm="http://schemas.openxmlformats.org/drawingml/2006/diagram" xmlns:r="http://schemas.openxmlformats.org/officeDocument/2006/relationships" r:dm="rId2" r:lo="rId3" r:qs="rId4" r:cs="rId5"/>
+          </a:graphicData>
+        </a:graphic>
+      </p:graphicFrame>
+    </p:spTree>
+    <p:extLst>
+      <p:ext uri="{BB962C8B-B14F-4D97-AF65-F5344CB8AC3E}">
+        <p14:creationId xmlns:p14="http://schemas.microsoft.com/office/powerpoint/2010/main" val="1118698132"/>
+      </p:ext>
+    </p:extLst>
+  </p:cSld>
+  <p:clrMapOvr>
+    <a:masterClrMapping/>
+  </p:clrMapOvr>
+</p:sld>
+</file>
+
+<file path=ppt/slides/slide12.xml><?xml version="1.0" encoding="utf-8"?>
+<p:sld xmlns:a="http://schemas.openxmlformats.org/drawingml/2006/main" xmlns:r="http://schemas.openxmlformats.org/officeDocument/2006/relationships" xmlns:p="http://schemas.openxmlformats.org/presentationml/2006/main">
+  <p:cSld>
+    <p:bg>
+      <p:bgPr>
+        <a:solidFill>
+          <a:schemeClr val="bg1"/>
+        </a:solidFill>
+        <a:effectLst/>
+      </p:bgPr>
+    </p:bg>
+    <p:spTree>
+      <p:nvGrpSpPr>
+        <p:cNvPr id="1" name=""/>
+        <p:cNvGrpSpPr/>
+        <p:nvPr/>
+      </p:nvGrpSpPr>
+      <p:grpSpPr>
+        <a:xfrm>
+          <a:off x="0" y="0"/>
+          <a:ext cx="0" cy="0"/>
+          <a:chOff x="0" y="0"/>
+          <a:chExt cx="0" cy="0"/>
+        </a:xfrm>
+      </p:grpSpPr>
+      <p:sp>
+        <p:nvSpPr>
+          <p:cNvPr id="10" name="Rectangle 9">
+            <a:extLst>
+              <a:ext uri="{FF2B5EF4-FFF2-40B4-BE49-F238E27FC236}">
+                <a16:creationId xmlns:a16="http://schemas.microsoft.com/office/drawing/2014/main" id="{D7481200-3BB2-4CA3-9D54-1077F6F7653A}"/>
+              </a:ext>
+            </a:extLst>
+          </p:cNvPr>
+          <p:cNvSpPr>
+            <a:spLocks noGrp="1" noRot="1" noChangeAspect="1" noMove="1" noResize="1" noEditPoints="1" noAdjustHandles="1" noChangeArrowheads="1" noChangeShapeType="1" noTextEdit="1"/>
+          </p:cNvSpPr>
+          <p:nvPr>
+            <p:extLst>
+              <p:ext uri="{386F3935-93C4-4BCD-93E2-E3B085C9AB24}">
+                <p16:designElem xmlns:p16="http://schemas.microsoft.com/office/powerpoint/2015/main" val="1"/>
+              </p:ext>
+            </p:extLst>
+          </p:nvPr>
+        </p:nvSpPr>
+        <p:spPr>
+          <a:xfrm>
+            <a:off x="7555992" y="0"/>
+            <a:ext cx="4636008" cy="6858000"/>
+          </a:xfrm>
+          <a:prstGeom prst="rect">
+            <a:avLst/>
+          </a:prstGeom>
+          <a:solidFill>
+            <a:schemeClr val="bg2">
+              <a:lumMod val="50000"/>
+            </a:schemeClr>
+          </a:solidFill>
+          <a:ln>
+            <a:noFill/>
+          </a:ln>
+        </p:spPr>
+        <p:style>
+          <a:lnRef idx="2">
+            <a:schemeClr val="accent1">
+              <a:shade val="50000"/>
+            </a:schemeClr>
+          </a:lnRef>
+          <a:fillRef idx="1">
+            <a:schemeClr val="accent1"/>
+          </a:fillRef>
+          <a:effectRef idx="0">
+            <a:schemeClr val="accent1"/>
+          </a:effectRef>
+          <a:fontRef idx="minor">
+            <a:schemeClr val="lt1"/>
+          </a:fontRef>
+        </p:style>
+        <p:txBody>
+          <a:bodyPr rtlCol="0" anchor="ctr"/>
+          <a:lstStyle/>
+          <a:p>
+            <a:pPr algn="ctr"/>
+            <a:endParaRPr lang="en-US"/>
+          </a:p>
+        </p:txBody>
+      </p:sp>
+      <p:sp>
+        <p:nvSpPr>
+          <p:cNvPr id="2" name="Title 1">
+            <a:extLst>
+              <a:ext uri="{FF2B5EF4-FFF2-40B4-BE49-F238E27FC236}">
                 <a16:creationId xmlns:a16="http://schemas.microsoft.com/office/drawing/2014/main" id="{971876DA-5653-4A61-917F-3C40C07A8558}"/>
               </a:ext>
             </a:extLst>
@@ -13713,7 +14018,7 @@
 </p:sld>
 </file>
 
-<file path=ppt/slides/slide11.xml><?xml version="1.0" encoding="utf-8"?>
+<file path=ppt/slides/slide13.xml><?xml version="1.0" encoding="utf-8"?>
 <p:sld xmlns:a="http://schemas.openxmlformats.org/drawingml/2006/main" xmlns:r="http://schemas.openxmlformats.org/officeDocument/2006/relationships" xmlns:p="http://schemas.openxmlformats.org/presentationml/2006/main">
   <p:cSld>
     <p:spTree>
@@ -13817,7 +14122,7 @@
 </p:sld>
 </file>
 
-<file path=ppt/slides/slide12.xml><?xml version="1.0" encoding="utf-8"?>
+<file path=ppt/slides/slide14.xml><?xml version="1.0" encoding="utf-8"?>
 <p:sld xmlns:a="http://schemas.openxmlformats.org/drawingml/2006/main" xmlns:r="http://schemas.openxmlformats.org/officeDocument/2006/relationships" xmlns:p="http://schemas.openxmlformats.org/presentationml/2006/main">
   <p:cSld>
     <p:spTree>
@@ -13924,7 +14229,7 @@
 </p:sld>
 </file>
 
-<file path=ppt/slides/slide13.xml><?xml version="1.0" encoding="utf-8"?>
+<file path=ppt/slides/slide15.xml><?xml version="1.0" encoding="utf-8"?>
 <p:sld xmlns:a="http://schemas.openxmlformats.org/drawingml/2006/main" xmlns:r="http://schemas.openxmlformats.org/officeDocument/2006/relationships" xmlns:p="http://schemas.openxmlformats.org/presentationml/2006/main">
   <p:cSld>
     <p:spTree>
@@ -14023,7 +14328,7 @@
 </p:sld>
 </file>
 
-<file path=ppt/slides/slide14.xml><?xml version="1.0" encoding="utf-8"?>
+<file path=ppt/slides/slide16.xml><?xml version="1.0" encoding="utf-8"?>
 <p:sld xmlns:a="http://schemas.openxmlformats.org/drawingml/2006/main" xmlns:r="http://schemas.openxmlformats.org/officeDocument/2006/relationships" xmlns:p="http://schemas.openxmlformats.org/presentationml/2006/main">
   <p:cSld>
     <p:spTree>
@@ -14127,7 +14432,7 @@
 </p:sld>
 </file>
 
-<file path=ppt/slides/slide15.xml><?xml version="1.0" encoding="utf-8"?>
+<file path=ppt/slides/slide17.xml><?xml version="1.0" encoding="utf-8"?>
 <p:sld xmlns:a="http://schemas.openxmlformats.org/drawingml/2006/main" xmlns:r="http://schemas.openxmlformats.org/officeDocument/2006/relationships" xmlns:p="http://schemas.openxmlformats.org/presentationml/2006/main">
   <p:cSld>
     <p:spTree>
@@ -14236,7 +14541,7 @@
 </p:sld>
 </file>
 
-<file path=ppt/slides/slide16.xml><?xml version="1.0" encoding="utf-8"?>
+<file path=ppt/slides/slide18.xml><?xml version="1.0" encoding="utf-8"?>
 <p:sld xmlns:a="http://schemas.openxmlformats.org/drawingml/2006/main" xmlns:r="http://schemas.openxmlformats.org/officeDocument/2006/relationships" xmlns:p="http://schemas.openxmlformats.org/presentationml/2006/main">
   <p:cSld>
     <p:spTree>
@@ -14329,7 +14634,7 @@
 </p:sld>
 </file>
 
-<file path=ppt/slides/slide17.xml><?xml version="1.0" encoding="utf-8"?>
+<file path=ppt/slides/slide19.xml><?xml version="1.0" encoding="utf-8"?>
 <p:sld xmlns:a="http://schemas.openxmlformats.org/drawingml/2006/main" xmlns:r="http://schemas.openxmlformats.org/officeDocument/2006/relationships" xmlns:p="http://schemas.openxmlformats.org/presentationml/2006/main">
   <p:cSld>
     <p:bg>
@@ -15007,89 +15312,6 @@
 </p:sld>
 </file>
 
-<file path=ppt/slides/slide18.xml><?xml version="1.0" encoding="utf-8"?>
-<p:sld xmlns:a="http://schemas.openxmlformats.org/drawingml/2006/main" xmlns:r="http://schemas.openxmlformats.org/officeDocument/2006/relationships" xmlns:p="http://schemas.openxmlformats.org/presentationml/2006/main">
-  <p:cSld>
-    <p:spTree>
-      <p:nvGrpSpPr>
-        <p:cNvPr id="1" name=""/>
-        <p:cNvGrpSpPr/>
-        <p:nvPr/>
-      </p:nvGrpSpPr>
-      <p:grpSpPr>
-        <a:xfrm>
-          <a:off x="0" y="0"/>
-          <a:ext cx="0" cy="0"/>
-          <a:chOff x="0" y="0"/>
-          <a:chExt cx="0" cy="0"/>
-        </a:xfrm>
-      </p:grpSpPr>
-      <p:sp>
-        <p:nvSpPr>
-          <p:cNvPr id="2" name="Title 1">
-            <a:extLst>
-              <a:ext uri="{FF2B5EF4-FFF2-40B4-BE49-F238E27FC236}">
-                <a16:creationId xmlns:a16="http://schemas.microsoft.com/office/drawing/2014/main" id="{BEAB9517-2382-4CF2-9CD3-F61F01DCA495}"/>
-              </a:ext>
-            </a:extLst>
-          </p:cNvPr>
-          <p:cNvSpPr>
-            <a:spLocks noGrp="1"/>
-          </p:cNvSpPr>
-          <p:nvPr>
-            <p:ph type="title"/>
-          </p:nvPr>
-        </p:nvSpPr>
-        <p:spPr/>
-        <p:txBody>
-          <a:bodyPr/>
-          <a:lstStyle/>
-          <a:p>
-            <a:r>
-              <a:rPr lang="en-US" dirty="0"/>
-              <a:t>Overview</a:t>
-            </a:r>
-          </a:p>
-        </p:txBody>
-      </p:sp>
-      <p:sp>
-        <p:nvSpPr>
-          <p:cNvPr id="3" name="Content Placeholder 2">
-            <a:extLst>
-              <a:ext uri="{FF2B5EF4-FFF2-40B4-BE49-F238E27FC236}">
-                <a16:creationId xmlns:a16="http://schemas.microsoft.com/office/drawing/2014/main" id="{CC7022AE-5C91-4C76-8D25-3C0AD1F57601}"/>
-              </a:ext>
-            </a:extLst>
-          </p:cNvPr>
-          <p:cNvSpPr>
-            <a:spLocks noGrp="1"/>
-          </p:cNvSpPr>
-          <p:nvPr>
-            <p:ph idx="1"/>
-          </p:nvPr>
-        </p:nvSpPr>
-        <p:spPr/>
-        <p:txBody>
-          <a:bodyPr/>
-          <a:lstStyle/>
-          <a:p>
-            <a:endParaRPr lang="en-US"/>
-          </a:p>
-        </p:txBody>
-      </p:sp>
-    </p:spTree>
-    <p:extLst>
-      <p:ext uri="{BB962C8B-B14F-4D97-AF65-F5344CB8AC3E}">
-        <p14:creationId xmlns:p14="http://schemas.microsoft.com/office/powerpoint/2010/main" val="2917693048"/>
-      </p:ext>
-    </p:extLst>
-  </p:cSld>
-  <p:clrMapOvr>
-    <a:masterClrMapping/>
-  </p:clrMapOvr>
-</p:sld>
-</file>
-
 <file path=ppt/slides/slide2.xml><?xml version="1.0" encoding="utf-8"?>
 <p:sld xmlns:a="http://schemas.openxmlformats.org/drawingml/2006/main" xmlns:r="http://schemas.openxmlformats.org/officeDocument/2006/relationships" xmlns:p="http://schemas.openxmlformats.org/presentationml/2006/main">
   <p:cSld>
@@ -15456,6 +15678,89 @@
   </p:cSld>
   <p:clrMapOvr>
     <a:overrideClrMapping bg1="dk1" tx1="lt1" bg2="dk2" tx2="lt2" accent1="accent1" accent2="accent2" accent3="accent3" accent4="accent4" accent5="accent5" accent6="accent6" hlink="hlink" folHlink="folHlink"/>
+  </p:clrMapOvr>
+</p:sld>
+</file>
+
+<file path=ppt/slides/slide20.xml><?xml version="1.0" encoding="utf-8"?>
+<p:sld xmlns:a="http://schemas.openxmlformats.org/drawingml/2006/main" xmlns:r="http://schemas.openxmlformats.org/officeDocument/2006/relationships" xmlns:p="http://schemas.openxmlformats.org/presentationml/2006/main">
+  <p:cSld>
+    <p:spTree>
+      <p:nvGrpSpPr>
+        <p:cNvPr id="1" name=""/>
+        <p:cNvGrpSpPr/>
+        <p:nvPr/>
+      </p:nvGrpSpPr>
+      <p:grpSpPr>
+        <a:xfrm>
+          <a:off x="0" y="0"/>
+          <a:ext cx="0" cy="0"/>
+          <a:chOff x="0" y="0"/>
+          <a:chExt cx="0" cy="0"/>
+        </a:xfrm>
+      </p:grpSpPr>
+      <p:sp>
+        <p:nvSpPr>
+          <p:cNvPr id="2" name="Title 1">
+            <a:extLst>
+              <a:ext uri="{FF2B5EF4-FFF2-40B4-BE49-F238E27FC236}">
+                <a16:creationId xmlns:a16="http://schemas.microsoft.com/office/drawing/2014/main" id="{BEAB9517-2382-4CF2-9CD3-F61F01DCA495}"/>
+              </a:ext>
+            </a:extLst>
+          </p:cNvPr>
+          <p:cNvSpPr>
+            <a:spLocks noGrp="1"/>
+          </p:cNvSpPr>
+          <p:nvPr>
+            <p:ph type="title"/>
+          </p:nvPr>
+        </p:nvSpPr>
+        <p:spPr/>
+        <p:txBody>
+          <a:bodyPr/>
+          <a:lstStyle/>
+          <a:p>
+            <a:r>
+              <a:rPr lang="en-US" dirty="0"/>
+              <a:t>Overview</a:t>
+            </a:r>
+          </a:p>
+        </p:txBody>
+      </p:sp>
+      <p:sp>
+        <p:nvSpPr>
+          <p:cNvPr id="3" name="Content Placeholder 2">
+            <a:extLst>
+              <a:ext uri="{FF2B5EF4-FFF2-40B4-BE49-F238E27FC236}">
+                <a16:creationId xmlns:a16="http://schemas.microsoft.com/office/drawing/2014/main" id="{CC7022AE-5C91-4C76-8D25-3C0AD1F57601}"/>
+              </a:ext>
+            </a:extLst>
+          </p:cNvPr>
+          <p:cNvSpPr>
+            <a:spLocks noGrp="1"/>
+          </p:cNvSpPr>
+          <p:nvPr>
+            <p:ph idx="1"/>
+          </p:nvPr>
+        </p:nvSpPr>
+        <p:spPr/>
+        <p:txBody>
+          <a:bodyPr/>
+          <a:lstStyle/>
+          <a:p>
+            <a:endParaRPr lang="en-US"/>
+          </a:p>
+        </p:txBody>
+      </p:sp>
+    </p:spTree>
+    <p:extLst>
+      <p:ext uri="{BB962C8B-B14F-4D97-AF65-F5344CB8AC3E}">
+        <p14:creationId xmlns:p14="http://schemas.microsoft.com/office/powerpoint/2010/main" val="2917693048"/>
+      </p:ext>
+    </p:extLst>
+  </p:cSld>
+  <p:clrMapOvr>
+    <a:masterClrMapping/>
   </p:clrMapOvr>
 </p:sld>
 </file>
@@ -16470,7 +16775,7 @@
           <a:lstStyle/>
           <a:p>
             <a:r>
-              <a:rPr lang="en-US" sz="4800" kern="1200">
+              <a:rPr lang="en-US" sz="4800" kern="1200" dirty="0">
                 <a:solidFill>
                   <a:schemeClr val="tx1"/>
                 </a:solidFill>
@@ -16478,7 +16783,7 @@
                 <a:ea typeface="+mj-ea"/>
                 <a:cs typeface="+mj-cs"/>
               </a:rPr>
-              <a:t>The Image Pre-Processing</a:t>
+              <a:t>Image Processing and Network State</a:t>
             </a:r>
           </a:p>
         </p:txBody>
@@ -16562,7 +16867,28 @@
           <a:bodyPr/>
           <a:lstStyle/>
           <a:p>
-            <a:endParaRPr lang="en-US"/>
+            <a:r>
+              <a:rPr lang="en-US" dirty="0"/>
+              <a:t>Original data proved by Belgium Traffic Service</a:t>
+            </a:r>
+          </a:p>
+          <a:p>
+            <a:r>
+              <a:rPr lang="en-US" dirty="0"/>
+              <a:t>Consists of images of street signs belonging to 62 categories</a:t>
+            </a:r>
+          </a:p>
+          <a:p>
+            <a:r>
+              <a:rPr lang="en-US" dirty="0"/>
+              <a:t>Training set has 4575 images, testing has 2520 images</a:t>
+            </a:r>
+          </a:p>
+          <a:p>
+            <a:r>
+              <a:rPr lang="en-US" dirty="0"/>
+              <a:t>Images are of varying size and aspect ratio, so they must be altered to a normalized size</a:t>
+            </a:r>
           </a:p>
         </p:txBody>
       </p:sp>
@@ -16580,6 +16906,277 @@
 </file>
 
 <file path=ppt/slides/slide7.xml><?xml version="1.0" encoding="utf-8"?>
+<p:sld xmlns:a="http://schemas.openxmlformats.org/drawingml/2006/main" xmlns:r="http://schemas.openxmlformats.org/officeDocument/2006/relationships" xmlns:p="http://schemas.openxmlformats.org/presentationml/2006/main">
+  <p:cSld>
+    <p:spTree>
+      <p:nvGrpSpPr>
+        <p:cNvPr id="1" name=""/>
+        <p:cNvGrpSpPr/>
+        <p:nvPr/>
+      </p:nvGrpSpPr>
+      <p:grpSpPr>
+        <a:xfrm>
+          <a:off x="0" y="0"/>
+          <a:ext cx="0" cy="0"/>
+          <a:chOff x="0" y="0"/>
+          <a:chExt cx="0" cy="0"/>
+        </a:xfrm>
+      </p:grpSpPr>
+      <p:sp>
+        <p:nvSpPr>
+          <p:cNvPr id="2" name="Title 1">
+            <a:extLst>
+              <a:ext uri="{FF2B5EF4-FFF2-40B4-BE49-F238E27FC236}">
+                <a16:creationId xmlns:a16="http://schemas.microsoft.com/office/drawing/2014/main" id="{1C502095-0D8A-41F8-B21D-937C2A1A253A}"/>
+              </a:ext>
+            </a:extLst>
+          </p:cNvPr>
+          <p:cNvSpPr>
+            <a:spLocks noGrp="1"/>
+          </p:cNvSpPr>
+          <p:nvPr>
+            <p:ph type="title"/>
+          </p:nvPr>
+        </p:nvSpPr>
+        <p:spPr/>
+        <p:txBody>
+          <a:bodyPr/>
+          <a:lstStyle/>
+          <a:p>
+            <a:r>
+              <a:rPr lang="en-US" dirty="0"/>
+              <a:t>Image Processing</a:t>
+            </a:r>
+          </a:p>
+        </p:txBody>
+      </p:sp>
+      <p:sp>
+        <p:nvSpPr>
+          <p:cNvPr id="3" name="Content Placeholder 2">
+            <a:extLst>
+              <a:ext uri="{FF2B5EF4-FFF2-40B4-BE49-F238E27FC236}">
+                <a16:creationId xmlns:a16="http://schemas.microsoft.com/office/drawing/2014/main" id="{0903EC3D-47B3-4ECD-BC03-5B503CDF40AD}"/>
+              </a:ext>
+            </a:extLst>
+          </p:cNvPr>
+          <p:cNvSpPr>
+            <a:spLocks noGrp="1"/>
+          </p:cNvSpPr>
+          <p:nvPr>
+            <p:ph idx="1"/>
+          </p:nvPr>
+        </p:nvSpPr>
+        <p:spPr/>
+        <p:txBody>
+          <a:bodyPr/>
+          <a:lstStyle/>
+          <a:p>
+            <a:r>
+              <a:rPr lang="en-US" dirty="0"/>
+              <a:t>When the images are loaded, directory structure used to pre-classify their correct categories</a:t>
+            </a:r>
+          </a:p>
+          <a:p>
+            <a:r>
+              <a:rPr lang="en-US" dirty="0"/>
+              <a:t>Following this, </a:t>
+            </a:r>
+            <a:r>
+              <a:rPr lang="en-US" dirty="0" err="1"/>
+              <a:t>skimage</a:t>
+            </a:r>
+            <a:r>
+              <a:rPr lang="en-US" dirty="0"/>
+              <a:t> from </a:t>
+            </a:r>
+            <a:r>
+              <a:rPr lang="en-US" dirty="0" err="1"/>
+              <a:t>Scikit</a:t>
+            </a:r>
+            <a:r>
+              <a:rPr lang="en-US" dirty="0"/>
+              <a:t> Image Library to resize and scale all images to 64 x 64</a:t>
+            </a:r>
+          </a:p>
+          <a:p>
+            <a:r>
+              <a:rPr lang="en-US" dirty="0"/>
+              <a:t>These output images go to a </a:t>
+            </a:r>
+            <a:r>
+              <a:rPr lang="en-US" dirty="0" err="1"/>
+              <a:t>numpy</a:t>
+            </a:r>
+            <a:r>
+              <a:rPr lang="en-US" dirty="0"/>
+              <a:t> array, which is expanded into a 4D tensor of [</a:t>
+            </a:r>
+            <a:r>
+              <a:rPr lang="en-US" dirty="0" err="1"/>
+              <a:t>batch_size</a:t>
+            </a:r>
+            <a:r>
+              <a:rPr lang="en-US" dirty="0"/>
+              <a:t>, </a:t>
+            </a:r>
+            <a:r>
+              <a:rPr lang="en-US" dirty="0" err="1"/>
+              <a:t>pixelwidth</a:t>
+            </a:r>
+            <a:r>
+              <a:rPr lang="en-US" dirty="0"/>
+              <a:t>, </a:t>
+            </a:r>
+            <a:r>
+              <a:rPr lang="en-US" dirty="0" err="1"/>
+              <a:t>pixelheight</a:t>
+            </a:r>
+            <a:r>
+              <a:rPr lang="en-US" dirty="0"/>
+              <a:t>, </a:t>
+            </a:r>
+            <a:r>
+              <a:rPr lang="en-US" dirty="0" err="1"/>
+              <a:t>colorchannels</a:t>
+            </a:r>
+            <a:r>
+              <a:rPr lang="en-US" dirty="0"/>
+              <a:t>]</a:t>
+            </a:r>
+          </a:p>
+          <a:p>
+            <a:r>
+              <a:rPr lang="en-US" dirty="0"/>
+              <a:t>Once this is flattened, it becomes the input for our neural network</a:t>
+            </a:r>
+          </a:p>
+        </p:txBody>
+      </p:sp>
+    </p:spTree>
+    <p:extLst>
+      <p:ext uri="{BB962C8B-B14F-4D97-AF65-F5344CB8AC3E}">
+        <p14:creationId xmlns:p14="http://schemas.microsoft.com/office/powerpoint/2010/main" val="94110138"/>
+      </p:ext>
+    </p:extLst>
+  </p:cSld>
+  <p:clrMapOvr>
+    <a:masterClrMapping/>
+  </p:clrMapOvr>
+</p:sld>
+</file>
+
+<file path=ppt/slides/slide8.xml><?xml version="1.0" encoding="utf-8"?>
+<p:sld xmlns:a="http://schemas.openxmlformats.org/drawingml/2006/main" xmlns:r="http://schemas.openxmlformats.org/officeDocument/2006/relationships" xmlns:p="http://schemas.openxmlformats.org/presentationml/2006/main">
+  <p:cSld>
+    <p:spTree>
+      <p:nvGrpSpPr>
+        <p:cNvPr id="1" name=""/>
+        <p:cNvGrpSpPr/>
+        <p:nvPr/>
+      </p:nvGrpSpPr>
+      <p:grpSpPr>
+        <a:xfrm>
+          <a:off x="0" y="0"/>
+          <a:ext cx="0" cy="0"/>
+          <a:chOff x="0" y="0"/>
+          <a:chExt cx="0" cy="0"/>
+        </a:xfrm>
+      </p:grpSpPr>
+      <p:sp>
+        <p:nvSpPr>
+          <p:cNvPr id="2" name="Title 1">
+            <a:extLst>
+              <a:ext uri="{FF2B5EF4-FFF2-40B4-BE49-F238E27FC236}">
+                <a16:creationId xmlns:a16="http://schemas.microsoft.com/office/drawing/2014/main" id="{AB476B97-37E8-432A-BD0E-D1DE9D5CA3BC}"/>
+              </a:ext>
+            </a:extLst>
+          </p:cNvPr>
+          <p:cNvSpPr>
+            <a:spLocks noGrp="1"/>
+          </p:cNvSpPr>
+          <p:nvPr>
+            <p:ph type="title"/>
+          </p:nvPr>
+        </p:nvSpPr>
+        <p:spPr/>
+        <p:txBody>
+          <a:bodyPr/>
+          <a:lstStyle/>
+          <a:p>
+            <a:r>
+              <a:rPr lang="en-US" dirty="0"/>
+              <a:t>Network State</a:t>
+            </a:r>
+          </a:p>
+        </p:txBody>
+      </p:sp>
+      <p:sp>
+        <p:nvSpPr>
+          <p:cNvPr id="3" name="Content Placeholder 2">
+            <a:extLst>
+              <a:ext uri="{FF2B5EF4-FFF2-40B4-BE49-F238E27FC236}">
+                <a16:creationId xmlns:a16="http://schemas.microsoft.com/office/drawing/2014/main" id="{137EC498-A3D0-4A57-8922-D1BFF3F5C898}"/>
+              </a:ext>
+            </a:extLst>
+          </p:cNvPr>
+          <p:cNvSpPr>
+            <a:spLocks noGrp="1"/>
+          </p:cNvSpPr>
+          <p:nvPr>
+            <p:ph idx="1"/>
+          </p:nvPr>
+        </p:nvSpPr>
+        <p:spPr/>
+        <p:txBody>
+          <a:bodyPr/>
+          <a:lstStyle/>
+          <a:p>
+            <a:r>
+              <a:rPr lang="en-US" dirty="0"/>
+              <a:t>By using functionality within </a:t>
+            </a:r>
+            <a:r>
+              <a:rPr lang="en-US" dirty="0" err="1"/>
+              <a:t>TensorFlow</a:t>
+            </a:r>
+            <a:r>
+              <a:rPr lang="en-US" dirty="0"/>
+              <a:t>, the network is configured to save its state at regular intervals</a:t>
+            </a:r>
+          </a:p>
+          <a:p>
+            <a:r>
+              <a:rPr lang="en-US" dirty="0"/>
+              <a:t>We can use this to load saved networks, or continue training from a previous state</a:t>
+            </a:r>
+          </a:p>
+          <a:p>
+            <a:r>
+              <a:rPr lang="en-US" dirty="0"/>
+              <a:t>Allows us to easily run through the testing set as needed, and prevent network re-training </a:t>
+            </a:r>
+            <a:r>
+              <a:rPr lang="en-US"/>
+              <a:t>with each run</a:t>
+            </a:r>
+            <a:endParaRPr lang="en-US" dirty="0"/>
+          </a:p>
+        </p:txBody>
+      </p:sp>
+    </p:spTree>
+    <p:extLst>
+      <p:ext uri="{BB962C8B-B14F-4D97-AF65-F5344CB8AC3E}">
+        <p14:creationId xmlns:p14="http://schemas.microsoft.com/office/powerpoint/2010/main" val="3506972946"/>
+      </p:ext>
+    </p:extLst>
+  </p:cSld>
+  <p:clrMapOvr>
+    <a:masterClrMapping/>
+  </p:clrMapOvr>
+</p:sld>
+</file>
+
+<file path=ppt/slides/slide9.xml><?xml version="1.0" encoding="utf-8"?>
 <p:sld xmlns:a="http://schemas.openxmlformats.org/drawingml/2006/main" xmlns:r="http://schemas.openxmlformats.org/officeDocument/2006/relationships" xmlns:p="http://schemas.openxmlformats.org/presentationml/2006/main">
   <p:cSld>
     <p:bg>
@@ -17248,309 +17845,6 @@
     <p:extLst>
       <p:ext uri="{BB962C8B-B14F-4D97-AF65-F5344CB8AC3E}">
         <p14:creationId xmlns:p14="http://schemas.microsoft.com/office/powerpoint/2010/main" val="3150459220"/>
-      </p:ext>
-    </p:extLst>
-  </p:cSld>
-  <p:clrMapOvr>
-    <a:masterClrMapping/>
-  </p:clrMapOvr>
-</p:sld>
-</file>
-
-<file path=ppt/slides/slide8.xml><?xml version="1.0" encoding="utf-8"?>
-<p:sld xmlns:a="http://schemas.openxmlformats.org/drawingml/2006/main" xmlns:r="http://schemas.openxmlformats.org/officeDocument/2006/relationships" xmlns:p="http://schemas.openxmlformats.org/presentationml/2006/main">
-  <p:cSld>
-    <p:spTree>
-      <p:nvGrpSpPr>
-        <p:cNvPr id="1" name=""/>
-        <p:cNvGrpSpPr/>
-        <p:nvPr/>
-      </p:nvGrpSpPr>
-      <p:grpSpPr>
-        <a:xfrm>
-          <a:off x="0" y="0"/>
-          <a:ext cx="0" cy="0"/>
-          <a:chOff x="0" y="0"/>
-          <a:chExt cx="0" cy="0"/>
-        </a:xfrm>
-      </p:grpSpPr>
-      <p:sp>
-        <p:nvSpPr>
-          <p:cNvPr id="2" name="Title 1">
-            <a:extLst>
-              <a:ext uri="{FF2B5EF4-FFF2-40B4-BE49-F238E27FC236}">
-                <a16:creationId xmlns:a16="http://schemas.microsoft.com/office/drawing/2014/main" id="{D8A57106-89B4-4C8D-8013-9A2E4C858738}"/>
-              </a:ext>
-            </a:extLst>
-          </p:cNvPr>
-          <p:cNvSpPr>
-            <a:spLocks noGrp="1"/>
-          </p:cNvSpPr>
-          <p:nvPr>
-            <p:ph type="title"/>
-          </p:nvPr>
-        </p:nvSpPr>
-        <p:spPr>
-          <a:xfrm>
-            <a:off x="838200" y="365125"/>
-            <a:ext cx="10515600" cy="1325563"/>
-          </a:xfrm>
-        </p:spPr>
-        <p:txBody>
-          <a:bodyPr/>
-          <a:lstStyle/>
-          <a:p>
-            <a:r>
-              <a:rPr lang="en-US"/>
-              <a:t>Input Layer</a:t>
-            </a:r>
-            <a:endParaRPr lang="en-US" dirty="0"/>
-          </a:p>
-        </p:txBody>
-      </p:sp>
-      <p:sp>
-        <p:nvSpPr>
-          <p:cNvPr id="3" name="Content Placeholder 2">
-            <a:extLst>
-              <a:ext uri="{FF2B5EF4-FFF2-40B4-BE49-F238E27FC236}">
-                <a16:creationId xmlns:a16="http://schemas.microsoft.com/office/drawing/2014/main" id="{41E704F3-0265-4E41-AF1D-5D63380BEB32}"/>
-              </a:ext>
-            </a:extLst>
-          </p:cNvPr>
-          <p:cNvSpPr>
-            <a:spLocks noGrp="1"/>
-          </p:cNvSpPr>
-          <p:nvPr>
-            <p:ph idx="1"/>
-          </p:nvPr>
-        </p:nvSpPr>
-        <p:spPr/>
-        <p:txBody>
-          <a:bodyPr/>
-          <a:lstStyle/>
-          <a:p>
-            <a:r>
-              <a:rPr lang="en-US" dirty="0"/>
-              <a:t>Of the form:</a:t>
-            </a:r>
-          </a:p>
-          <a:p>
-            <a:pPr lvl="1"/>
-            <a:r>
-              <a:rPr lang="en-US" dirty="0"/>
-              <a:t>[</a:t>
-            </a:r>
-            <a:r>
-              <a:rPr lang="en-US" dirty="0" err="1"/>
-              <a:t>batch_size,image_width,image_height,channels</a:t>
-            </a:r>
-            <a:r>
-              <a:rPr lang="en-US" dirty="0"/>
-              <a:t>]</a:t>
-            </a:r>
-          </a:p>
-          <a:p>
-            <a:r>
-              <a:rPr lang="en-US" dirty="0"/>
-              <a:t>Our batch size was set up as -1</a:t>
-            </a:r>
-          </a:p>
-          <a:p>
-            <a:pPr lvl="1"/>
-            <a:r>
-              <a:rPr lang="en-US" dirty="0"/>
-              <a:t>Means we are dynamically computing our batch size</a:t>
-            </a:r>
-          </a:p>
-          <a:p>
-            <a:r>
-              <a:rPr lang="en-US" dirty="0"/>
-              <a:t>64x64-pixel images</a:t>
-            </a:r>
-          </a:p>
-          <a:p>
-            <a:r>
-              <a:rPr lang="en-US" dirty="0"/>
-              <a:t>RGB </a:t>
-            </a:r>
-          </a:p>
-          <a:p>
-            <a:pPr lvl="1"/>
-            <a:r>
-              <a:rPr lang="en-US" dirty="0"/>
-              <a:t>This means we need 3 color channels</a:t>
-            </a:r>
-          </a:p>
-        </p:txBody>
-      </p:sp>
-    </p:spTree>
-    <p:extLst>
-      <p:ext uri="{BB962C8B-B14F-4D97-AF65-F5344CB8AC3E}">
-        <p14:creationId xmlns:p14="http://schemas.microsoft.com/office/powerpoint/2010/main" val="2323484354"/>
-      </p:ext>
-    </p:extLst>
-  </p:cSld>
-  <p:clrMapOvr>
-    <a:masterClrMapping/>
-  </p:clrMapOvr>
-</p:sld>
-</file>
-
-<file path=ppt/slides/slide9.xml><?xml version="1.0" encoding="utf-8"?>
-<p:sld xmlns:a="http://schemas.openxmlformats.org/drawingml/2006/main" xmlns:r="http://schemas.openxmlformats.org/officeDocument/2006/relationships" xmlns:p="http://schemas.openxmlformats.org/presentationml/2006/main">
-  <p:cSld>
-    <p:bg>
-      <p:bgPr>
-        <a:solidFill>
-          <a:schemeClr val="bg1"/>
-        </a:solidFill>
-        <a:effectLst/>
-      </p:bgPr>
-    </p:bg>
-    <p:spTree>
-      <p:nvGrpSpPr>
-        <p:cNvPr id="1" name=""/>
-        <p:cNvGrpSpPr/>
-        <p:nvPr/>
-      </p:nvGrpSpPr>
-      <p:grpSpPr>
-        <a:xfrm>
-          <a:off x="0" y="0"/>
-          <a:ext cx="0" cy="0"/>
-          <a:chOff x="0" y="0"/>
-          <a:chExt cx="0" cy="0"/>
-        </a:xfrm>
-      </p:grpSpPr>
-      <p:sp>
-        <p:nvSpPr>
-          <p:cNvPr id="10" name="Rectangle 9">
-            <a:extLst>
-              <a:ext uri="{FF2B5EF4-FFF2-40B4-BE49-F238E27FC236}">
-                <a16:creationId xmlns:a16="http://schemas.microsoft.com/office/drawing/2014/main" id="{D7481200-3BB2-4CA3-9D54-1077F6F7653A}"/>
-              </a:ext>
-            </a:extLst>
-          </p:cNvPr>
-          <p:cNvSpPr>
-            <a:spLocks noGrp="1" noRot="1" noChangeAspect="1" noMove="1" noResize="1" noEditPoints="1" noAdjustHandles="1" noChangeArrowheads="1" noChangeShapeType="1" noTextEdit="1"/>
-          </p:cNvSpPr>
-          <p:nvPr>
-            <p:extLst>
-              <p:ext uri="{386F3935-93C4-4BCD-93E2-E3B085C9AB24}">
-                <p16:designElem xmlns:p16="http://schemas.microsoft.com/office/powerpoint/2015/main" val="1"/>
-              </p:ext>
-            </p:extLst>
-          </p:nvPr>
-        </p:nvSpPr>
-        <p:spPr>
-          <a:xfrm>
-            <a:off x="7555992" y="0"/>
-            <a:ext cx="4636008" cy="6858000"/>
-          </a:xfrm>
-          <a:prstGeom prst="rect">
-            <a:avLst/>
-          </a:prstGeom>
-          <a:solidFill>
-            <a:schemeClr val="bg2">
-              <a:lumMod val="50000"/>
-            </a:schemeClr>
-          </a:solidFill>
-          <a:ln>
-            <a:noFill/>
-          </a:ln>
-        </p:spPr>
-        <p:style>
-          <a:lnRef idx="2">
-            <a:schemeClr val="accent1">
-              <a:shade val="50000"/>
-            </a:schemeClr>
-          </a:lnRef>
-          <a:fillRef idx="1">
-            <a:schemeClr val="accent1"/>
-          </a:fillRef>
-          <a:effectRef idx="0">
-            <a:schemeClr val="accent1"/>
-          </a:effectRef>
-          <a:fontRef idx="minor">
-            <a:schemeClr val="lt1"/>
-          </a:fontRef>
-        </p:style>
-        <p:txBody>
-          <a:bodyPr rtlCol="0" anchor="ctr"/>
-          <a:lstStyle/>
-          <a:p>
-            <a:pPr algn="ctr"/>
-            <a:endParaRPr lang="en-US"/>
-          </a:p>
-        </p:txBody>
-      </p:sp>
-      <p:sp>
-        <p:nvSpPr>
-          <p:cNvPr id="2" name="Title 1">
-            <a:extLst>
-              <a:ext uri="{FF2B5EF4-FFF2-40B4-BE49-F238E27FC236}">
-                <a16:creationId xmlns:a16="http://schemas.microsoft.com/office/drawing/2014/main" id="{F467BB89-58D6-4400-B477-11200DCFF7CF}"/>
-              </a:ext>
-            </a:extLst>
-          </p:cNvPr>
-          <p:cNvSpPr>
-            <a:spLocks noGrp="1"/>
-          </p:cNvSpPr>
-          <p:nvPr>
-            <p:ph type="title"/>
-          </p:nvPr>
-        </p:nvSpPr>
-        <p:spPr>
-          <a:xfrm>
-            <a:off x="8199459" y="642938"/>
-            <a:ext cx="3670808" cy="5502264"/>
-          </a:xfrm>
-        </p:spPr>
-        <p:txBody>
-          <a:bodyPr>
-            <a:normAutofit/>
-          </a:bodyPr>
-          <a:lstStyle/>
-          <a:p>
-            <a:r>
-              <a:rPr lang="en-US">
-                <a:solidFill>
-                  <a:srgbClr val="FFFFFF"/>
-                </a:solidFill>
-              </a:rPr>
-              <a:t>ReLU Activation Function</a:t>
-            </a:r>
-          </a:p>
-        </p:txBody>
-      </p:sp>
-      <p:graphicFrame>
-        <p:nvGraphicFramePr>
-          <p:cNvPr id="5" name="Content Placeholder 2"/>
-          <p:cNvGraphicFramePr>
-            <a:graphicFrameLocks noGrp="1"/>
-          </p:cNvGraphicFramePr>
-          <p:nvPr>
-            <p:ph idx="1"/>
-            <p:extLst>
-              <p:ext uri="{D42A27DB-BD31-4B8C-83A1-F6EECF244321}">
-                <p14:modId xmlns:p14="http://schemas.microsoft.com/office/powerpoint/2010/main" val="2128253224"/>
-              </p:ext>
-            </p:extLst>
-          </p:nvPr>
-        </p:nvGraphicFramePr>
-        <p:xfrm>
-          <a:off x="642938" y="642938"/>
-          <a:ext cx="6269037" cy="5572125"/>
-        </p:xfrm>
-        <a:graphic>
-          <a:graphicData uri="http://schemas.openxmlformats.org/drawingml/2006/diagram">
-            <dgm:relIds xmlns:dgm="http://schemas.openxmlformats.org/drawingml/2006/diagram" xmlns:r="http://schemas.openxmlformats.org/officeDocument/2006/relationships" r:dm="rId2" r:lo="rId3" r:qs="rId4" r:cs="rId5"/>
-          </a:graphicData>
-        </a:graphic>
-      </p:graphicFrame>
-    </p:spTree>
-    <p:extLst>
-      <p:ext uri="{BB962C8B-B14F-4D97-AF65-F5344CB8AC3E}">
-        <p14:creationId xmlns:p14="http://schemas.microsoft.com/office/powerpoint/2010/main" val="1118698132"/>
       </p:ext>
     </p:extLst>
   </p:cSld>
